--- a/doc/Fortnite Ping Tiny Seed 2019-12-02.pptx
+++ b/doc/Fortnite Ping Tiny Seed 2019-12-02.pptx
@@ -13,6 +13,13 @@
     <p:sldId id="261" r:id="rId7"/>
     <p:sldId id="262" r:id="rId8"/>
     <p:sldId id="263" r:id="rId9"/>
+    <p:sldId id="264" r:id="rId10"/>
+    <p:sldId id="265" r:id="rId11"/>
+    <p:sldId id="266" r:id="rId12"/>
+    <p:sldId id="267" r:id="rId13"/>
+    <p:sldId id="268" r:id="rId14"/>
+    <p:sldId id="270" r:id="rId15"/>
+    <p:sldId id="271" r:id="rId16"/>
   </p:sldIdLst>
   <p:sldSz cx="12192000" cy="6858000"/>
   <p:notesSz cx="6858000" cy="9144000"/>
@@ -3378,18 +3385,29 @@
         </p:nvSpPr>
         <p:spPr>
           <a:xfrm>
-            <a:off x="1524000" y="4435061"/>
-            <a:ext cx="9144000" cy="822738"/>
+            <a:off x="1524000" y="4911865"/>
+            <a:ext cx="9144000" cy="695916"/>
           </a:xfrm>
         </p:spPr>
         <p:txBody>
-          <a:bodyPr/>
+          <a:bodyPr>
+            <a:normAutofit fontScale="85000" lnSpcReduction="20000"/>
+          </a:bodyPr>
           <a:lstStyle/>
           <a:p>
             <a:r>
               <a:rPr lang="en-US" dirty="0"/>
               <a:t>Tiny Seed  December 2, 2019</a:t>
             </a:r>
+          </a:p>
+          <a:p>
+            <a:r>
+              <a:rPr lang="en-US" dirty="0"/>
+              <a:t>fortniteping.com  scottmckissock.gmail.com</a:t>
+            </a:r>
+          </a:p>
+          <a:p>
+            <a:endParaRPr lang="en-US" dirty="0"/>
           </a:p>
         </p:txBody>
       </p:sp>
@@ -3415,8 +3433,8 @@
         </p:blipFill>
         <p:spPr>
           <a:xfrm>
-            <a:off x="2405062" y="1497496"/>
-            <a:ext cx="7381875" cy="2584174"/>
+            <a:off x="1816662" y="1122363"/>
+            <a:ext cx="8260429" cy="3040989"/>
           </a:xfrm>
           <a:prstGeom prst="rect">
             <a:avLst/>
@@ -3427,6 +3445,7794 @@
     <p:extLst>
       <p:ext uri="{BB962C8B-B14F-4D97-AF65-F5344CB8AC3E}">
         <p14:creationId xmlns:p14="http://schemas.microsoft.com/office/powerpoint/2010/main" val="3828342721"/>
+      </p:ext>
+    </p:extLst>
+  </p:cSld>
+  <p:clrMapOvr>
+    <a:masterClrMapping/>
+  </p:clrMapOvr>
+</p:sld>
+</file>
+
+<file path=ppt/slides/slide10.xml><?xml version="1.0" encoding="utf-8"?>
+<p:sld xmlns:a="http://schemas.openxmlformats.org/drawingml/2006/main" xmlns:r="http://schemas.openxmlformats.org/officeDocument/2006/relationships" xmlns:p="http://schemas.openxmlformats.org/presentationml/2006/main">
+  <p:cSld>
+    <p:spTree>
+      <p:nvGrpSpPr>
+        <p:cNvPr id="1" name=""/>
+        <p:cNvGrpSpPr/>
+        <p:nvPr/>
+      </p:nvGrpSpPr>
+      <p:grpSpPr>
+        <a:xfrm>
+          <a:off x="0" y="0"/>
+          <a:ext cx="0" cy="0"/>
+          <a:chOff x="0" y="0"/>
+          <a:chExt cx="0" cy="0"/>
+        </a:xfrm>
+      </p:grpSpPr>
+      <p:sp>
+        <p:nvSpPr>
+          <p:cNvPr id="2" name="Title 1">
+            <a:extLst>
+              <a:ext uri="{FF2B5EF4-FFF2-40B4-BE49-F238E27FC236}">
+                <a16:creationId xmlns:a16="http://schemas.microsoft.com/office/drawing/2014/main" id="{A5A34119-6AF6-4FCB-BD12-5812FFC44BD0}"/>
+              </a:ext>
+            </a:extLst>
+          </p:cNvPr>
+          <p:cNvSpPr>
+            <a:spLocks noGrp="1"/>
+          </p:cNvSpPr>
+          <p:nvPr>
+            <p:ph type="title"/>
+          </p:nvPr>
+        </p:nvSpPr>
+        <p:spPr>
+          <a:xfrm>
+            <a:off x="4315791" y="468243"/>
+            <a:ext cx="7038008" cy="1289915"/>
+          </a:xfrm>
+        </p:spPr>
+        <p:txBody>
+          <a:bodyPr>
+            <a:normAutofit/>
+          </a:bodyPr>
+          <a:lstStyle/>
+          <a:p>
+            <a:r>
+              <a:rPr lang="en-US" sz="4000" b="1" dirty="0"/>
+              <a:t>Revenue	</a:t>
+            </a:r>
+          </a:p>
+        </p:txBody>
+      </p:sp>
+      <p:graphicFrame>
+        <p:nvGraphicFramePr>
+          <p:cNvPr id="4" name="Content Placeholder 3">
+            <a:extLst>
+              <a:ext uri="{FF2B5EF4-FFF2-40B4-BE49-F238E27FC236}">
+                <a16:creationId xmlns:a16="http://schemas.microsoft.com/office/drawing/2014/main" id="{A963FD8F-55C5-475B-87E1-3FE84540FAF7}"/>
+              </a:ext>
+            </a:extLst>
+          </p:cNvPr>
+          <p:cNvGraphicFramePr>
+            <a:graphicFrameLocks noGrp="1"/>
+          </p:cNvGraphicFramePr>
+          <p:nvPr>
+            <p:ph idx="1"/>
+          </p:nvPr>
+        </p:nvGraphicFramePr>
+        <p:xfrm>
+          <a:off x="11258324" y="6048920"/>
+          <a:ext cx="256040" cy="249736"/>
+        </p:xfrm>
+        <a:graphic>
+          <a:graphicData uri="http://schemas.openxmlformats.org/drawingml/2006/table">
+            <a:tbl>
+              <a:tblPr>
+                <a:tableStyleId>{5C22544A-7EE6-4342-B048-85BDC9FD1C3A}</a:tableStyleId>
+              </a:tblPr>
+              <a:tblGrid>
+                <a:gridCol w="25604">
+                  <a:extLst>
+                    <a:ext uri="{9D8B030D-6E8A-4147-A177-3AD203B41FA5}">
+                      <a16:colId xmlns:a16="http://schemas.microsoft.com/office/drawing/2014/main" val="284570155"/>
+                    </a:ext>
+                  </a:extLst>
+                </a:gridCol>
+                <a:gridCol w="25604">
+                  <a:extLst>
+                    <a:ext uri="{9D8B030D-6E8A-4147-A177-3AD203B41FA5}">
+                      <a16:colId xmlns:a16="http://schemas.microsoft.com/office/drawing/2014/main" val="3191452590"/>
+                    </a:ext>
+                  </a:extLst>
+                </a:gridCol>
+                <a:gridCol w="25604">
+                  <a:extLst>
+                    <a:ext uri="{9D8B030D-6E8A-4147-A177-3AD203B41FA5}">
+                      <a16:colId xmlns:a16="http://schemas.microsoft.com/office/drawing/2014/main" val="898002170"/>
+                    </a:ext>
+                  </a:extLst>
+                </a:gridCol>
+                <a:gridCol w="25604">
+                  <a:extLst>
+                    <a:ext uri="{9D8B030D-6E8A-4147-A177-3AD203B41FA5}">
+                      <a16:colId xmlns:a16="http://schemas.microsoft.com/office/drawing/2014/main" val="3596421730"/>
+                    </a:ext>
+                  </a:extLst>
+                </a:gridCol>
+                <a:gridCol w="25604">
+                  <a:extLst>
+                    <a:ext uri="{9D8B030D-6E8A-4147-A177-3AD203B41FA5}">
+                      <a16:colId xmlns:a16="http://schemas.microsoft.com/office/drawing/2014/main" val="4144486758"/>
+                    </a:ext>
+                  </a:extLst>
+                </a:gridCol>
+                <a:gridCol w="25604">
+                  <a:extLst>
+                    <a:ext uri="{9D8B030D-6E8A-4147-A177-3AD203B41FA5}">
+                      <a16:colId xmlns:a16="http://schemas.microsoft.com/office/drawing/2014/main" val="3648498993"/>
+                    </a:ext>
+                  </a:extLst>
+                </a:gridCol>
+                <a:gridCol w="25604">
+                  <a:extLst>
+                    <a:ext uri="{9D8B030D-6E8A-4147-A177-3AD203B41FA5}">
+                      <a16:colId xmlns:a16="http://schemas.microsoft.com/office/drawing/2014/main" val="1828198151"/>
+                    </a:ext>
+                  </a:extLst>
+                </a:gridCol>
+                <a:gridCol w="25604">
+                  <a:extLst>
+                    <a:ext uri="{9D8B030D-6E8A-4147-A177-3AD203B41FA5}">
+                      <a16:colId xmlns:a16="http://schemas.microsoft.com/office/drawing/2014/main" val="3456111344"/>
+                    </a:ext>
+                  </a:extLst>
+                </a:gridCol>
+                <a:gridCol w="25604">
+                  <a:extLst>
+                    <a:ext uri="{9D8B030D-6E8A-4147-A177-3AD203B41FA5}">
+                      <a16:colId xmlns:a16="http://schemas.microsoft.com/office/drawing/2014/main" val="437942873"/>
+                    </a:ext>
+                  </a:extLst>
+                </a:gridCol>
+                <a:gridCol w="25604">
+                  <a:extLst>
+                    <a:ext uri="{9D8B030D-6E8A-4147-A177-3AD203B41FA5}">
+                      <a16:colId xmlns:a16="http://schemas.microsoft.com/office/drawing/2014/main" val="590697254"/>
+                    </a:ext>
+                  </a:extLst>
+                </a:gridCol>
+              </a:tblGrid>
+              <a:tr h="0">
+                <a:tc gridSpan="10">
+                  <a:txBody>
+                    <a:bodyPr/>
+                    <a:lstStyle/>
+                    <a:p>
+                      <a:pPr algn="ctr" fontAlgn="ctr"/>
+                      <a:r>
+                        <a:rPr lang="en-US" sz="100" u="none" strike="noStrike">
+                          <a:effectLst/>
+                        </a:rPr>
+                        <a:t>Revenue Projections</a:t>
+                      </a:r>
+                      <a:endParaRPr lang="en-US" sz="100" b="0" i="0" u="none" strike="noStrike">
+                        <a:solidFill>
+                          <a:srgbClr val="000000"/>
+                        </a:solidFill>
+                        <a:effectLst/>
+                        <a:latin typeface="Calibri" panose="020F0502020204030204" pitchFamily="34" charset="0"/>
+                      </a:endParaRPr>
+                    </a:p>
+                  </a:txBody>
+                  <a:tcPr marL="102" marR="102" marT="102" marB="0" anchor="ctr"/>
+                </a:tc>
+                <a:tc hMerge="1">
+                  <a:txBody>
+                    <a:bodyPr/>
+                    <a:lstStyle/>
+                    <a:p>
+                      <a:endParaRPr lang="en-US"/>
+                    </a:p>
+                  </a:txBody>
+                  <a:tcPr/>
+                </a:tc>
+                <a:tc hMerge="1">
+                  <a:txBody>
+                    <a:bodyPr/>
+                    <a:lstStyle/>
+                    <a:p>
+                      <a:endParaRPr lang="en-US"/>
+                    </a:p>
+                  </a:txBody>
+                  <a:tcPr/>
+                </a:tc>
+                <a:tc hMerge="1">
+                  <a:txBody>
+                    <a:bodyPr/>
+                    <a:lstStyle/>
+                    <a:p>
+                      <a:endParaRPr lang="en-US"/>
+                    </a:p>
+                  </a:txBody>
+                  <a:tcPr/>
+                </a:tc>
+                <a:tc hMerge="1">
+                  <a:txBody>
+                    <a:bodyPr/>
+                    <a:lstStyle/>
+                    <a:p>
+                      <a:endParaRPr lang="en-US"/>
+                    </a:p>
+                  </a:txBody>
+                  <a:tcPr/>
+                </a:tc>
+                <a:tc hMerge="1">
+                  <a:txBody>
+                    <a:bodyPr/>
+                    <a:lstStyle/>
+                    <a:p>
+                      <a:endParaRPr lang="en-US"/>
+                    </a:p>
+                  </a:txBody>
+                  <a:tcPr/>
+                </a:tc>
+                <a:tc hMerge="1">
+                  <a:txBody>
+                    <a:bodyPr/>
+                    <a:lstStyle/>
+                    <a:p>
+                      <a:endParaRPr lang="en-US"/>
+                    </a:p>
+                  </a:txBody>
+                  <a:tcPr/>
+                </a:tc>
+                <a:tc hMerge="1">
+                  <a:txBody>
+                    <a:bodyPr/>
+                    <a:lstStyle/>
+                    <a:p>
+                      <a:endParaRPr lang="en-US"/>
+                    </a:p>
+                  </a:txBody>
+                  <a:tcPr/>
+                </a:tc>
+                <a:tc hMerge="1">
+                  <a:txBody>
+                    <a:bodyPr/>
+                    <a:lstStyle/>
+                    <a:p>
+                      <a:endParaRPr lang="en-US"/>
+                    </a:p>
+                  </a:txBody>
+                  <a:tcPr/>
+                </a:tc>
+                <a:tc hMerge="1">
+                  <a:txBody>
+                    <a:bodyPr/>
+                    <a:lstStyle/>
+                    <a:p>
+                      <a:endParaRPr lang="en-US"/>
+                    </a:p>
+                  </a:txBody>
+                  <a:tcPr/>
+                </a:tc>
+                <a:extLst>
+                  <a:ext uri="{0D108BD9-81ED-4DB2-BD59-A6C34878D82A}">
+                    <a16:rowId xmlns:a16="http://schemas.microsoft.com/office/drawing/2014/main" val="784625192"/>
+                  </a:ext>
+                </a:extLst>
+              </a:tr>
+              <a:tr h="0">
+                <a:tc>
+                  <a:txBody>
+                    <a:bodyPr/>
+                    <a:lstStyle/>
+                    <a:p>
+                      <a:pPr algn="l" fontAlgn="b"/>
+                      <a:endParaRPr lang="en-US" sz="100" b="0" i="0" u="none" strike="noStrike">
+                        <a:solidFill>
+                          <a:srgbClr val="000000"/>
+                        </a:solidFill>
+                        <a:effectLst/>
+                        <a:latin typeface="Calibri" panose="020F0502020204030204" pitchFamily="34" charset="0"/>
+                      </a:endParaRPr>
+                    </a:p>
+                  </a:txBody>
+                  <a:tcPr marL="102" marR="102" marT="102" marB="0" anchor="b"/>
+                </a:tc>
+                <a:tc gridSpan="3">
+                  <a:txBody>
+                    <a:bodyPr/>
+                    <a:lstStyle/>
+                    <a:p>
+                      <a:pPr algn="ctr" fontAlgn="b"/>
+                      <a:r>
+                        <a:rPr lang="en-US" sz="100" u="none" strike="noStrike">
+                          <a:effectLst/>
+                        </a:rPr>
+                        <a:t>6 months</a:t>
+                      </a:r>
+                      <a:endParaRPr lang="en-US" sz="100" b="0" i="0" u="none" strike="noStrike">
+                        <a:solidFill>
+                          <a:srgbClr val="000000"/>
+                        </a:solidFill>
+                        <a:effectLst/>
+                        <a:latin typeface="Calibri" panose="020F0502020204030204" pitchFamily="34" charset="0"/>
+                      </a:endParaRPr>
+                    </a:p>
+                  </a:txBody>
+                  <a:tcPr marL="102" marR="102" marT="102" marB="0" anchor="b"/>
+                </a:tc>
+                <a:tc hMerge="1">
+                  <a:txBody>
+                    <a:bodyPr/>
+                    <a:lstStyle/>
+                    <a:p>
+                      <a:endParaRPr lang="en-US"/>
+                    </a:p>
+                  </a:txBody>
+                  <a:tcPr/>
+                </a:tc>
+                <a:tc hMerge="1">
+                  <a:txBody>
+                    <a:bodyPr/>
+                    <a:lstStyle/>
+                    <a:p>
+                      <a:endParaRPr lang="en-US"/>
+                    </a:p>
+                  </a:txBody>
+                  <a:tcPr/>
+                </a:tc>
+                <a:tc gridSpan="3">
+                  <a:txBody>
+                    <a:bodyPr/>
+                    <a:lstStyle/>
+                    <a:p>
+                      <a:pPr algn="ctr" fontAlgn="b"/>
+                      <a:r>
+                        <a:rPr lang="en-US" sz="100" u="none" strike="noStrike">
+                          <a:effectLst/>
+                        </a:rPr>
+                        <a:t>1 Year</a:t>
+                      </a:r>
+                      <a:endParaRPr lang="en-US" sz="100" b="0" i="0" u="none" strike="noStrike">
+                        <a:solidFill>
+                          <a:srgbClr val="000000"/>
+                        </a:solidFill>
+                        <a:effectLst/>
+                        <a:latin typeface="Calibri" panose="020F0502020204030204" pitchFamily="34" charset="0"/>
+                      </a:endParaRPr>
+                    </a:p>
+                  </a:txBody>
+                  <a:tcPr marL="102" marR="102" marT="102" marB="0" anchor="b"/>
+                </a:tc>
+                <a:tc hMerge="1">
+                  <a:txBody>
+                    <a:bodyPr/>
+                    <a:lstStyle/>
+                    <a:p>
+                      <a:endParaRPr lang="en-US"/>
+                    </a:p>
+                  </a:txBody>
+                  <a:tcPr/>
+                </a:tc>
+                <a:tc hMerge="1">
+                  <a:txBody>
+                    <a:bodyPr/>
+                    <a:lstStyle/>
+                    <a:p>
+                      <a:endParaRPr lang="en-US"/>
+                    </a:p>
+                  </a:txBody>
+                  <a:tcPr/>
+                </a:tc>
+                <a:tc gridSpan="3">
+                  <a:txBody>
+                    <a:bodyPr/>
+                    <a:lstStyle/>
+                    <a:p>
+                      <a:pPr algn="ctr" fontAlgn="b"/>
+                      <a:r>
+                        <a:rPr lang="en-US" sz="100" u="none" strike="noStrike">
+                          <a:effectLst/>
+                        </a:rPr>
+                        <a:t>2 Years</a:t>
+                      </a:r>
+                      <a:endParaRPr lang="en-US" sz="100" b="0" i="0" u="none" strike="noStrike">
+                        <a:solidFill>
+                          <a:srgbClr val="000000"/>
+                        </a:solidFill>
+                        <a:effectLst/>
+                        <a:latin typeface="Calibri" panose="020F0502020204030204" pitchFamily="34" charset="0"/>
+                      </a:endParaRPr>
+                    </a:p>
+                  </a:txBody>
+                  <a:tcPr marL="102" marR="102" marT="102" marB="0" anchor="b"/>
+                </a:tc>
+                <a:tc hMerge="1">
+                  <a:txBody>
+                    <a:bodyPr/>
+                    <a:lstStyle/>
+                    <a:p>
+                      <a:endParaRPr lang="en-US"/>
+                    </a:p>
+                  </a:txBody>
+                  <a:tcPr/>
+                </a:tc>
+                <a:tc hMerge="1">
+                  <a:txBody>
+                    <a:bodyPr/>
+                    <a:lstStyle/>
+                    <a:p>
+                      <a:endParaRPr lang="en-US"/>
+                    </a:p>
+                  </a:txBody>
+                  <a:tcPr/>
+                </a:tc>
+                <a:extLst>
+                  <a:ext uri="{0D108BD9-81ED-4DB2-BD59-A6C34878D82A}">
+                    <a16:rowId xmlns:a16="http://schemas.microsoft.com/office/drawing/2014/main" val="1284939326"/>
+                  </a:ext>
+                </a:extLst>
+              </a:tr>
+              <a:tr h="0">
+                <a:tc>
+                  <a:txBody>
+                    <a:bodyPr/>
+                    <a:lstStyle/>
+                    <a:p>
+                      <a:pPr algn="l" fontAlgn="b"/>
+                      <a:endParaRPr lang="en-US" sz="100" b="0" i="0" u="none" strike="noStrike">
+                        <a:solidFill>
+                          <a:srgbClr val="000000"/>
+                        </a:solidFill>
+                        <a:effectLst/>
+                        <a:latin typeface="Calibri" panose="020F0502020204030204" pitchFamily="34" charset="0"/>
+                      </a:endParaRPr>
+                    </a:p>
+                  </a:txBody>
+                  <a:tcPr marL="102" marR="102" marT="102" marB="0" anchor="b"/>
+                </a:tc>
+                <a:tc>
+                  <a:txBody>
+                    <a:bodyPr/>
+                    <a:lstStyle/>
+                    <a:p>
+                      <a:pPr algn="ctr" fontAlgn="b"/>
+                      <a:r>
+                        <a:rPr lang="en-US" sz="100" u="none" strike="noStrike">
+                          <a:effectLst/>
+                        </a:rPr>
+                        <a:t>Count</a:t>
+                      </a:r>
+                      <a:endParaRPr lang="en-US" sz="100" b="0" i="0" u="none" strike="noStrike">
+                        <a:solidFill>
+                          <a:srgbClr val="000000"/>
+                        </a:solidFill>
+                        <a:effectLst/>
+                        <a:latin typeface="Calibri" panose="020F0502020204030204" pitchFamily="34" charset="0"/>
+                      </a:endParaRPr>
+                    </a:p>
+                  </a:txBody>
+                  <a:tcPr marL="102" marR="102" marT="102" marB="0" anchor="b"/>
+                </a:tc>
+                <a:tc>
+                  <a:txBody>
+                    <a:bodyPr/>
+                    <a:lstStyle/>
+                    <a:p>
+                      <a:pPr algn="ctr" fontAlgn="b"/>
+                      <a:r>
+                        <a:rPr lang="en-US" sz="100" u="none" strike="noStrike">
+                          <a:effectLst/>
+                        </a:rPr>
+                        <a:t>Fee</a:t>
+                      </a:r>
+                      <a:endParaRPr lang="en-US" sz="100" b="0" i="0" u="none" strike="noStrike">
+                        <a:solidFill>
+                          <a:srgbClr val="000000"/>
+                        </a:solidFill>
+                        <a:effectLst/>
+                        <a:latin typeface="Calibri" panose="020F0502020204030204" pitchFamily="34" charset="0"/>
+                      </a:endParaRPr>
+                    </a:p>
+                  </a:txBody>
+                  <a:tcPr marL="102" marR="102" marT="102" marB="0" anchor="b"/>
+                </a:tc>
+                <a:tc>
+                  <a:txBody>
+                    <a:bodyPr/>
+                    <a:lstStyle/>
+                    <a:p>
+                      <a:pPr algn="ctr" fontAlgn="b"/>
+                      <a:r>
+                        <a:rPr lang="en-US" sz="100" u="none" strike="noStrike">
+                          <a:effectLst/>
+                        </a:rPr>
+                        <a:t>MRR</a:t>
+                      </a:r>
+                      <a:endParaRPr lang="en-US" sz="100" b="0" i="0" u="none" strike="noStrike">
+                        <a:solidFill>
+                          <a:srgbClr val="000000"/>
+                        </a:solidFill>
+                        <a:effectLst/>
+                        <a:latin typeface="Calibri" panose="020F0502020204030204" pitchFamily="34" charset="0"/>
+                      </a:endParaRPr>
+                    </a:p>
+                  </a:txBody>
+                  <a:tcPr marL="102" marR="102" marT="102" marB="0" anchor="b"/>
+                </a:tc>
+                <a:tc>
+                  <a:txBody>
+                    <a:bodyPr/>
+                    <a:lstStyle/>
+                    <a:p>
+                      <a:pPr algn="ctr" fontAlgn="b"/>
+                      <a:r>
+                        <a:rPr lang="en-US" sz="100" u="none" strike="noStrike">
+                          <a:effectLst/>
+                        </a:rPr>
+                        <a:t>Count</a:t>
+                      </a:r>
+                      <a:endParaRPr lang="en-US" sz="100" b="0" i="0" u="none" strike="noStrike">
+                        <a:solidFill>
+                          <a:srgbClr val="000000"/>
+                        </a:solidFill>
+                        <a:effectLst/>
+                        <a:latin typeface="Calibri" panose="020F0502020204030204" pitchFamily="34" charset="0"/>
+                      </a:endParaRPr>
+                    </a:p>
+                  </a:txBody>
+                  <a:tcPr marL="102" marR="102" marT="102" marB="0" anchor="b"/>
+                </a:tc>
+                <a:tc>
+                  <a:txBody>
+                    <a:bodyPr/>
+                    <a:lstStyle/>
+                    <a:p>
+                      <a:pPr algn="ctr" fontAlgn="b"/>
+                      <a:r>
+                        <a:rPr lang="en-US" sz="100" u="none" strike="noStrike">
+                          <a:effectLst/>
+                        </a:rPr>
+                        <a:t>Fee</a:t>
+                      </a:r>
+                      <a:endParaRPr lang="en-US" sz="100" b="0" i="0" u="none" strike="noStrike">
+                        <a:solidFill>
+                          <a:srgbClr val="000000"/>
+                        </a:solidFill>
+                        <a:effectLst/>
+                        <a:latin typeface="Calibri" panose="020F0502020204030204" pitchFamily="34" charset="0"/>
+                      </a:endParaRPr>
+                    </a:p>
+                  </a:txBody>
+                  <a:tcPr marL="102" marR="102" marT="102" marB="0" anchor="b"/>
+                </a:tc>
+                <a:tc>
+                  <a:txBody>
+                    <a:bodyPr/>
+                    <a:lstStyle/>
+                    <a:p>
+                      <a:pPr algn="ctr" fontAlgn="b"/>
+                      <a:r>
+                        <a:rPr lang="en-US" sz="100" u="none" strike="noStrike">
+                          <a:effectLst/>
+                        </a:rPr>
+                        <a:t>MRR</a:t>
+                      </a:r>
+                      <a:endParaRPr lang="en-US" sz="100" b="0" i="0" u="none" strike="noStrike">
+                        <a:solidFill>
+                          <a:srgbClr val="000000"/>
+                        </a:solidFill>
+                        <a:effectLst/>
+                        <a:latin typeface="Calibri" panose="020F0502020204030204" pitchFamily="34" charset="0"/>
+                      </a:endParaRPr>
+                    </a:p>
+                  </a:txBody>
+                  <a:tcPr marL="102" marR="102" marT="102" marB="0" anchor="b"/>
+                </a:tc>
+                <a:tc>
+                  <a:txBody>
+                    <a:bodyPr/>
+                    <a:lstStyle/>
+                    <a:p>
+                      <a:pPr algn="ctr" fontAlgn="b"/>
+                      <a:r>
+                        <a:rPr lang="en-US" sz="100" u="none" strike="noStrike">
+                          <a:effectLst/>
+                        </a:rPr>
+                        <a:t>Count</a:t>
+                      </a:r>
+                      <a:endParaRPr lang="en-US" sz="100" b="0" i="0" u="none" strike="noStrike">
+                        <a:solidFill>
+                          <a:srgbClr val="000000"/>
+                        </a:solidFill>
+                        <a:effectLst/>
+                        <a:latin typeface="Calibri" panose="020F0502020204030204" pitchFamily="34" charset="0"/>
+                      </a:endParaRPr>
+                    </a:p>
+                  </a:txBody>
+                  <a:tcPr marL="102" marR="102" marT="102" marB="0" anchor="b"/>
+                </a:tc>
+                <a:tc>
+                  <a:txBody>
+                    <a:bodyPr/>
+                    <a:lstStyle/>
+                    <a:p>
+                      <a:pPr algn="ctr" fontAlgn="b"/>
+                      <a:r>
+                        <a:rPr lang="en-US" sz="100" u="none" strike="noStrike">
+                          <a:effectLst/>
+                        </a:rPr>
+                        <a:t>Fee</a:t>
+                      </a:r>
+                      <a:endParaRPr lang="en-US" sz="100" b="0" i="0" u="none" strike="noStrike">
+                        <a:solidFill>
+                          <a:srgbClr val="000000"/>
+                        </a:solidFill>
+                        <a:effectLst/>
+                        <a:latin typeface="Calibri" panose="020F0502020204030204" pitchFamily="34" charset="0"/>
+                      </a:endParaRPr>
+                    </a:p>
+                  </a:txBody>
+                  <a:tcPr marL="102" marR="102" marT="102" marB="0" anchor="b"/>
+                </a:tc>
+                <a:tc>
+                  <a:txBody>
+                    <a:bodyPr/>
+                    <a:lstStyle/>
+                    <a:p>
+                      <a:pPr algn="ctr" fontAlgn="b"/>
+                      <a:r>
+                        <a:rPr lang="en-US" sz="100" u="none" strike="noStrike">
+                          <a:effectLst/>
+                        </a:rPr>
+                        <a:t>MRR</a:t>
+                      </a:r>
+                      <a:endParaRPr lang="en-US" sz="100" b="0" i="0" u="none" strike="noStrike">
+                        <a:solidFill>
+                          <a:srgbClr val="000000"/>
+                        </a:solidFill>
+                        <a:effectLst/>
+                        <a:latin typeface="Calibri" panose="020F0502020204030204" pitchFamily="34" charset="0"/>
+                      </a:endParaRPr>
+                    </a:p>
+                  </a:txBody>
+                  <a:tcPr marL="102" marR="102" marT="102" marB="0" anchor="b"/>
+                </a:tc>
+                <a:extLst>
+                  <a:ext uri="{0D108BD9-81ED-4DB2-BD59-A6C34878D82A}">
+                    <a16:rowId xmlns:a16="http://schemas.microsoft.com/office/drawing/2014/main" val="2717151650"/>
+                  </a:ext>
+                </a:extLst>
+              </a:tr>
+              <a:tr h="0">
+                <a:tc>
+                  <a:txBody>
+                    <a:bodyPr/>
+                    <a:lstStyle/>
+                    <a:p>
+                      <a:pPr algn="l" fontAlgn="b"/>
+                      <a:r>
+                        <a:rPr lang="en-US" sz="100" u="none" strike="noStrike">
+                          <a:effectLst/>
+                        </a:rPr>
+                        <a:t>Sponsors</a:t>
+                      </a:r>
+                      <a:endParaRPr lang="en-US" sz="100" b="0" i="0" u="none" strike="noStrike">
+                        <a:solidFill>
+                          <a:srgbClr val="000000"/>
+                        </a:solidFill>
+                        <a:effectLst/>
+                        <a:latin typeface="Calibri" panose="020F0502020204030204" pitchFamily="34" charset="0"/>
+                      </a:endParaRPr>
+                    </a:p>
+                  </a:txBody>
+                  <a:tcPr marL="102" marR="102" marT="102" marB="0" anchor="b"/>
+                </a:tc>
+                <a:tc>
+                  <a:txBody>
+                    <a:bodyPr/>
+                    <a:lstStyle/>
+                    <a:p>
+                      <a:pPr algn="r" fontAlgn="b"/>
+                      <a:r>
+                        <a:rPr lang="en-US" sz="100" u="none" strike="noStrike">
+                          <a:effectLst/>
+                        </a:rPr>
+                        <a:t>2</a:t>
+                      </a:r>
+                      <a:endParaRPr lang="en-US" sz="100" b="0" i="0" u="none" strike="noStrike">
+                        <a:solidFill>
+                          <a:srgbClr val="000000"/>
+                        </a:solidFill>
+                        <a:effectLst/>
+                        <a:latin typeface="Calibri" panose="020F0502020204030204" pitchFamily="34" charset="0"/>
+                      </a:endParaRPr>
+                    </a:p>
+                  </a:txBody>
+                  <a:tcPr marL="102" marR="102" marT="102" marB="0" anchor="b"/>
+                </a:tc>
+                <a:tc>
+                  <a:txBody>
+                    <a:bodyPr/>
+                    <a:lstStyle/>
+                    <a:p>
+                      <a:pPr algn="r" fontAlgn="b"/>
+                      <a:r>
+                        <a:rPr lang="en-US" sz="100" u="none" strike="noStrike">
+                          <a:effectLst/>
+                        </a:rPr>
+                        <a:t>2,000</a:t>
+                      </a:r>
+                      <a:endParaRPr lang="en-US" sz="100" b="0" i="0" u="none" strike="noStrike">
+                        <a:solidFill>
+                          <a:srgbClr val="000000"/>
+                        </a:solidFill>
+                        <a:effectLst/>
+                        <a:latin typeface="Calibri" panose="020F0502020204030204" pitchFamily="34" charset="0"/>
+                      </a:endParaRPr>
+                    </a:p>
+                  </a:txBody>
+                  <a:tcPr marL="102" marR="102" marT="102" marB="0" anchor="b"/>
+                </a:tc>
+                <a:tc>
+                  <a:txBody>
+                    <a:bodyPr/>
+                    <a:lstStyle/>
+                    <a:p>
+                      <a:pPr algn="r" fontAlgn="b"/>
+                      <a:r>
+                        <a:rPr lang="en-US" sz="100" u="none" strike="noStrike">
+                          <a:effectLst/>
+                        </a:rPr>
+                        <a:t>4,000</a:t>
+                      </a:r>
+                      <a:endParaRPr lang="en-US" sz="100" b="0" i="0" u="none" strike="noStrike">
+                        <a:solidFill>
+                          <a:srgbClr val="000000"/>
+                        </a:solidFill>
+                        <a:effectLst/>
+                        <a:latin typeface="Calibri" panose="020F0502020204030204" pitchFamily="34" charset="0"/>
+                      </a:endParaRPr>
+                    </a:p>
+                  </a:txBody>
+                  <a:tcPr marL="102" marR="102" marT="102" marB="0" anchor="b"/>
+                </a:tc>
+                <a:tc>
+                  <a:txBody>
+                    <a:bodyPr/>
+                    <a:lstStyle/>
+                    <a:p>
+                      <a:pPr algn="r" fontAlgn="b"/>
+                      <a:r>
+                        <a:rPr lang="en-US" sz="100" u="none" strike="noStrike">
+                          <a:effectLst/>
+                        </a:rPr>
+                        <a:t>4</a:t>
+                      </a:r>
+                      <a:endParaRPr lang="en-US" sz="100" b="0" i="0" u="none" strike="noStrike">
+                        <a:solidFill>
+                          <a:srgbClr val="000000"/>
+                        </a:solidFill>
+                        <a:effectLst/>
+                        <a:latin typeface="Calibri" panose="020F0502020204030204" pitchFamily="34" charset="0"/>
+                      </a:endParaRPr>
+                    </a:p>
+                  </a:txBody>
+                  <a:tcPr marL="102" marR="102" marT="102" marB="0" anchor="b"/>
+                </a:tc>
+                <a:tc>
+                  <a:txBody>
+                    <a:bodyPr/>
+                    <a:lstStyle/>
+                    <a:p>
+                      <a:pPr algn="r" fontAlgn="b"/>
+                      <a:r>
+                        <a:rPr lang="en-US" sz="100" u="none" strike="noStrike">
+                          <a:effectLst/>
+                        </a:rPr>
+                        <a:t>4,000</a:t>
+                      </a:r>
+                      <a:endParaRPr lang="en-US" sz="100" b="0" i="0" u="none" strike="noStrike">
+                        <a:solidFill>
+                          <a:srgbClr val="000000"/>
+                        </a:solidFill>
+                        <a:effectLst/>
+                        <a:latin typeface="Calibri" panose="020F0502020204030204" pitchFamily="34" charset="0"/>
+                      </a:endParaRPr>
+                    </a:p>
+                  </a:txBody>
+                  <a:tcPr marL="102" marR="102" marT="102" marB="0" anchor="b"/>
+                </a:tc>
+                <a:tc>
+                  <a:txBody>
+                    <a:bodyPr/>
+                    <a:lstStyle/>
+                    <a:p>
+                      <a:pPr algn="r" fontAlgn="b"/>
+                      <a:r>
+                        <a:rPr lang="en-US" sz="100" u="none" strike="noStrike">
+                          <a:effectLst/>
+                        </a:rPr>
+                        <a:t>16,000</a:t>
+                      </a:r>
+                      <a:endParaRPr lang="en-US" sz="100" b="0" i="0" u="none" strike="noStrike">
+                        <a:solidFill>
+                          <a:srgbClr val="000000"/>
+                        </a:solidFill>
+                        <a:effectLst/>
+                        <a:latin typeface="Calibri" panose="020F0502020204030204" pitchFamily="34" charset="0"/>
+                      </a:endParaRPr>
+                    </a:p>
+                  </a:txBody>
+                  <a:tcPr marL="102" marR="102" marT="102" marB="0" anchor="b"/>
+                </a:tc>
+                <a:tc>
+                  <a:txBody>
+                    <a:bodyPr/>
+                    <a:lstStyle/>
+                    <a:p>
+                      <a:pPr algn="r" fontAlgn="b"/>
+                      <a:r>
+                        <a:rPr lang="en-US" sz="100" u="none" strike="noStrike">
+                          <a:effectLst/>
+                        </a:rPr>
+                        <a:t>6</a:t>
+                      </a:r>
+                      <a:endParaRPr lang="en-US" sz="100" b="0" i="0" u="none" strike="noStrike">
+                        <a:solidFill>
+                          <a:srgbClr val="000000"/>
+                        </a:solidFill>
+                        <a:effectLst/>
+                        <a:latin typeface="Calibri" panose="020F0502020204030204" pitchFamily="34" charset="0"/>
+                      </a:endParaRPr>
+                    </a:p>
+                  </a:txBody>
+                  <a:tcPr marL="102" marR="102" marT="102" marB="0" anchor="b"/>
+                </a:tc>
+                <a:tc>
+                  <a:txBody>
+                    <a:bodyPr/>
+                    <a:lstStyle/>
+                    <a:p>
+                      <a:pPr algn="r" fontAlgn="b"/>
+                      <a:r>
+                        <a:rPr lang="en-US" sz="100" u="none" strike="noStrike">
+                          <a:effectLst/>
+                        </a:rPr>
+                        <a:t>6,000</a:t>
+                      </a:r>
+                      <a:endParaRPr lang="en-US" sz="100" b="0" i="0" u="none" strike="noStrike">
+                        <a:solidFill>
+                          <a:srgbClr val="000000"/>
+                        </a:solidFill>
+                        <a:effectLst/>
+                        <a:latin typeface="Calibri" panose="020F0502020204030204" pitchFamily="34" charset="0"/>
+                      </a:endParaRPr>
+                    </a:p>
+                  </a:txBody>
+                  <a:tcPr marL="102" marR="102" marT="102" marB="0" anchor="b"/>
+                </a:tc>
+                <a:tc>
+                  <a:txBody>
+                    <a:bodyPr/>
+                    <a:lstStyle/>
+                    <a:p>
+                      <a:pPr algn="r" fontAlgn="b"/>
+                      <a:r>
+                        <a:rPr lang="en-US" sz="100" u="none" strike="noStrike">
+                          <a:effectLst/>
+                        </a:rPr>
+                        <a:t>36,000</a:t>
+                      </a:r>
+                      <a:endParaRPr lang="en-US" sz="100" b="0" i="0" u="none" strike="noStrike">
+                        <a:solidFill>
+                          <a:srgbClr val="000000"/>
+                        </a:solidFill>
+                        <a:effectLst/>
+                        <a:latin typeface="Calibri" panose="020F0502020204030204" pitchFamily="34" charset="0"/>
+                      </a:endParaRPr>
+                    </a:p>
+                  </a:txBody>
+                  <a:tcPr marL="102" marR="102" marT="102" marB="0" anchor="b"/>
+                </a:tc>
+                <a:extLst>
+                  <a:ext uri="{0D108BD9-81ED-4DB2-BD59-A6C34878D82A}">
+                    <a16:rowId xmlns:a16="http://schemas.microsoft.com/office/drawing/2014/main" val="3893301540"/>
+                  </a:ext>
+                </a:extLst>
+              </a:tr>
+              <a:tr h="0">
+                <a:tc>
+                  <a:txBody>
+                    <a:bodyPr/>
+                    <a:lstStyle/>
+                    <a:p>
+                      <a:pPr algn="l" fontAlgn="b"/>
+                      <a:r>
+                        <a:rPr lang="en-US" sz="100" u="none" strike="noStrike">
+                          <a:effectLst/>
+                        </a:rPr>
+                        <a:t>Organisations</a:t>
+                      </a:r>
+                      <a:endParaRPr lang="en-US" sz="100" b="0" i="0" u="none" strike="noStrike">
+                        <a:solidFill>
+                          <a:srgbClr val="000000"/>
+                        </a:solidFill>
+                        <a:effectLst/>
+                        <a:latin typeface="Calibri" panose="020F0502020204030204" pitchFamily="34" charset="0"/>
+                      </a:endParaRPr>
+                    </a:p>
+                  </a:txBody>
+                  <a:tcPr marL="102" marR="102" marT="102" marB="0" anchor="b"/>
+                </a:tc>
+                <a:tc>
+                  <a:txBody>
+                    <a:bodyPr/>
+                    <a:lstStyle/>
+                    <a:p>
+                      <a:pPr algn="r" fontAlgn="b"/>
+                      <a:r>
+                        <a:rPr lang="en-US" sz="100" u="none" strike="noStrike">
+                          <a:effectLst/>
+                        </a:rPr>
+                        <a:t>2</a:t>
+                      </a:r>
+                      <a:endParaRPr lang="en-US" sz="100" b="0" i="0" u="none" strike="noStrike">
+                        <a:solidFill>
+                          <a:srgbClr val="000000"/>
+                        </a:solidFill>
+                        <a:effectLst/>
+                        <a:latin typeface="Calibri" panose="020F0502020204030204" pitchFamily="34" charset="0"/>
+                      </a:endParaRPr>
+                    </a:p>
+                  </a:txBody>
+                  <a:tcPr marL="102" marR="102" marT="102" marB="0" anchor="b"/>
+                </a:tc>
+                <a:tc>
+                  <a:txBody>
+                    <a:bodyPr/>
+                    <a:lstStyle/>
+                    <a:p>
+                      <a:pPr algn="r" fontAlgn="b"/>
+                      <a:r>
+                        <a:rPr lang="en-US" sz="100" u="none" strike="noStrike">
+                          <a:effectLst/>
+                        </a:rPr>
+                        <a:t>1,000</a:t>
+                      </a:r>
+                      <a:endParaRPr lang="en-US" sz="100" b="0" i="0" u="none" strike="noStrike">
+                        <a:solidFill>
+                          <a:srgbClr val="000000"/>
+                        </a:solidFill>
+                        <a:effectLst/>
+                        <a:latin typeface="Calibri" panose="020F0502020204030204" pitchFamily="34" charset="0"/>
+                      </a:endParaRPr>
+                    </a:p>
+                  </a:txBody>
+                  <a:tcPr marL="102" marR="102" marT="102" marB="0" anchor="b"/>
+                </a:tc>
+                <a:tc>
+                  <a:txBody>
+                    <a:bodyPr/>
+                    <a:lstStyle/>
+                    <a:p>
+                      <a:pPr algn="r" fontAlgn="b"/>
+                      <a:r>
+                        <a:rPr lang="en-US" sz="100" u="none" strike="noStrike">
+                          <a:effectLst/>
+                        </a:rPr>
+                        <a:t>2,000</a:t>
+                      </a:r>
+                      <a:endParaRPr lang="en-US" sz="100" b="0" i="0" u="none" strike="noStrike">
+                        <a:solidFill>
+                          <a:srgbClr val="000000"/>
+                        </a:solidFill>
+                        <a:effectLst/>
+                        <a:latin typeface="Calibri" panose="020F0502020204030204" pitchFamily="34" charset="0"/>
+                      </a:endParaRPr>
+                    </a:p>
+                  </a:txBody>
+                  <a:tcPr marL="102" marR="102" marT="102" marB="0" anchor="b"/>
+                </a:tc>
+                <a:tc>
+                  <a:txBody>
+                    <a:bodyPr/>
+                    <a:lstStyle/>
+                    <a:p>
+                      <a:pPr algn="r" fontAlgn="b"/>
+                      <a:r>
+                        <a:rPr lang="en-US" sz="100" u="none" strike="noStrike">
+                          <a:effectLst/>
+                        </a:rPr>
+                        <a:t>6</a:t>
+                      </a:r>
+                      <a:endParaRPr lang="en-US" sz="100" b="0" i="0" u="none" strike="noStrike">
+                        <a:solidFill>
+                          <a:srgbClr val="000000"/>
+                        </a:solidFill>
+                        <a:effectLst/>
+                        <a:latin typeface="Calibri" panose="020F0502020204030204" pitchFamily="34" charset="0"/>
+                      </a:endParaRPr>
+                    </a:p>
+                  </a:txBody>
+                  <a:tcPr marL="102" marR="102" marT="102" marB="0" anchor="b"/>
+                </a:tc>
+                <a:tc>
+                  <a:txBody>
+                    <a:bodyPr/>
+                    <a:lstStyle/>
+                    <a:p>
+                      <a:pPr algn="r" fontAlgn="b"/>
+                      <a:r>
+                        <a:rPr lang="en-US" sz="100" u="none" strike="noStrike">
+                          <a:effectLst/>
+                        </a:rPr>
+                        <a:t>1,000</a:t>
+                      </a:r>
+                      <a:endParaRPr lang="en-US" sz="100" b="0" i="0" u="none" strike="noStrike">
+                        <a:solidFill>
+                          <a:srgbClr val="000000"/>
+                        </a:solidFill>
+                        <a:effectLst/>
+                        <a:latin typeface="Calibri" panose="020F0502020204030204" pitchFamily="34" charset="0"/>
+                      </a:endParaRPr>
+                    </a:p>
+                  </a:txBody>
+                  <a:tcPr marL="102" marR="102" marT="102" marB="0" anchor="b"/>
+                </a:tc>
+                <a:tc>
+                  <a:txBody>
+                    <a:bodyPr/>
+                    <a:lstStyle/>
+                    <a:p>
+                      <a:pPr algn="r" fontAlgn="b"/>
+                      <a:r>
+                        <a:rPr lang="en-US" sz="100" u="none" strike="noStrike">
+                          <a:effectLst/>
+                        </a:rPr>
+                        <a:t>6,000</a:t>
+                      </a:r>
+                      <a:endParaRPr lang="en-US" sz="100" b="0" i="0" u="none" strike="noStrike">
+                        <a:solidFill>
+                          <a:srgbClr val="000000"/>
+                        </a:solidFill>
+                        <a:effectLst/>
+                        <a:latin typeface="Calibri" panose="020F0502020204030204" pitchFamily="34" charset="0"/>
+                      </a:endParaRPr>
+                    </a:p>
+                  </a:txBody>
+                  <a:tcPr marL="102" marR="102" marT="102" marB="0" anchor="b"/>
+                </a:tc>
+                <a:tc>
+                  <a:txBody>
+                    <a:bodyPr/>
+                    <a:lstStyle/>
+                    <a:p>
+                      <a:pPr algn="r" fontAlgn="b"/>
+                      <a:r>
+                        <a:rPr lang="en-US" sz="100" u="none" strike="noStrike">
+                          <a:effectLst/>
+                        </a:rPr>
+                        <a:t>15</a:t>
+                      </a:r>
+                      <a:endParaRPr lang="en-US" sz="100" b="0" i="0" u="none" strike="noStrike">
+                        <a:solidFill>
+                          <a:srgbClr val="000000"/>
+                        </a:solidFill>
+                        <a:effectLst/>
+                        <a:latin typeface="Calibri" panose="020F0502020204030204" pitchFamily="34" charset="0"/>
+                      </a:endParaRPr>
+                    </a:p>
+                  </a:txBody>
+                  <a:tcPr marL="102" marR="102" marT="102" marB="0" anchor="b"/>
+                </a:tc>
+                <a:tc>
+                  <a:txBody>
+                    <a:bodyPr/>
+                    <a:lstStyle/>
+                    <a:p>
+                      <a:pPr algn="r" fontAlgn="b"/>
+                      <a:r>
+                        <a:rPr lang="en-US" sz="100" u="none" strike="noStrike">
+                          <a:effectLst/>
+                        </a:rPr>
+                        <a:t>2,000</a:t>
+                      </a:r>
+                      <a:endParaRPr lang="en-US" sz="100" b="0" i="0" u="none" strike="noStrike">
+                        <a:solidFill>
+                          <a:srgbClr val="000000"/>
+                        </a:solidFill>
+                        <a:effectLst/>
+                        <a:latin typeface="Calibri" panose="020F0502020204030204" pitchFamily="34" charset="0"/>
+                      </a:endParaRPr>
+                    </a:p>
+                  </a:txBody>
+                  <a:tcPr marL="102" marR="102" marT="102" marB="0" anchor="b"/>
+                </a:tc>
+                <a:tc>
+                  <a:txBody>
+                    <a:bodyPr/>
+                    <a:lstStyle/>
+                    <a:p>
+                      <a:pPr algn="r" fontAlgn="b"/>
+                      <a:r>
+                        <a:rPr lang="en-US" sz="100" u="none" strike="noStrike">
+                          <a:effectLst/>
+                        </a:rPr>
+                        <a:t>30,000</a:t>
+                      </a:r>
+                      <a:endParaRPr lang="en-US" sz="100" b="0" i="0" u="none" strike="noStrike">
+                        <a:solidFill>
+                          <a:srgbClr val="000000"/>
+                        </a:solidFill>
+                        <a:effectLst/>
+                        <a:latin typeface="Calibri" panose="020F0502020204030204" pitchFamily="34" charset="0"/>
+                      </a:endParaRPr>
+                    </a:p>
+                  </a:txBody>
+                  <a:tcPr marL="102" marR="102" marT="102" marB="0" anchor="b"/>
+                </a:tc>
+                <a:extLst>
+                  <a:ext uri="{0D108BD9-81ED-4DB2-BD59-A6C34878D82A}">
+                    <a16:rowId xmlns:a16="http://schemas.microsoft.com/office/drawing/2014/main" val="3207340312"/>
+                  </a:ext>
+                </a:extLst>
+              </a:tr>
+              <a:tr h="0">
+                <a:tc>
+                  <a:txBody>
+                    <a:bodyPr/>
+                    <a:lstStyle/>
+                    <a:p>
+                      <a:pPr algn="l" fontAlgn="b"/>
+                      <a:r>
+                        <a:rPr lang="en-US" sz="100" u="none" strike="noStrike">
+                          <a:effectLst/>
+                        </a:rPr>
+                        <a:t>Players</a:t>
+                      </a:r>
+                      <a:endParaRPr lang="en-US" sz="100" b="0" i="0" u="none" strike="noStrike">
+                        <a:solidFill>
+                          <a:srgbClr val="000000"/>
+                        </a:solidFill>
+                        <a:effectLst/>
+                        <a:latin typeface="Calibri" panose="020F0502020204030204" pitchFamily="34" charset="0"/>
+                      </a:endParaRPr>
+                    </a:p>
+                  </a:txBody>
+                  <a:tcPr marL="102" marR="102" marT="102" marB="0" anchor="b"/>
+                </a:tc>
+                <a:tc>
+                  <a:txBody>
+                    <a:bodyPr/>
+                    <a:lstStyle/>
+                    <a:p>
+                      <a:pPr algn="r" fontAlgn="b"/>
+                      <a:r>
+                        <a:rPr lang="en-US" sz="100" u="none" strike="noStrike">
+                          <a:effectLst/>
+                        </a:rPr>
+                        <a:t>100</a:t>
+                      </a:r>
+                      <a:endParaRPr lang="en-US" sz="100" b="0" i="0" u="none" strike="noStrike">
+                        <a:solidFill>
+                          <a:srgbClr val="000000"/>
+                        </a:solidFill>
+                        <a:effectLst/>
+                        <a:latin typeface="Calibri" panose="020F0502020204030204" pitchFamily="34" charset="0"/>
+                      </a:endParaRPr>
+                    </a:p>
+                  </a:txBody>
+                  <a:tcPr marL="102" marR="102" marT="102" marB="0" anchor="b"/>
+                </a:tc>
+                <a:tc>
+                  <a:txBody>
+                    <a:bodyPr/>
+                    <a:lstStyle/>
+                    <a:p>
+                      <a:pPr algn="r" fontAlgn="b"/>
+                      <a:r>
+                        <a:rPr lang="en-US" sz="100" u="none" strike="noStrike">
+                          <a:effectLst/>
+                        </a:rPr>
+                        <a:t>20</a:t>
+                      </a:r>
+                      <a:endParaRPr lang="en-US" sz="100" b="0" i="0" u="none" strike="noStrike">
+                        <a:solidFill>
+                          <a:srgbClr val="000000"/>
+                        </a:solidFill>
+                        <a:effectLst/>
+                        <a:latin typeface="Calibri" panose="020F0502020204030204" pitchFamily="34" charset="0"/>
+                      </a:endParaRPr>
+                    </a:p>
+                  </a:txBody>
+                  <a:tcPr marL="102" marR="102" marT="102" marB="0" anchor="b"/>
+                </a:tc>
+                <a:tc>
+                  <a:txBody>
+                    <a:bodyPr/>
+                    <a:lstStyle/>
+                    <a:p>
+                      <a:pPr algn="r" fontAlgn="b"/>
+                      <a:r>
+                        <a:rPr lang="en-US" sz="100" u="none" strike="noStrike">
+                          <a:effectLst/>
+                        </a:rPr>
+                        <a:t>2,000</a:t>
+                      </a:r>
+                      <a:endParaRPr lang="en-US" sz="100" b="0" i="0" u="none" strike="noStrike">
+                        <a:solidFill>
+                          <a:srgbClr val="000000"/>
+                        </a:solidFill>
+                        <a:effectLst/>
+                        <a:latin typeface="Calibri" panose="020F0502020204030204" pitchFamily="34" charset="0"/>
+                      </a:endParaRPr>
+                    </a:p>
+                  </a:txBody>
+                  <a:tcPr marL="102" marR="102" marT="102" marB="0" anchor="b"/>
+                </a:tc>
+                <a:tc>
+                  <a:txBody>
+                    <a:bodyPr/>
+                    <a:lstStyle/>
+                    <a:p>
+                      <a:pPr algn="r" fontAlgn="b"/>
+                      <a:r>
+                        <a:rPr lang="en-US" sz="100" u="none" strike="noStrike">
+                          <a:effectLst/>
+                        </a:rPr>
+                        <a:t>400</a:t>
+                      </a:r>
+                      <a:endParaRPr lang="en-US" sz="100" b="0" i="0" u="none" strike="noStrike">
+                        <a:solidFill>
+                          <a:srgbClr val="000000"/>
+                        </a:solidFill>
+                        <a:effectLst/>
+                        <a:latin typeface="Calibri" panose="020F0502020204030204" pitchFamily="34" charset="0"/>
+                      </a:endParaRPr>
+                    </a:p>
+                  </a:txBody>
+                  <a:tcPr marL="102" marR="102" marT="102" marB="0" anchor="b"/>
+                </a:tc>
+                <a:tc>
+                  <a:txBody>
+                    <a:bodyPr/>
+                    <a:lstStyle/>
+                    <a:p>
+                      <a:pPr algn="r" fontAlgn="b"/>
+                      <a:r>
+                        <a:rPr lang="en-US" sz="100" u="none" strike="noStrike">
+                          <a:effectLst/>
+                        </a:rPr>
+                        <a:t>20</a:t>
+                      </a:r>
+                      <a:endParaRPr lang="en-US" sz="100" b="0" i="0" u="none" strike="noStrike">
+                        <a:solidFill>
+                          <a:srgbClr val="000000"/>
+                        </a:solidFill>
+                        <a:effectLst/>
+                        <a:latin typeface="Calibri" panose="020F0502020204030204" pitchFamily="34" charset="0"/>
+                      </a:endParaRPr>
+                    </a:p>
+                  </a:txBody>
+                  <a:tcPr marL="102" marR="102" marT="102" marB="0" anchor="b"/>
+                </a:tc>
+                <a:tc>
+                  <a:txBody>
+                    <a:bodyPr/>
+                    <a:lstStyle/>
+                    <a:p>
+                      <a:pPr algn="r" fontAlgn="b"/>
+                      <a:r>
+                        <a:rPr lang="en-US" sz="100" u="none" strike="noStrike">
+                          <a:effectLst/>
+                        </a:rPr>
+                        <a:t>8,000</a:t>
+                      </a:r>
+                      <a:endParaRPr lang="en-US" sz="100" b="0" i="0" u="none" strike="noStrike">
+                        <a:solidFill>
+                          <a:srgbClr val="000000"/>
+                        </a:solidFill>
+                        <a:effectLst/>
+                        <a:latin typeface="Calibri" panose="020F0502020204030204" pitchFamily="34" charset="0"/>
+                      </a:endParaRPr>
+                    </a:p>
+                  </a:txBody>
+                  <a:tcPr marL="102" marR="102" marT="102" marB="0" anchor="b"/>
+                </a:tc>
+                <a:tc>
+                  <a:txBody>
+                    <a:bodyPr/>
+                    <a:lstStyle/>
+                    <a:p>
+                      <a:pPr algn="r" fontAlgn="b"/>
+                      <a:r>
+                        <a:rPr lang="en-US" sz="100" u="none" strike="noStrike">
+                          <a:effectLst/>
+                        </a:rPr>
+                        <a:t>2,000</a:t>
+                      </a:r>
+                      <a:endParaRPr lang="en-US" sz="100" b="0" i="0" u="none" strike="noStrike">
+                        <a:solidFill>
+                          <a:srgbClr val="000000"/>
+                        </a:solidFill>
+                        <a:effectLst/>
+                        <a:latin typeface="Calibri" panose="020F0502020204030204" pitchFamily="34" charset="0"/>
+                      </a:endParaRPr>
+                    </a:p>
+                  </a:txBody>
+                  <a:tcPr marL="102" marR="102" marT="102" marB="0" anchor="b"/>
+                </a:tc>
+                <a:tc>
+                  <a:txBody>
+                    <a:bodyPr/>
+                    <a:lstStyle/>
+                    <a:p>
+                      <a:pPr algn="r" fontAlgn="b"/>
+                      <a:r>
+                        <a:rPr lang="en-US" sz="100" u="none" strike="noStrike">
+                          <a:effectLst/>
+                        </a:rPr>
+                        <a:t>20</a:t>
+                      </a:r>
+                      <a:endParaRPr lang="en-US" sz="100" b="0" i="0" u="none" strike="noStrike">
+                        <a:solidFill>
+                          <a:srgbClr val="000000"/>
+                        </a:solidFill>
+                        <a:effectLst/>
+                        <a:latin typeface="Calibri" panose="020F0502020204030204" pitchFamily="34" charset="0"/>
+                      </a:endParaRPr>
+                    </a:p>
+                  </a:txBody>
+                  <a:tcPr marL="102" marR="102" marT="102" marB="0" anchor="b"/>
+                </a:tc>
+                <a:tc>
+                  <a:txBody>
+                    <a:bodyPr/>
+                    <a:lstStyle/>
+                    <a:p>
+                      <a:pPr algn="r" fontAlgn="b"/>
+                      <a:r>
+                        <a:rPr lang="en-US" sz="100" u="none" strike="noStrike">
+                          <a:effectLst/>
+                        </a:rPr>
+                        <a:t>40,000</a:t>
+                      </a:r>
+                      <a:endParaRPr lang="en-US" sz="100" b="0" i="0" u="none" strike="noStrike">
+                        <a:solidFill>
+                          <a:srgbClr val="000000"/>
+                        </a:solidFill>
+                        <a:effectLst/>
+                        <a:latin typeface="Calibri" panose="020F0502020204030204" pitchFamily="34" charset="0"/>
+                      </a:endParaRPr>
+                    </a:p>
+                  </a:txBody>
+                  <a:tcPr marL="102" marR="102" marT="102" marB="0" anchor="b"/>
+                </a:tc>
+                <a:extLst>
+                  <a:ext uri="{0D108BD9-81ED-4DB2-BD59-A6C34878D82A}">
+                    <a16:rowId xmlns:a16="http://schemas.microsoft.com/office/drawing/2014/main" val="783807944"/>
+                  </a:ext>
+                </a:extLst>
+              </a:tr>
+              <a:tr h="0">
+                <a:tc gridSpan="3">
+                  <a:txBody>
+                    <a:bodyPr/>
+                    <a:lstStyle/>
+                    <a:p>
+                      <a:pPr algn="r" fontAlgn="b"/>
+                      <a:r>
+                        <a:rPr lang="en-US" sz="100" u="none" strike="noStrike">
+                          <a:effectLst/>
+                        </a:rPr>
+                        <a:t>MRR</a:t>
+                      </a:r>
+                      <a:endParaRPr lang="en-US" sz="100" b="0" i="0" u="none" strike="noStrike">
+                        <a:solidFill>
+                          <a:srgbClr val="000000"/>
+                        </a:solidFill>
+                        <a:effectLst/>
+                        <a:latin typeface="Calibri" panose="020F0502020204030204" pitchFamily="34" charset="0"/>
+                      </a:endParaRPr>
+                    </a:p>
+                  </a:txBody>
+                  <a:tcPr marL="102" marR="102" marT="102" marB="0" anchor="b"/>
+                </a:tc>
+                <a:tc hMerge="1">
+                  <a:txBody>
+                    <a:bodyPr/>
+                    <a:lstStyle/>
+                    <a:p>
+                      <a:endParaRPr lang="en-US"/>
+                    </a:p>
+                  </a:txBody>
+                  <a:tcPr/>
+                </a:tc>
+                <a:tc hMerge="1">
+                  <a:txBody>
+                    <a:bodyPr/>
+                    <a:lstStyle/>
+                    <a:p>
+                      <a:endParaRPr lang="en-US"/>
+                    </a:p>
+                  </a:txBody>
+                  <a:tcPr/>
+                </a:tc>
+                <a:tc>
+                  <a:txBody>
+                    <a:bodyPr/>
+                    <a:lstStyle/>
+                    <a:p>
+                      <a:pPr algn="r" fontAlgn="b"/>
+                      <a:r>
+                        <a:rPr lang="en-US" sz="100" u="none" strike="noStrike">
+                          <a:effectLst/>
+                        </a:rPr>
+                        <a:t>8,000</a:t>
+                      </a:r>
+                      <a:endParaRPr lang="en-US" sz="100" b="0" i="0" u="none" strike="noStrike">
+                        <a:solidFill>
+                          <a:srgbClr val="000000"/>
+                        </a:solidFill>
+                        <a:effectLst/>
+                        <a:latin typeface="Calibri" panose="020F0502020204030204" pitchFamily="34" charset="0"/>
+                      </a:endParaRPr>
+                    </a:p>
+                  </a:txBody>
+                  <a:tcPr marL="102" marR="102" marT="102" marB="0" anchor="b"/>
+                </a:tc>
+                <a:tc gridSpan="3">
+                  <a:txBody>
+                    <a:bodyPr/>
+                    <a:lstStyle/>
+                    <a:p>
+                      <a:pPr algn="r" fontAlgn="b"/>
+                      <a:r>
+                        <a:rPr lang="en-US" sz="100" u="none" strike="noStrike">
+                          <a:effectLst/>
+                        </a:rPr>
+                        <a:t>30,000</a:t>
+                      </a:r>
+                      <a:endParaRPr lang="en-US" sz="100" b="0" i="0" u="none" strike="noStrike">
+                        <a:solidFill>
+                          <a:srgbClr val="000000"/>
+                        </a:solidFill>
+                        <a:effectLst/>
+                        <a:latin typeface="Calibri" panose="020F0502020204030204" pitchFamily="34" charset="0"/>
+                      </a:endParaRPr>
+                    </a:p>
+                  </a:txBody>
+                  <a:tcPr marL="102" marR="102" marT="102" marB="0" anchor="b"/>
+                </a:tc>
+                <a:tc hMerge="1">
+                  <a:txBody>
+                    <a:bodyPr/>
+                    <a:lstStyle/>
+                    <a:p>
+                      <a:endParaRPr lang="en-US"/>
+                    </a:p>
+                  </a:txBody>
+                  <a:tcPr/>
+                </a:tc>
+                <a:tc hMerge="1">
+                  <a:txBody>
+                    <a:bodyPr/>
+                    <a:lstStyle/>
+                    <a:p>
+                      <a:endParaRPr lang="en-US"/>
+                    </a:p>
+                  </a:txBody>
+                  <a:tcPr/>
+                </a:tc>
+                <a:tc gridSpan="3">
+                  <a:txBody>
+                    <a:bodyPr/>
+                    <a:lstStyle/>
+                    <a:p>
+                      <a:pPr algn="r" fontAlgn="b"/>
+                      <a:r>
+                        <a:rPr lang="en-US" sz="100" u="none" strike="noStrike">
+                          <a:effectLst/>
+                        </a:rPr>
+                        <a:t>106,000</a:t>
+                      </a:r>
+                      <a:endParaRPr lang="en-US" sz="100" b="0" i="0" u="none" strike="noStrike">
+                        <a:solidFill>
+                          <a:srgbClr val="000000"/>
+                        </a:solidFill>
+                        <a:effectLst/>
+                        <a:latin typeface="Calibri" panose="020F0502020204030204" pitchFamily="34" charset="0"/>
+                      </a:endParaRPr>
+                    </a:p>
+                  </a:txBody>
+                  <a:tcPr marL="102" marR="102" marT="102" marB="0" anchor="b"/>
+                </a:tc>
+                <a:tc hMerge="1">
+                  <a:txBody>
+                    <a:bodyPr/>
+                    <a:lstStyle/>
+                    <a:p>
+                      <a:endParaRPr lang="en-US"/>
+                    </a:p>
+                  </a:txBody>
+                  <a:tcPr/>
+                </a:tc>
+                <a:tc hMerge="1">
+                  <a:txBody>
+                    <a:bodyPr/>
+                    <a:lstStyle/>
+                    <a:p>
+                      <a:endParaRPr lang="en-US"/>
+                    </a:p>
+                  </a:txBody>
+                  <a:tcPr/>
+                </a:tc>
+                <a:extLst>
+                  <a:ext uri="{0D108BD9-81ED-4DB2-BD59-A6C34878D82A}">
+                    <a16:rowId xmlns:a16="http://schemas.microsoft.com/office/drawing/2014/main" val="3506207185"/>
+                  </a:ext>
+                </a:extLst>
+              </a:tr>
+              <a:tr h="0">
+                <a:tc gridSpan="3">
+                  <a:txBody>
+                    <a:bodyPr/>
+                    <a:lstStyle/>
+                    <a:p>
+                      <a:pPr algn="r" fontAlgn="b"/>
+                      <a:r>
+                        <a:rPr lang="en-US" sz="100" u="none" strike="noStrike">
+                          <a:effectLst/>
+                        </a:rPr>
+                        <a:t>YRR</a:t>
+                      </a:r>
+                      <a:endParaRPr lang="en-US" sz="100" b="0" i="0" u="none" strike="noStrike">
+                        <a:solidFill>
+                          <a:srgbClr val="000000"/>
+                        </a:solidFill>
+                        <a:effectLst/>
+                        <a:latin typeface="Calibri" panose="020F0502020204030204" pitchFamily="34" charset="0"/>
+                      </a:endParaRPr>
+                    </a:p>
+                  </a:txBody>
+                  <a:tcPr marL="102" marR="102" marT="102" marB="0" anchor="b"/>
+                </a:tc>
+                <a:tc hMerge="1">
+                  <a:txBody>
+                    <a:bodyPr/>
+                    <a:lstStyle/>
+                    <a:p>
+                      <a:endParaRPr lang="en-US"/>
+                    </a:p>
+                  </a:txBody>
+                  <a:tcPr/>
+                </a:tc>
+                <a:tc hMerge="1">
+                  <a:txBody>
+                    <a:bodyPr/>
+                    <a:lstStyle/>
+                    <a:p>
+                      <a:endParaRPr lang="en-US"/>
+                    </a:p>
+                  </a:txBody>
+                  <a:tcPr/>
+                </a:tc>
+                <a:tc>
+                  <a:txBody>
+                    <a:bodyPr/>
+                    <a:lstStyle/>
+                    <a:p>
+                      <a:pPr algn="r" fontAlgn="b"/>
+                      <a:r>
+                        <a:rPr lang="en-US" sz="100" u="none" strike="noStrike">
+                          <a:effectLst/>
+                        </a:rPr>
+                        <a:t>96,000</a:t>
+                      </a:r>
+                      <a:endParaRPr lang="en-US" sz="100" b="0" i="0" u="none" strike="noStrike">
+                        <a:solidFill>
+                          <a:srgbClr val="000000"/>
+                        </a:solidFill>
+                        <a:effectLst/>
+                        <a:latin typeface="Calibri" panose="020F0502020204030204" pitchFamily="34" charset="0"/>
+                      </a:endParaRPr>
+                    </a:p>
+                  </a:txBody>
+                  <a:tcPr marL="102" marR="102" marT="102" marB="0" anchor="b"/>
+                </a:tc>
+                <a:tc gridSpan="3">
+                  <a:txBody>
+                    <a:bodyPr/>
+                    <a:lstStyle/>
+                    <a:p>
+                      <a:pPr algn="r" fontAlgn="b"/>
+                      <a:r>
+                        <a:rPr lang="en-US" sz="100" u="none" strike="noStrike">
+                          <a:effectLst/>
+                        </a:rPr>
+                        <a:t>360,000</a:t>
+                      </a:r>
+                      <a:endParaRPr lang="en-US" sz="100" b="0" i="0" u="none" strike="noStrike">
+                        <a:solidFill>
+                          <a:srgbClr val="000000"/>
+                        </a:solidFill>
+                        <a:effectLst/>
+                        <a:latin typeface="Calibri" panose="020F0502020204030204" pitchFamily="34" charset="0"/>
+                      </a:endParaRPr>
+                    </a:p>
+                  </a:txBody>
+                  <a:tcPr marL="102" marR="102" marT="102" marB="0" anchor="b"/>
+                </a:tc>
+                <a:tc hMerge="1">
+                  <a:txBody>
+                    <a:bodyPr/>
+                    <a:lstStyle/>
+                    <a:p>
+                      <a:endParaRPr lang="en-US"/>
+                    </a:p>
+                  </a:txBody>
+                  <a:tcPr/>
+                </a:tc>
+                <a:tc hMerge="1">
+                  <a:txBody>
+                    <a:bodyPr/>
+                    <a:lstStyle/>
+                    <a:p>
+                      <a:endParaRPr lang="en-US"/>
+                    </a:p>
+                  </a:txBody>
+                  <a:tcPr/>
+                </a:tc>
+                <a:tc gridSpan="3">
+                  <a:txBody>
+                    <a:bodyPr/>
+                    <a:lstStyle/>
+                    <a:p>
+                      <a:pPr algn="r" fontAlgn="b"/>
+                      <a:r>
+                        <a:rPr lang="en-US" sz="100" u="none" strike="noStrike" dirty="0">
+                          <a:effectLst/>
+                        </a:rPr>
+                        <a:t>1,272,000</a:t>
+                      </a:r>
+                      <a:endParaRPr lang="en-US" sz="100" b="0" i="0" u="none" strike="noStrike" dirty="0">
+                        <a:solidFill>
+                          <a:srgbClr val="000000"/>
+                        </a:solidFill>
+                        <a:effectLst/>
+                        <a:latin typeface="Calibri" panose="020F0502020204030204" pitchFamily="34" charset="0"/>
+                      </a:endParaRPr>
+                    </a:p>
+                  </a:txBody>
+                  <a:tcPr marL="102" marR="102" marT="102" marB="0" anchor="b"/>
+                </a:tc>
+                <a:tc hMerge="1">
+                  <a:txBody>
+                    <a:bodyPr/>
+                    <a:lstStyle/>
+                    <a:p>
+                      <a:endParaRPr lang="en-US"/>
+                    </a:p>
+                  </a:txBody>
+                  <a:tcPr/>
+                </a:tc>
+                <a:tc hMerge="1">
+                  <a:txBody>
+                    <a:bodyPr/>
+                    <a:lstStyle/>
+                    <a:p>
+                      <a:endParaRPr lang="en-US"/>
+                    </a:p>
+                  </a:txBody>
+                  <a:tcPr/>
+                </a:tc>
+                <a:extLst>
+                  <a:ext uri="{0D108BD9-81ED-4DB2-BD59-A6C34878D82A}">
+                    <a16:rowId xmlns:a16="http://schemas.microsoft.com/office/drawing/2014/main" val="2648975930"/>
+                  </a:ext>
+                </a:extLst>
+              </a:tr>
+            </a:tbl>
+          </a:graphicData>
+        </a:graphic>
+      </p:graphicFrame>
+      <p:pic>
+        <p:nvPicPr>
+          <p:cNvPr id="5" name="Picture 4">
+            <a:extLst>
+              <a:ext uri="{FF2B5EF4-FFF2-40B4-BE49-F238E27FC236}">
+                <a16:creationId xmlns:a16="http://schemas.microsoft.com/office/drawing/2014/main" id="{88FD0CF5-B79A-4233-B855-A9AA4E6F2356}"/>
+              </a:ext>
+            </a:extLst>
+          </p:cNvPr>
+          <p:cNvPicPr>
+            <a:picLocks noChangeAspect="1"/>
+          </p:cNvPicPr>
+          <p:nvPr/>
+        </p:nvPicPr>
+        <p:blipFill>
+          <a:blip r:embed="rId2"/>
+          <a:stretch>
+            <a:fillRect/>
+          </a:stretch>
+        </p:blipFill>
+        <p:spPr>
+          <a:xfrm>
+            <a:off x="514419" y="519699"/>
+            <a:ext cx="3394972" cy="1238458"/>
+          </a:xfrm>
+          <a:prstGeom prst="rect">
+            <a:avLst/>
+          </a:prstGeom>
+        </p:spPr>
+      </p:pic>
+      <p:sp>
+        <p:nvSpPr>
+          <p:cNvPr id="9" name="TextBox 8">
+            <a:extLst>
+              <a:ext uri="{FF2B5EF4-FFF2-40B4-BE49-F238E27FC236}">
+                <a16:creationId xmlns:a16="http://schemas.microsoft.com/office/drawing/2014/main" id="{0928CC1A-76F2-4A4B-873C-AF91EC47372B}"/>
+              </a:ext>
+            </a:extLst>
+          </p:cNvPr>
+          <p:cNvSpPr txBox="1"/>
+          <p:nvPr/>
+        </p:nvSpPr>
+        <p:spPr>
+          <a:xfrm>
+            <a:off x="679731" y="2112021"/>
+            <a:ext cx="10698763" cy="584775"/>
+          </a:xfrm>
+          <a:prstGeom prst="rect">
+            <a:avLst/>
+          </a:prstGeom>
+          <a:noFill/>
+        </p:spPr>
+        <p:txBody>
+          <a:bodyPr wrap="none" rtlCol="0">
+            <a:spAutoFit/>
+          </a:bodyPr>
+          <a:lstStyle/>
+          <a:p>
+            <a:r>
+              <a:rPr lang="en-US" sz="3200" dirty="0"/>
+              <a:t>Until now, no attempt at revenue, just building traffic/goodwill.</a:t>
+            </a:r>
+          </a:p>
+        </p:txBody>
+      </p:sp>
+      <p:graphicFrame>
+        <p:nvGraphicFramePr>
+          <p:cNvPr id="6" name="Table 5">
+            <a:extLst>
+              <a:ext uri="{FF2B5EF4-FFF2-40B4-BE49-F238E27FC236}">
+                <a16:creationId xmlns:a16="http://schemas.microsoft.com/office/drawing/2014/main" id="{0976BCD3-CEB0-479F-A8FE-CB843B4B3981}"/>
+              </a:ext>
+            </a:extLst>
+          </p:cNvPr>
+          <p:cNvGraphicFramePr>
+            <a:graphicFrameLocks noGrp="1"/>
+          </p:cNvGraphicFramePr>
+          <p:nvPr>
+            <p:extLst>
+              <p:ext uri="{D42A27DB-BD31-4B8C-83A1-F6EECF244321}">
+                <p14:modId xmlns:p14="http://schemas.microsoft.com/office/powerpoint/2010/main" val="2813350228"/>
+              </p:ext>
+            </p:extLst>
+          </p:nvPr>
+        </p:nvGraphicFramePr>
+        <p:xfrm>
+          <a:off x="2334552" y="2973823"/>
+          <a:ext cx="7171390" cy="3006187"/>
+        </p:xfrm>
+        <a:graphic>
+          <a:graphicData uri="http://schemas.openxmlformats.org/drawingml/2006/table">
+            <a:tbl>
+              <a:tblPr>
+                <a:tableStyleId>{5C22544A-7EE6-4342-B048-85BDC9FD1C3A}</a:tableStyleId>
+              </a:tblPr>
+              <a:tblGrid>
+                <a:gridCol w="916570">
+                  <a:extLst>
+                    <a:ext uri="{9D8B030D-6E8A-4147-A177-3AD203B41FA5}">
+                      <a16:colId xmlns:a16="http://schemas.microsoft.com/office/drawing/2014/main" val="2169684470"/>
+                    </a:ext>
+                  </a:extLst>
+                </a:gridCol>
+                <a:gridCol w="694980">
+                  <a:extLst>
+                    <a:ext uri="{9D8B030D-6E8A-4147-A177-3AD203B41FA5}">
+                      <a16:colId xmlns:a16="http://schemas.microsoft.com/office/drawing/2014/main" val="2544540291"/>
+                    </a:ext>
+                  </a:extLst>
+                </a:gridCol>
+                <a:gridCol w="694980">
+                  <a:extLst>
+                    <a:ext uri="{9D8B030D-6E8A-4147-A177-3AD203B41FA5}">
+                      <a16:colId xmlns:a16="http://schemas.microsoft.com/office/drawing/2014/main" val="2657681806"/>
+                    </a:ext>
+                  </a:extLst>
+                </a:gridCol>
+                <a:gridCol w="694980">
+                  <a:extLst>
+                    <a:ext uri="{9D8B030D-6E8A-4147-A177-3AD203B41FA5}">
+                      <a16:colId xmlns:a16="http://schemas.microsoft.com/office/drawing/2014/main" val="1207806310"/>
+                    </a:ext>
+                  </a:extLst>
+                </a:gridCol>
+                <a:gridCol w="694980">
+                  <a:extLst>
+                    <a:ext uri="{9D8B030D-6E8A-4147-A177-3AD203B41FA5}">
+                      <a16:colId xmlns:a16="http://schemas.microsoft.com/office/drawing/2014/main" val="2156399255"/>
+                    </a:ext>
+                  </a:extLst>
+                </a:gridCol>
+                <a:gridCol w="694980">
+                  <a:extLst>
+                    <a:ext uri="{9D8B030D-6E8A-4147-A177-3AD203B41FA5}">
+                      <a16:colId xmlns:a16="http://schemas.microsoft.com/office/drawing/2014/main" val="3727543625"/>
+                    </a:ext>
+                  </a:extLst>
+                </a:gridCol>
+                <a:gridCol w="694980">
+                  <a:extLst>
+                    <a:ext uri="{9D8B030D-6E8A-4147-A177-3AD203B41FA5}">
+                      <a16:colId xmlns:a16="http://schemas.microsoft.com/office/drawing/2014/main" val="398774224"/>
+                    </a:ext>
+                  </a:extLst>
+                </a:gridCol>
+                <a:gridCol w="694980">
+                  <a:extLst>
+                    <a:ext uri="{9D8B030D-6E8A-4147-A177-3AD203B41FA5}">
+                      <a16:colId xmlns:a16="http://schemas.microsoft.com/office/drawing/2014/main" val="2537303923"/>
+                    </a:ext>
+                  </a:extLst>
+                </a:gridCol>
+                <a:gridCol w="694980">
+                  <a:extLst>
+                    <a:ext uri="{9D8B030D-6E8A-4147-A177-3AD203B41FA5}">
+                      <a16:colId xmlns:a16="http://schemas.microsoft.com/office/drawing/2014/main" val="3926180248"/>
+                    </a:ext>
+                  </a:extLst>
+                </a:gridCol>
+                <a:gridCol w="694980">
+                  <a:extLst>
+                    <a:ext uri="{9D8B030D-6E8A-4147-A177-3AD203B41FA5}">
+                      <a16:colId xmlns:a16="http://schemas.microsoft.com/office/drawing/2014/main" val="3187514581"/>
+                    </a:ext>
+                  </a:extLst>
+                </a:gridCol>
+              </a:tblGrid>
+              <a:tr h="614903">
+                <a:tc gridSpan="10">
+                  <a:txBody>
+                    <a:bodyPr/>
+                    <a:lstStyle/>
+                    <a:p>
+                      <a:pPr algn="ctr" fontAlgn="ctr"/>
+                      <a:r>
+                        <a:rPr lang="en-US" sz="2200" u="none" strike="noStrike" dirty="0">
+                          <a:effectLst/>
+                        </a:rPr>
+                        <a:t>Revenue Projections</a:t>
+                      </a:r>
+                      <a:endParaRPr lang="en-US" sz="2200" b="0" i="0" u="none" strike="noStrike" dirty="0">
+                        <a:solidFill>
+                          <a:srgbClr val="000000"/>
+                        </a:solidFill>
+                        <a:effectLst/>
+                        <a:latin typeface="Calibri" panose="020F0502020204030204" pitchFamily="34" charset="0"/>
+                      </a:endParaRPr>
+                    </a:p>
+                  </a:txBody>
+                  <a:tcPr marL="6350" marR="6350" marT="6350" marB="0" anchor="ctr"/>
+                </a:tc>
+                <a:tc hMerge="1">
+                  <a:txBody>
+                    <a:bodyPr/>
+                    <a:lstStyle/>
+                    <a:p>
+                      <a:endParaRPr lang="en-US"/>
+                    </a:p>
+                  </a:txBody>
+                  <a:tcPr/>
+                </a:tc>
+                <a:tc hMerge="1">
+                  <a:txBody>
+                    <a:bodyPr/>
+                    <a:lstStyle/>
+                    <a:p>
+                      <a:endParaRPr lang="en-US"/>
+                    </a:p>
+                  </a:txBody>
+                  <a:tcPr/>
+                </a:tc>
+                <a:tc hMerge="1">
+                  <a:txBody>
+                    <a:bodyPr/>
+                    <a:lstStyle/>
+                    <a:p>
+                      <a:endParaRPr lang="en-US"/>
+                    </a:p>
+                  </a:txBody>
+                  <a:tcPr/>
+                </a:tc>
+                <a:tc hMerge="1">
+                  <a:txBody>
+                    <a:bodyPr/>
+                    <a:lstStyle/>
+                    <a:p>
+                      <a:endParaRPr lang="en-US"/>
+                    </a:p>
+                  </a:txBody>
+                  <a:tcPr/>
+                </a:tc>
+                <a:tc hMerge="1">
+                  <a:txBody>
+                    <a:bodyPr/>
+                    <a:lstStyle/>
+                    <a:p>
+                      <a:endParaRPr lang="en-US"/>
+                    </a:p>
+                  </a:txBody>
+                  <a:tcPr/>
+                </a:tc>
+                <a:tc hMerge="1">
+                  <a:txBody>
+                    <a:bodyPr/>
+                    <a:lstStyle/>
+                    <a:p>
+                      <a:endParaRPr lang="en-US"/>
+                    </a:p>
+                  </a:txBody>
+                  <a:tcPr/>
+                </a:tc>
+                <a:tc hMerge="1">
+                  <a:txBody>
+                    <a:bodyPr/>
+                    <a:lstStyle/>
+                    <a:p>
+                      <a:endParaRPr lang="en-US"/>
+                    </a:p>
+                  </a:txBody>
+                  <a:tcPr/>
+                </a:tc>
+                <a:tc hMerge="1">
+                  <a:txBody>
+                    <a:bodyPr/>
+                    <a:lstStyle/>
+                    <a:p>
+                      <a:endParaRPr lang="en-US"/>
+                    </a:p>
+                  </a:txBody>
+                  <a:tcPr/>
+                </a:tc>
+                <a:tc hMerge="1">
+                  <a:txBody>
+                    <a:bodyPr/>
+                    <a:lstStyle/>
+                    <a:p>
+                      <a:endParaRPr lang="en-US"/>
+                    </a:p>
+                  </a:txBody>
+                  <a:tcPr/>
+                </a:tc>
+                <a:extLst>
+                  <a:ext uri="{0D108BD9-81ED-4DB2-BD59-A6C34878D82A}">
+                    <a16:rowId xmlns:a16="http://schemas.microsoft.com/office/drawing/2014/main" val="2872510633"/>
+                  </a:ext>
+                </a:extLst>
+              </a:tr>
+              <a:tr h="341612">
+                <a:tc>
+                  <a:txBody>
+                    <a:bodyPr/>
+                    <a:lstStyle/>
+                    <a:p>
+                      <a:pPr algn="l" fontAlgn="b"/>
+                      <a:endParaRPr lang="en-US" sz="1100" b="0" i="0" u="none" strike="noStrike">
+                        <a:solidFill>
+                          <a:srgbClr val="000000"/>
+                        </a:solidFill>
+                        <a:effectLst/>
+                        <a:latin typeface="Calibri" panose="020F0502020204030204" pitchFamily="34" charset="0"/>
+                      </a:endParaRPr>
+                    </a:p>
+                  </a:txBody>
+                  <a:tcPr marL="6350" marR="6350" marT="6350" marB="0" anchor="b"/>
+                </a:tc>
+                <a:tc gridSpan="3">
+                  <a:txBody>
+                    <a:bodyPr/>
+                    <a:lstStyle/>
+                    <a:p>
+                      <a:pPr algn="ctr" fontAlgn="b"/>
+                      <a:r>
+                        <a:rPr lang="en-US" sz="1100" u="none" strike="noStrike">
+                          <a:effectLst/>
+                        </a:rPr>
+                        <a:t>6 months</a:t>
+                      </a:r>
+                      <a:endParaRPr lang="en-US" sz="1100" b="0" i="0" u="none" strike="noStrike">
+                        <a:solidFill>
+                          <a:srgbClr val="000000"/>
+                        </a:solidFill>
+                        <a:effectLst/>
+                        <a:latin typeface="Calibri" panose="020F0502020204030204" pitchFamily="34" charset="0"/>
+                      </a:endParaRPr>
+                    </a:p>
+                  </a:txBody>
+                  <a:tcPr marL="6350" marR="6350" marT="6350" marB="0" anchor="b"/>
+                </a:tc>
+                <a:tc hMerge="1">
+                  <a:txBody>
+                    <a:bodyPr/>
+                    <a:lstStyle/>
+                    <a:p>
+                      <a:endParaRPr lang="en-US"/>
+                    </a:p>
+                  </a:txBody>
+                  <a:tcPr/>
+                </a:tc>
+                <a:tc hMerge="1">
+                  <a:txBody>
+                    <a:bodyPr/>
+                    <a:lstStyle/>
+                    <a:p>
+                      <a:endParaRPr lang="en-US"/>
+                    </a:p>
+                  </a:txBody>
+                  <a:tcPr/>
+                </a:tc>
+                <a:tc gridSpan="3">
+                  <a:txBody>
+                    <a:bodyPr/>
+                    <a:lstStyle/>
+                    <a:p>
+                      <a:pPr algn="ctr" fontAlgn="b"/>
+                      <a:r>
+                        <a:rPr lang="en-US" sz="1100" u="none" strike="noStrike">
+                          <a:effectLst/>
+                        </a:rPr>
+                        <a:t>1 Year</a:t>
+                      </a:r>
+                      <a:endParaRPr lang="en-US" sz="1100" b="0" i="0" u="none" strike="noStrike">
+                        <a:solidFill>
+                          <a:srgbClr val="000000"/>
+                        </a:solidFill>
+                        <a:effectLst/>
+                        <a:latin typeface="Calibri" panose="020F0502020204030204" pitchFamily="34" charset="0"/>
+                      </a:endParaRPr>
+                    </a:p>
+                  </a:txBody>
+                  <a:tcPr marL="6350" marR="6350" marT="6350" marB="0" anchor="b"/>
+                </a:tc>
+                <a:tc hMerge="1">
+                  <a:txBody>
+                    <a:bodyPr/>
+                    <a:lstStyle/>
+                    <a:p>
+                      <a:endParaRPr lang="en-US"/>
+                    </a:p>
+                  </a:txBody>
+                  <a:tcPr/>
+                </a:tc>
+                <a:tc hMerge="1">
+                  <a:txBody>
+                    <a:bodyPr/>
+                    <a:lstStyle/>
+                    <a:p>
+                      <a:endParaRPr lang="en-US"/>
+                    </a:p>
+                  </a:txBody>
+                  <a:tcPr/>
+                </a:tc>
+                <a:tc gridSpan="3">
+                  <a:txBody>
+                    <a:bodyPr/>
+                    <a:lstStyle/>
+                    <a:p>
+                      <a:pPr algn="ctr" fontAlgn="b"/>
+                      <a:r>
+                        <a:rPr lang="en-US" sz="1100" u="none" strike="noStrike">
+                          <a:effectLst/>
+                        </a:rPr>
+                        <a:t>2 Years</a:t>
+                      </a:r>
+                      <a:endParaRPr lang="en-US" sz="1100" b="0" i="0" u="none" strike="noStrike">
+                        <a:solidFill>
+                          <a:srgbClr val="000000"/>
+                        </a:solidFill>
+                        <a:effectLst/>
+                        <a:latin typeface="Calibri" panose="020F0502020204030204" pitchFamily="34" charset="0"/>
+                      </a:endParaRPr>
+                    </a:p>
+                  </a:txBody>
+                  <a:tcPr marL="6350" marR="6350" marT="6350" marB="0" anchor="b"/>
+                </a:tc>
+                <a:tc hMerge="1">
+                  <a:txBody>
+                    <a:bodyPr/>
+                    <a:lstStyle/>
+                    <a:p>
+                      <a:endParaRPr lang="en-US"/>
+                    </a:p>
+                  </a:txBody>
+                  <a:tcPr/>
+                </a:tc>
+                <a:tc hMerge="1">
+                  <a:txBody>
+                    <a:bodyPr/>
+                    <a:lstStyle/>
+                    <a:p>
+                      <a:endParaRPr lang="en-US"/>
+                    </a:p>
+                  </a:txBody>
+                  <a:tcPr/>
+                </a:tc>
+                <a:extLst>
+                  <a:ext uri="{0D108BD9-81ED-4DB2-BD59-A6C34878D82A}">
+                    <a16:rowId xmlns:a16="http://schemas.microsoft.com/office/drawing/2014/main" val="3608494858"/>
+                  </a:ext>
+                </a:extLst>
+              </a:tr>
+              <a:tr h="341612">
+                <a:tc>
+                  <a:txBody>
+                    <a:bodyPr/>
+                    <a:lstStyle/>
+                    <a:p>
+                      <a:pPr algn="l" fontAlgn="b"/>
+                      <a:endParaRPr lang="en-US" sz="1100" b="0" i="0" u="none" strike="noStrike">
+                        <a:solidFill>
+                          <a:srgbClr val="000000"/>
+                        </a:solidFill>
+                        <a:effectLst/>
+                        <a:latin typeface="Calibri" panose="020F0502020204030204" pitchFamily="34" charset="0"/>
+                      </a:endParaRPr>
+                    </a:p>
+                  </a:txBody>
+                  <a:tcPr marL="6350" marR="6350" marT="6350" marB="0" anchor="b"/>
+                </a:tc>
+                <a:tc>
+                  <a:txBody>
+                    <a:bodyPr/>
+                    <a:lstStyle/>
+                    <a:p>
+                      <a:pPr algn="ctr" fontAlgn="b"/>
+                      <a:r>
+                        <a:rPr lang="en-US" sz="1100" u="none" strike="noStrike">
+                          <a:effectLst/>
+                        </a:rPr>
+                        <a:t>Count</a:t>
+                      </a:r>
+                      <a:endParaRPr lang="en-US" sz="1100" b="0" i="0" u="none" strike="noStrike">
+                        <a:solidFill>
+                          <a:srgbClr val="000000"/>
+                        </a:solidFill>
+                        <a:effectLst/>
+                        <a:latin typeface="Calibri" panose="020F0502020204030204" pitchFamily="34" charset="0"/>
+                      </a:endParaRPr>
+                    </a:p>
+                  </a:txBody>
+                  <a:tcPr marL="6350" marR="6350" marT="6350" marB="0" anchor="b"/>
+                </a:tc>
+                <a:tc>
+                  <a:txBody>
+                    <a:bodyPr/>
+                    <a:lstStyle/>
+                    <a:p>
+                      <a:pPr algn="ctr" fontAlgn="b"/>
+                      <a:r>
+                        <a:rPr lang="en-US" sz="1100" u="none" strike="noStrike">
+                          <a:effectLst/>
+                        </a:rPr>
+                        <a:t>Fee</a:t>
+                      </a:r>
+                      <a:endParaRPr lang="en-US" sz="1100" b="0" i="0" u="none" strike="noStrike">
+                        <a:solidFill>
+                          <a:srgbClr val="000000"/>
+                        </a:solidFill>
+                        <a:effectLst/>
+                        <a:latin typeface="Calibri" panose="020F0502020204030204" pitchFamily="34" charset="0"/>
+                      </a:endParaRPr>
+                    </a:p>
+                  </a:txBody>
+                  <a:tcPr marL="6350" marR="6350" marT="6350" marB="0" anchor="b"/>
+                </a:tc>
+                <a:tc>
+                  <a:txBody>
+                    <a:bodyPr/>
+                    <a:lstStyle/>
+                    <a:p>
+                      <a:pPr algn="ctr" fontAlgn="b"/>
+                      <a:r>
+                        <a:rPr lang="en-US" sz="1100" u="none" strike="noStrike">
+                          <a:effectLst/>
+                        </a:rPr>
+                        <a:t>MRR</a:t>
+                      </a:r>
+                      <a:endParaRPr lang="en-US" sz="1100" b="0" i="0" u="none" strike="noStrike">
+                        <a:solidFill>
+                          <a:srgbClr val="000000"/>
+                        </a:solidFill>
+                        <a:effectLst/>
+                        <a:latin typeface="Calibri" panose="020F0502020204030204" pitchFamily="34" charset="0"/>
+                      </a:endParaRPr>
+                    </a:p>
+                  </a:txBody>
+                  <a:tcPr marL="6350" marR="6350" marT="6350" marB="0" anchor="b"/>
+                </a:tc>
+                <a:tc>
+                  <a:txBody>
+                    <a:bodyPr/>
+                    <a:lstStyle/>
+                    <a:p>
+                      <a:pPr algn="ctr" fontAlgn="b"/>
+                      <a:r>
+                        <a:rPr lang="en-US" sz="1100" u="none" strike="noStrike">
+                          <a:effectLst/>
+                        </a:rPr>
+                        <a:t>Count</a:t>
+                      </a:r>
+                      <a:endParaRPr lang="en-US" sz="1100" b="0" i="0" u="none" strike="noStrike">
+                        <a:solidFill>
+                          <a:srgbClr val="000000"/>
+                        </a:solidFill>
+                        <a:effectLst/>
+                        <a:latin typeface="Calibri" panose="020F0502020204030204" pitchFamily="34" charset="0"/>
+                      </a:endParaRPr>
+                    </a:p>
+                  </a:txBody>
+                  <a:tcPr marL="6350" marR="6350" marT="6350" marB="0" anchor="b"/>
+                </a:tc>
+                <a:tc>
+                  <a:txBody>
+                    <a:bodyPr/>
+                    <a:lstStyle/>
+                    <a:p>
+                      <a:pPr algn="ctr" fontAlgn="b"/>
+                      <a:r>
+                        <a:rPr lang="en-US" sz="1100" u="none" strike="noStrike">
+                          <a:effectLst/>
+                        </a:rPr>
+                        <a:t>Fee</a:t>
+                      </a:r>
+                      <a:endParaRPr lang="en-US" sz="1100" b="0" i="0" u="none" strike="noStrike">
+                        <a:solidFill>
+                          <a:srgbClr val="000000"/>
+                        </a:solidFill>
+                        <a:effectLst/>
+                        <a:latin typeface="Calibri" panose="020F0502020204030204" pitchFamily="34" charset="0"/>
+                      </a:endParaRPr>
+                    </a:p>
+                  </a:txBody>
+                  <a:tcPr marL="6350" marR="6350" marT="6350" marB="0" anchor="b"/>
+                </a:tc>
+                <a:tc>
+                  <a:txBody>
+                    <a:bodyPr/>
+                    <a:lstStyle/>
+                    <a:p>
+                      <a:pPr algn="ctr" fontAlgn="b"/>
+                      <a:r>
+                        <a:rPr lang="en-US" sz="1100" u="none" strike="noStrike">
+                          <a:effectLst/>
+                        </a:rPr>
+                        <a:t>MRR</a:t>
+                      </a:r>
+                      <a:endParaRPr lang="en-US" sz="1100" b="0" i="0" u="none" strike="noStrike">
+                        <a:solidFill>
+                          <a:srgbClr val="000000"/>
+                        </a:solidFill>
+                        <a:effectLst/>
+                        <a:latin typeface="Calibri" panose="020F0502020204030204" pitchFamily="34" charset="0"/>
+                      </a:endParaRPr>
+                    </a:p>
+                  </a:txBody>
+                  <a:tcPr marL="6350" marR="6350" marT="6350" marB="0" anchor="b"/>
+                </a:tc>
+                <a:tc>
+                  <a:txBody>
+                    <a:bodyPr/>
+                    <a:lstStyle/>
+                    <a:p>
+                      <a:pPr algn="ctr" fontAlgn="b"/>
+                      <a:r>
+                        <a:rPr lang="en-US" sz="1100" u="none" strike="noStrike">
+                          <a:effectLst/>
+                        </a:rPr>
+                        <a:t>Count</a:t>
+                      </a:r>
+                      <a:endParaRPr lang="en-US" sz="1100" b="0" i="0" u="none" strike="noStrike">
+                        <a:solidFill>
+                          <a:srgbClr val="000000"/>
+                        </a:solidFill>
+                        <a:effectLst/>
+                        <a:latin typeface="Calibri" panose="020F0502020204030204" pitchFamily="34" charset="0"/>
+                      </a:endParaRPr>
+                    </a:p>
+                  </a:txBody>
+                  <a:tcPr marL="6350" marR="6350" marT="6350" marB="0" anchor="b"/>
+                </a:tc>
+                <a:tc>
+                  <a:txBody>
+                    <a:bodyPr/>
+                    <a:lstStyle/>
+                    <a:p>
+                      <a:pPr algn="ctr" fontAlgn="b"/>
+                      <a:r>
+                        <a:rPr lang="en-US" sz="1100" u="none" strike="noStrike">
+                          <a:effectLst/>
+                        </a:rPr>
+                        <a:t>Fee</a:t>
+                      </a:r>
+                      <a:endParaRPr lang="en-US" sz="1100" b="0" i="0" u="none" strike="noStrike">
+                        <a:solidFill>
+                          <a:srgbClr val="000000"/>
+                        </a:solidFill>
+                        <a:effectLst/>
+                        <a:latin typeface="Calibri" panose="020F0502020204030204" pitchFamily="34" charset="0"/>
+                      </a:endParaRPr>
+                    </a:p>
+                  </a:txBody>
+                  <a:tcPr marL="6350" marR="6350" marT="6350" marB="0" anchor="b"/>
+                </a:tc>
+                <a:tc>
+                  <a:txBody>
+                    <a:bodyPr/>
+                    <a:lstStyle/>
+                    <a:p>
+                      <a:pPr algn="ctr" fontAlgn="b"/>
+                      <a:r>
+                        <a:rPr lang="en-US" sz="1100" u="none" strike="noStrike">
+                          <a:effectLst/>
+                        </a:rPr>
+                        <a:t>MRR</a:t>
+                      </a:r>
+                      <a:endParaRPr lang="en-US" sz="1100" b="0" i="0" u="none" strike="noStrike">
+                        <a:solidFill>
+                          <a:srgbClr val="000000"/>
+                        </a:solidFill>
+                        <a:effectLst/>
+                        <a:latin typeface="Calibri" panose="020F0502020204030204" pitchFamily="34" charset="0"/>
+                      </a:endParaRPr>
+                    </a:p>
+                  </a:txBody>
+                  <a:tcPr marL="6350" marR="6350" marT="6350" marB="0" anchor="b"/>
+                </a:tc>
+                <a:extLst>
+                  <a:ext uri="{0D108BD9-81ED-4DB2-BD59-A6C34878D82A}">
+                    <a16:rowId xmlns:a16="http://schemas.microsoft.com/office/drawing/2014/main" val="1405454613"/>
+                  </a:ext>
+                </a:extLst>
+              </a:tr>
+              <a:tr h="341612">
+                <a:tc>
+                  <a:txBody>
+                    <a:bodyPr/>
+                    <a:lstStyle/>
+                    <a:p>
+                      <a:pPr algn="l" fontAlgn="b"/>
+                      <a:r>
+                        <a:rPr lang="en-US" sz="1100" u="none" strike="noStrike">
+                          <a:effectLst/>
+                        </a:rPr>
+                        <a:t>Sponsors</a:t>
+                      </a:r>
+                      <a:endParaRPr lang="en-US" sz="1100" b="0" i="0" u="none" strike="noStrike">
+                        <a:solidFill>
+                          <a:srgbClr val="000000"/>
+                        </a:solidFill>
+                        <a:effectLst/>
+                        <a:latin typeface="Calibri" panose="020F0502020204030204" pitchFamily="34" charset="0"/>
+                      </a:endParaRPr>
+                    </a:p>
+                  </a:txBody>
+                  <a:tcPr marL="6350" marR="6350" marT="6350" marB="0" anchor="b"/>
+                </a:tc>
+                <a:tc>
+                  <a:txBody>
+                    <a:bodyPr/>
+                    <a:lstStyle/>
+                    <a:p>
+                      <a:pPr algn="r" fontAlgn="b"/>
+                      <a:r>
+                        <a:rPr lang="en-US" sz="1100" u="none" strike="noStrike">
+                          <a:effectLst/>
+                        </a:rPr>
+                        <a:t>2</a:t>
+                      </a:r>
+                      <a:endParaRPr lang="en-US" sz="1100" b="0" i="0" u="none" strike="noStrike">
+                        <a:solidFill>
+                          <a:srgbClr val="000000"/>
+                        </a:solidFill>
+                        <a:effectLst/>
+                        <a:latin typeface="Calibri" panose="020F0502020204030204" pitchFamily="34" charset="0"/>
+                      </a:endParaRPr>
+                    </a:p>
+                  </a:txBody>
+                  <a:tcPr marL="6350" marR="6350" marT="6350" marB="0" anchor="b"/>
+                </a:tc>
+                <a:tc>
+                  <a:txBody>
+                    <a:bodyPr/>
+                    <a:lstStyle/>
+                    <a:p>
+                      <a:pPr algn="r" fontAlgn="b"/>
+                      <a:r>
+                        <a:rPr lang="en-US" sz="1100" u="none" strike="noStrike">
+                          <a:effectLst/>
+                        </a:rPr>
+                        <a:t>2,000</a:t>
+                      </a:r>
+                      <a:endParaRPr lang="en-US" sz="1100" b="0" i="0" u="none" strike="noStrike">
+                        <a:solidFill>
+                          <a:srgbClr val="000000"/>
+                        </a:solidFill>
+                        <a:effectLst/>
+                        <a:latin typeface="Calibri" panose="020F0502020204030204" pitchFamily="34" charset="0"/>
+                      </a:endParaRPr>
+                    </a:p>
+                  </a:txBody>
+                  <a:tcPr marL="6350" marR="6350" marT="6350" marB="0" anchor="b"/>
+                </a:tc>
+                <a:tc>
+                  <a:txBody>
+                    <a:bodyPr/>
+                    <a:lstStyle/>
+                    <a:p>
+                      <a:pPr algn="r" fontAlgn="b"/>
+                      <a:r>
+                        <a:rPr lang="en-US" sz="1100" u="none" strike="noStrike">
+                          <a:effectLst/>
+                        </a:rPr>
+                        <a:t>4,000</a:t>
+                      </a:r>
+                      <a:endParaRPr lang="en-US" sz="1100" b="0" i="0" u="none" strike="noStrike">
+                        <a:solidFill>
+                          <a:srgbClr val="000000"/>
+                        </a:solidFill>
+                        <a:effectLst/>
+                        <a:latin typeface="Calibri" panose="020F0502020204030204" pitchFamily="34" charset="0"/>
+                      </a:endParaRPr>
+                    </a:p>
+                  </a:txBody>
+                  <a:tcPr marL="6350" marR="6350" marT="6350" marB="0" anchor="b"/>
+                </a:tc>
+                <a:tc>
+                  <a:txBody>
+                    <a:bodyPr/>
+                    <a:lstStyle/>
+                    <a:p>
+                      <a:pPr algn="r" fontAlgn="b"/>
+                      <a:r>
+                        <a:rPr lang="en-US" sz="1100" u="none" strike="noStrike">
+                          <a:effectLst/>
+                        </a:rPr>
+                        <a:t>4</a:t>
+                      </a:r>
+                      <a:endParaRPr lang="en-US" sz="1100" b="0" i="0" u="none" strike="noStrike">
+                        <a:solidFill>
+                          <a:srgbClr val="000000"/>
+                        </a:solidFill>
+                        <a:effectLst/>
+                        <a:latin typeface="Calibri" panose="020F0502020204030204" pitchFamily="34" charset="0"/>
+                      </a:endParaRPr>
+                    </a:p>
+                  </a:txBody>
+                  <a:tcPr marL="6350" marR="6350" marT="6350" marB="0" anchor="b"/>
+                </a:tc>
+                <a:tc>
+                  <a:txBody>
+                    <a:bodyPr/>
+                    <a:lstStyle/>
+                    <a:p>
+                      <a:pPr algn="r" fontAlgn="b"/>
+                      <a:r>
+                        <a:rPr lang="en-US" sz="1100" u="none" strike="noStrike">
+                          <a:effectLst/>
+                        </a:rPr>
+                        <a:t>4,000</a:t>
+                      </a:r>
+                      <a:endParaRPr lang="en-US" sz="1100" b="0" i="0" u="none" strike="noStrike">
+                        <a:solidFill>
+                          <a:srgbClr val="000000"/>
+                        </a:solidFill>
+                        <a:effectLst/>
+                        <a:latin typeface="Calibri" panose="020F0502020204030204" pitchFamily="34" charset="0"/>
+                      </a:endParaRPr>
+                    </a:p>
+                  </a:txBody>
+                  <a:tcPr marL="6350" marR="6350" marT="6350" marB="0" anchor="b"/>
+                </a:tc>
+                <a:tc>
+                  <a:txBody>
+                    <a:bodyPr/>
+                    <a:lstStyle/>
+                    <a:p>
+                      <a:pPr algn="r" fontAlgn="b"/>
+                      <a:r>
+                        <a:rPr lang="en-US" sz="1100" u="none" strike="noStrike" dirty="0">
+                          <a:effectLst/>
+                        </a:rPr>
+                        <a:t>16,000</a:t>
+                      </a:r>
+                      <a:endParaRPr lang="en-US" sz="1100" b="0" i="0" u="none" strike="noStrike" dirty="0">
+                        <a:solidFill>
+                          <a:srgbClr val="000000"/>
+                        </a:solidFill>
+                        <a:effectLst/>
+                        <a:latin typeface="Calibri" panose="020F0502020204030204" pitchFamily="34" charset="0"/>
+                      </a:endParaRPr>
+                    </a:p>
+                  </a:txBody>
+                  <a:tcPr marL="6350" marR="6350" marT="6350" marB="0" anchor="b"/>
+                </a:tc>
+                <a:tc>
+                  <a:txBody>
+                    <a:bodyPr/>
+                    <a:lstStyle/>
+                    <a:p>
+                      <a:pPr algn="r" fontAlgn="b"/>
+                      <a:r>
+                        <a:rPr lang="en-US" sz="1100" u="none" strike="noStrike">
+                          <a:effectLst/>
+                        </a:rPr>
+                        <a:t>6</a:t>
+                      </a:r>
+                      <a:endParaRPr lang="en-US" sz="1100" b="0" i="0" u="none" strike="noStrike">
+                        <a:solidFill>
+                          <a:srgbClr val="000000"/>
+                        </a:solidFill>
+                        <a:effectLst/>
+                        <a:latin typeface="Calibri" panose="020F0502020204030204" pitchFamily="34" charset="0"/>
+                      </a:endParaRPr>
+                    </a:p>
+                  </a:txBody>
+                  <a:tcPr marL="6350" marR="6350" marT="6350" marB="0" anchor="b"/>
+                </a:tc>
+                <a:tc>
+                  <a:txBody>
+                    <a:bodyPr/>
+                    <a:lstStyle/>
+                    <a:p>
+                      <a:pPr algn="r" fontAlgn="b"/>
+                      <a:r>
+                        <a:rPr lang="en-US" sz="1100" u="none" strike="noStrike">
+                          <a:effectLst/>
+                        </a:rPr>
+                        <a:t>6,000</a:t>
+                      </a:r>
+                      <a:endParaRPr lang="en-US" sz="1100" b="0" i="0" u="none" strike="noStrike">
+                        <a:solidFill>
+                          <a:srgbClr val="000000"/>
+                        </a:solidFill>
+                        <a:effectLst/>
+                        <a:latin typeface="Calibri" panose="020F0502020204030204" pitchFamily="34" charset="0"/>
+                      </a:endParaRPr>
+                    </a:p>
+                  </a:txBody>
+                  <a:tcPr marL="6350" marR="6350" marT="6350" marB="0" anchor="b"/>
+                </a:tc>
+                <a:tc>
+                  <a:txBody>
+                    <a:bodyPr/>
+                    <a:lstStyle/>
+                    <a:p>
+                      <a:pPr algn="r" fontAlgn="b"/>
+                      <a:r>
+                        <a:rPr lang="en-US" sz="1100" u="none" strike="noStrike">
+                          <a:effectLst/>
+                        </a:rPr>
+                        <a:t>36,000</a:t>
+                      </a:r>
+                      <a:endParaRPr lang="en-US" sz="1100" b="0" i="0" u="none" strike="noStrike">
+                        <a:solidFill>
+                          <a:srgbClr val="000000"/>
+                        </a:solidFill>
+                        <a:effectLst/>
+                        <a:latin typeface="Calibri" panose="020F0502020204030204" pitchFamily="34" charset="0"/>
+                      </a:endParaRPr>
+                    </a:p>
+                  </a:txBody>
+                  <a:tcPr marL="6350" marR="6350" marT="6350" marB="0" anchor="b"/>
+                </a:tc>
+                <a:extLst>
+                  <a:ext uri="{0D108BD9-81ED-4DB2-BD59-A6C34878D82A}">
+                    <a16:rowId xmlns:a16="http://schemas.microsoft.com/office/drawing/2014/main" val="4253203577"/>
+                  </a:ext>
+                </a:extLst>
+              </a:tr>
+              <a:tr h="341612">
+                <a:tc>
+                  <a:txBody>
+                    <a:bodyPr/>
+                    <a:lstStyle/>
+                    <a:p>
+                      <a:pPr algn="l" fontAlgn="b"/>
+                      <a:r>
+                        <a:rPr lang="en-US" sz="1100" u="none" strike="noStrike">
+                          <a:effectLst/>
+                        </a:rPr>
+                        <a:t>Organisations</a:t>
+                      </a:r>
+                      <a:endParaRPr lang="en-US" sz="1100" b="0" i="0" u="none" strike="noStrike">
+                        <a:solidFill>
+                          <a:srgbClr val="000000"/>
+                        </a:solidFill>
+                        <a:effectLst/>
+                        <a:latin typeface="Calibri" panose="020F0502020204030204" pitchFamily="34" charset="0"/>
+                      </a:endParaRPr>
+                    </a:p>
+                  </a:txBody>
+                  <a:tcPr marL="6350" marR="6350" marT="6350" marB="0" anchor="b"/>
+                </a:tc>
+                <a:tc>
+                  <a:txBody>
+                    <a:bodyPr/>
+                    <a:lstStyle/>
+                    <a:p>
+                      <a:pPr algn="r" fontAlgn="b"/>
+                      <a:r>
+                        <a:rPr lang="en-US" sz="1100" u="none" strike="noStrike">
+                          <a:effectLst/>
+                        </a:rPr>
+                        <a:t>2</a:t>
+                      </a:r>
+                      <a:endParaRPr lang="en-US" sz="1100" b="0" i="0" u="none" strike="noStrike">
+                        <a:solidFill>
+                          <a:srgbClr val="000000"/>
+                        </a:solidFill>
+                        <a:effectLst/>
+                        <a:latin typeface="Calibri" panose="020F0502020204030204" pitchFamily="34" charset="0"/>
+                      </a:endParaRPr>
+                    </a:p>
+                  </a:txBody>
+                  <a:tcPr marL="6350" marR="6350" marT="6350" marB="0" anchor="b"/>
+                </a:tc>
+                <a:tc>
+                  <a:txBody>
+                    <a:bodyPr/>
+                    <a:lstStyle/>
+                    <a:p>
+                      <a:pPr algn="r" fontAlgn="b"/>
+                      <a:r>
+                        <a:rPr lang="en-US" sz="1100" u="none" strike="noStrike">
+                          <a:effectLst/>
+                        </a:rPr>
+                        <a:t>1,000</a:t>
+                      </a:r>
+                      <a:endParaRPr lang="en-US" sz="1100" b="0" i="0" u="none" strike="noStrike">
+                        <a:solidFill>
+                          <a:srgbClr val="000000"/>
+                        </a:solidFill>
+                        <a:effectLst/>
+                        <a:latin typeface="Calibri" panose="020F0502020204030204" pitchFamily="34" charset="0"/>
+                      </a:endParaRPr>
+                    </a:p>
+                  </a:txBody>
+                  <a:tcPr marL="6350" marR="6350" marT="6350" marB="0" anchor="b"/>
+                </a:tc>
+                <a:tc>
+                  <a:txBody>
+                    <a:bodyPr/>
+                    <a:lstStyle/>
+                    <a:p>
+                      <a:pPr algn="r" fontAlgn="b"/>
+                      <a:r>
+                        <a:rPr lang="en-US" sz="1100" u="none" strike="noStrike">
+                          <a:effectLst/>
+                        </a:rPr>
+                        <a:t>2,000</a:t>
+                      </a:r>
+                      <a:endParaRPr lang="en-US" sz="1100" b="0" i="0" u="none" strike="noStrike">
+                        <a:solidFill>
+                          <a:srgbClr val="000000"/>
+                        </a:solidFill>
+                        <a:effectLst/>
+                        <a:latin typeface="Calibri" panose="020F0502020204030204" pitchFamily="34" charset="0"/>
+                      </a:endParaRPr>
+                    </a:p>
+                  </a:txBody>
+                  <a:tcPr marL="6350" marR="6350" marT="6350" marB="0" anchor="b"/>
+                </a:tc>
+                <a:tc>
+                  <a:txBody>
+                    <a:bodyPr/>
+                    <a:lstStyle/>
+                    <a:p>
+                      <a:pPr algn="r" fontAlgn="b"/>
+                      <a:r>
+                        <a:rPr lang="en-US" sz="1100" u="none" strike="noStrike">
+                          <a:effectLst/>
+                        </a:rPr>
+                        <a:t>6</a:t>
+                      </a:r>
+                      <a:endParaRPr lang="en-US" sz="1100" b="0" i="0" u="none" strike="noStrike">
+                        <a:solidFill>
+                          <a:srgbClr val="000000"/>
+                        </a:solidFill>
+                        <a:effectLst/>
+                        <a:latin typeface="Calibri" panose="020F0502020204030204" pitchFamily="34" charset="0"/>
+                      </a:endParaRPr>
+                    </a:p>
+                  </a:txBody>
+                  <a:tcPr marL="6350" marR="6350" marT="6350" marB="0" anchor="b"/>
+                </a:tc>
+                <a:tc>
+                  <a:txBody>
+                    <a:bodyPr/>
+                    <a:lstStyle/>
+                    <a:p>
+                      <a:pPr algn="r" fontAlgn="b"/>
+                      <a:r>
+                        <a:rPr lang="en-US" sz="1100" u="none" strike="noStrike">
+                          <a:effectLst/>
+                        </a:rPr>
+                        <a:t>1,000</a:t>
+                      </a:r>
+                      <a:endParaRPr lang="en-US" sz="1100" b="0" i="0" u="none" strike="noStrike">
+                        <a:solidFill>
+                          <a:srgbClr val="000000"/>
+                        </a:solidFill>
+                        <a:effectLst/>
+                        <a:latin typeface="Calibri" panose="020F0502020204030204" pitchFamily="34" charset="0"/>
+                      </a:endParaRPr>
+                    </a:p>
+                  </a:txBody>
+                  <a:tcPr marL="6350" marR="6350" marT="6350" marB="0" anchor="b"/>
+                </a:tc>
+                <a:tc>
+                  <a:txBody>
+                    <a:bodyPr/>
+                    <a:lstStyle/>
+                    <a:p>
+                      <a:pPr algn="r" fontAlgn="b"/>
+                      <a:r>
+                        <a:rPr lang="en-US" sz="1100" u="none" strike="noStrike">
+                          <a:effectLst/>
+                        </a:rPr>
+                        <a:t>6,000</a:t>
+                      </a:r>
+                      <a:endParaRPr lang="en-US" sz="1100" b="0" i="0" u="none" strike="noStrike">
+                        <a:solidFill>
+                          <a:srgbClr val="000000"/>
+                        </a:solidFill>
+                        <a:effectLst/>
+                        <a:latin typeface="Calibri" panose="020F0502020204030204" pitchFamily="34" charset="0"/>
+                      </a:endParaRPr>
+                    </a:p>
+                  </a:txBody>
+                  <a:tcPr marL="6350" marR="6350" marT="6350" marB="0" anchor="b"/>
+                </a:tc>
+                <a:tc>
+                  <a:txBody>
+                    <a:bodyPr/>
+                    <a:lstStyle/>
+                    <a:p>
+                      <a:pPr algn="r" fontAlgn="b"/>
+                      <a:r>
+                        <a:rPr lang="en-US" sz="1100" u="none" strike="noStrike">
+                          <a:effectLst/>
+                        </a:rPr>
+                        <a:t>15</a:t>
+                      </a:r>
+                      <a:endParaRPr lang="en-US" sz="1100" b="0" i="0" u="none" strike="noStrike">
+                        <a:solidFill>
+                          <a:srgbClr val="000000"/>
+                        </a:solidFill>
+                        <a:effectLst/>
+                        <a:latin typeface="Calibri" panose="020F0502020204030204" pitchFamily="34" charset="0"/>
+                      </a:endParaRPr>
+                    </a:p>
+                  </a:txBody>
+                  <a:tcPr marL="6350" marR="6350" marT="6350" marB="0" anchor="b"/>
+                </a:tc>
+                <a:tc>
+                  <a:txBody>
+                    <a:bodyPr/>
+                    <a:lstStyle/>
+                    <a:p>
+                      <a:pPr algn="r" fontAlgn="b"/>
+                      <a:r>
+                        <a:rPr lang="en-US" sz="1100" u="none" strike="noStrike">
+                          <a:effectLst/>
+                        </a:rPr>
+                        <a:t>2,000</a:t>
+                      </a:r>
+                      <a:endParaRPr lang="en-US" sz="1100" b="0" i="0" u="none" strike="noStrike">
+                        <a:solidFill>
+                          <a:srgbClr val="000000"/>
+                        </a:solidFill>
+                        <a:effectLst/>
+                        <a:latin typeface="Calibri" panose="020F0502020204030204" pitchFamily="34" charset="0"/>
+                      </a:endParaRPr>
+                    </a:p>
+                  </a:txBody>
+                  <a:tcPr marL="6350" marR="6350" marT="6350" marB="0" anchor="b"/>
+                </a:tc>
+                <a:tc>
+                  <a:txBody>
+                    <a:bodyPr/>
+                    <a:lstStyle/>
+                    <a:p>
+                      <a:pPr algn="r" fontAlgn="b"/>
+                      <a:r>
+                        <a:rPr lang="en-US" sz="1100" u="none" strike="noStrike">
+                          <a:effectLst/>
+                        </a:rPr>
+                        <a:t>30,000</a:t>
+                      </a:r>
+                      <a:endParaRPr lang="en-US" sz="1100" b="0" i="0" u="none" strike="noStrike">
+                        <a:solidFill>
+                          <a:srgbClr val="000000"/>
+                        </a:solidFill>
+                        <a:effectLst/>
+                        <a:latin typeface="Calibri" panose="020F0502020204030204" pitchFamily="34" charset="0"/>
+                      </a:endParaRPr>
+                    </a:p>
+                  </a:txBody>
+                  <a:tcPr marL="6350" marR="6350" marT="6350" marB="0" anchor="b"/>
+                </a:tc>
+                <a:extLst>
+                  <a:ext uri="{0D108BD9-81ED-4DB2-BD59-A6C34878D82A}">
+                    <a16:rowId xmlns:a16="http://schemas.microsoft.com/office/drawing/2014/main" val="2152694922"/>
+                  </a:ext>
+                </a:extLst>
+              </a:tr>
+              <a:tr h="341612">
+                <a:tc>
+                  <a:txBody>
+                    <a:bodyPr/>
+                    <a:lstStyle/>
+                    <a:p>
+                      <a:pPr algn="l" fontAlgn="b"/>
+                      <a:r>
+                        <a:rPr lang="en-US" sz="1100" u="none" strike="noStrike">
+                          <a:effectLst/>
+                        </a:rPr>
+                        <a:t>Players</a:t>
+                      </a:r>
+                      <a:endParaRPr lang="en-US" sz="1100" b="0" i="0" u="none" strike="noStrike">
+                        <a:solidFill>
+                          <a:srgbClr val="000000"/>
+                        </a:solidFill>
+                        <a:effectLst/>
+                        <a:latin typeface="Calibri" panose="020F0502020204030204" pitchFamily="34" charset="0"/>
+                      </a:endParaRPr>
+                    </a:p>
+                  </a:txBody>
+                  <a:tcPr marL="6350" marR="6350" marT="6350" marB="0" anchor="b"/>
+                </a:tc>
+                <a:tc>
+                  <a:txBody>
+                    <a:bodyPr/>
+                    <a:lstStyle/>
+                    <a:p>
+                      <a:pPr algn="r" fontAlgn="b"/>
+                      <a:r>
+                        <a:rPr lang="en-US" sz="1100" u="none" strike="noStrike">
+                          <a:effectLst/>
+                        </a:rPr>
+                        <a:t>100</a:t>
+                      </a:r>
+                      <a:endParaRPr lang="en-US" sz="1100" b="0" i="0" u="none" strike="noStrike">
+                        <a:solidFill>
+                          <a:srgbClr val="000000"/>
+                        </a:solidFill>
+                        <a:effectLst/>
+                        <a:latin typeface="Calibri" panose="020F0502020204030204" pitchFamily="34" charset="0"/>
+                      </a:endParaRPr>
+                    </a:p>
+                  </a:txBody>
+                  <a:tcPr marL="6350" marR="6350" marT="6350" marB="0" anchor="b"/>
+                </a:tc>
+                <a:tc>
+                  <a:txBody>
+                    <a:bodyPr/>
+                    <a:lstStyle/>
+                    <a:p>
+                      <a:pPr algn="r" fontAlgn="b"/>
+                      <a:r>
+                        <a:rPr lang="en-US" sz="1100" u="none" strike="noStrike">
+                          <a:effectLst/>
+                        </a:rPr>
+                        <a:t>20</a:t>
+                      </a:r>
+                      <a:endParaRPr lang="en-US" sz="1100" b="0" i="0" u="none" strike="noStrike">
+                        <a:solidFill>
+                          <a:srgbClr val="000000"/>
+                        </a:solidFill>
+                        <a:effectLst/>
+                        <a:latin typeface="Calibri" panose="020F0502020204030204" pitchFamily="34" charset="0"/>
+                      </a:endParaRPr>
+                    </a:p>
+                  </a:txBody>
+                  <a:tcPr marL="6350" marR="6350" marT="6350" marB="0" anchor="b"/>
+                </a:tc>
+                <a:tc>
+                  <a:txBody>
+                    <a:bodyPr/>
+                    <a:lstStyle/>
+                    <a:p>
+                      <a:pPr algn="r" fontAlgn="b"/>
+                      <a:r>
+                        <a:rPr lang="en-US" sz="1100" u="none" strike="noStrike" dirty="0">
+                          <a:effectLst/>
+                        </a:rPr>
+                        <a:t>2,000</a:t>
+                      </a:r>
+                      <a:endParaRPr lang="en-US" sz="1100" b="0" i="0" u="none" strike="noStrike" dirty="0">
+                        <a:solidFill>
+                          <a:srgbClr val="000000"/>
+                        </a:solidFill>
+                        <a:effectLst/>
+                        <a:latin typeface="Calibri" panose="020F0502020204030204" pitchFamily="34" charset="0"/>
+                      </a:endParaRPr>
+                    </a:p>
+                  </a:txBody>
+                  <a:tcPr marL="6350" marR="6350" marT="6350" marB="0" anchor="b"/>
+                </a:tc>
+                <a:tc>
+                  <a:txBody>
+                    <a:bodyPr/>
+                    <a:lstStyle/>
+                    <a:p>
+                      <a:pPr algn="r" fontAlgn="b"/>
+                      <a:r>
+                        <a:rPr lang="en-US" sz="1100" u="none" strike="noStrike" dirty="0">
+                          <a:effectLst/>
+                        </a:rPr>
+                        <a:t>400</a:t>
+                      </a:r>
+                      <a:endParaRPr lang="en-US" sz="1100" b="0" i="0" u="none" strike="noStrike" dirty="0">
+                        <a:solidFill>
+                          <a:srgbClr val="000000"/>
+                        </a:solidFill>
+                        <a:effectLst/>
+                        <a:latin typeface="Calibri" panose="020F0502020204030204" pitchFamily="34" charset="0"/>
+                      </a:endParaRPr>
+                    </a:p>
+                  </a:txBody>
+                  <a:tcPr marL="6350" marR="6350" marT="6350" marB="0" anchor="b"/>
+                </a:tc>
+                <a:tc>
+                  <a:txBody>
+                    <a:bodyPr/>
+                    <a:lstStyle/>
+                    <a:p>
+                      <a:pPr algn="r" fontAlgn="b"/>
+                      <a:r>
+                        <a:rPr lang="en-US" sz="1100" u="none" strike="noStrike">
+                          <a:effectLst/>
+                        </a:rPr>
+                        <a:t>20</a:t>
+                      </a:r>
+                      <a:endParaRPr lang="en-US" sz="1100" b="0" i="0" u="none" strike="noStrike">
+                        <a:solidFill>
+                          <a:srgbClr val="000000"/>
+                        </a:solidFill>
+                        <a:effectLst/>
+                        <a:latin typeface="Calibri" panose="020F0502020204030204" pitchFamily="34" charset="0"/>
+                      </a:endParaRPr>
+                    </a:p>
+                  </a:txBody>
+                  <a:tcPr marL="6350" marR="6350" marT="6350" marB="0" anchor="b"/>
+                </a:tc>
+                <a:tc>
+                  <a:txBody>
+                    <a:bodyPr/>
+                    <a:lstStyle/>
+                    <a:p>
+                      <a:pPr algn="r" fontAlgn="b"/>
+                      <a:r>
+                        <a:rPr lang="en-US" sz="1100" u="none" strike="noStrike">
+                          <a:effectLst/>
+                        </a:rPr>
+                        <a:t>8,000</a:t>
+                      </a:r>
+                      <a:endParaRPr lang="en-US" sz="1100" b="0" i="0" u="none" strike="noStrike">
+                        <a:solidFill>
+                          <a:srgbClr val="000000"/>
+                        </a:solidFill>
+                        <a:effectLst/>
+                        <a:latin typeface="Calibri" panose="020F0502020204030204" pitchFamily="34" charset="0"/>
+                      </a:endParaRPr>
+                    </a:p>
+                  </a:txBody>
+                  <a:tcPr marL="6350" marR="6350" marT="6350" marB="0" anchor="b"/>
+                </a:tc>
+                <a:tc>
+                  <a:txBody>
+                    <a:bodyPr/>
+                    <a:lstStyle/>
+                    <a:p>
+                      <a:pPr algn="r" fontAlgn="b"/>
+                      <a:r>
+                        <a:rPr lang="en-US" sz="1100" u="none" strike="noStrike">
+                          <a:effectLst/>
+                        </a:rPr>
+                        <a:t>2,000</a:t>
+                      </a:r>
+                      <a:endParaRPr lang="en-US" sz="1100" b="0" i="0" u="none" strike="noStrike">
+                        <a:solidFill>
+                          <a:srgbClr val="000000"/>
+                        </a:solidFill>
+                        <a:effectLst/>
+                        <a:latin typeface="Calibri" panose="020F0502020204030204" pitchFamily="34" charset="0"/>
+                      </a:endParaRPr>
+                    </a:p>
+                  </a:txBody>
+                  <a:tcPr marL="6350" marR="6350" marT="6350" marB="0" anchor="b"/>
+                </a:tc>
+                <a:tc>
+                  <a:txBody>
+                    <a:bodyPr/>
+                    <a:lstStyle/>
+                    <a:p>
+                      <a:pPr algn="r" fontAlgn="b"/>
+                      <a:r>
+                        <a:rPr lang="en-US" sz="1100" u="none" strike="noStrike">
+                          <a:effectLst/>
+                        </a:rPr>
+                        <a:t>20</a:t>
+                      </a:r>
+                      <a:endParaRPr lang="en-US" sz="1100" b="0" i="0" u="none" strike="noStrike">
+                        <a:solidFill>
+                          <a:srgbClr val="000000"/>
+                        </a:solidFill>
+                        <a:effectLst/>
+                        <a:latin typeface="Calibri" panose="020F0502020204030204" pitchFamily="34" charset="0"/>
+                      </a:endParaRPr>
+                    </a:p>
+                  </a:txBody>
+                  <a:tcPr marL="6350" marR="6350" marT="6350" marB="0" anchor="b"/>
+                </a:tc>
+                <a:tc>
+                  <a:txBody>
+                    <a:bodyPr/>
+                    <a:lstStyle/>
+                    <a:p>
+                      <a:pPr algn="r" fontAlgn="b"/>
+                      <a:r>
+                        <a:rPr lang="en-US" sz="1100" u="none" strike="noStrike">
+                          <a:effectLst/>
+                        </a:rPr>
+                        <a:t>40,000</a:t>
+                      </a:r>
+                      <a:endParaRPr lang="en-US" sz="1100" b="0" i="0" u="none" strike="noStrike">
+                        <a:solidFill>
+                          <a:srgbClr val="000000"/>
+                        </a:solidFill>
+                        <a:effectLst/>
+                        <a:latin typeface="Calibri" panose="020F0502020204030204" pitchFamily="34" charset="0"/>
+                      </a:endParaRPr>
+                    </a:p>
+                  </a:txBody>
+                  <a:tcPr marL="6350" marR="6350" marT="6350" marB="0" anchor="b"/>
+                </a:tc>
+                <a:extLst>
+                  <a:ext uri="{0D108BD9-81ED-4DB2-BD59-A6C34878D82A}">
+                    <a16:rowId xmlns:a16="http://schemas.microsoft.com/office/drawing/2014/main" val="4221143245"/>
+                  </a:ext>
+                </a:extLst>
+              </a:tr>
+              <a:tr h="341612">
+                <a:tc gridSpan="3">
+                  <a:txBody>
+                    <a:bodyPr/>
+                    <a:lstStyle/>
+                    <a:p>
+                      <a:pPr algn="r" fontAlgn="b"/>
+                      <a:r>
+                        <a:rPr lang="en-US" sz="1100" u="none" strike="noStrike">
+                          <a:effectLst/>
+                        </a:rPr>
+                        <a:t>MRR</a:t>
+                      </a:r>
+                      <a:endParaRPr lang="en-US" sz="1100" b="0" i="0" u="none" strike="noStrike">
+                        <a:solidFill>
+                          <a:srgbClr val="000000"/>
+                        </a:solidFill>
+                        <a:effectLst/>
+                        <a:latin typeface="Calibri" panose="020F0502020204030204" pitchFamily="34" charset="0"/>
+                      </a:endParaRPr>
+                    </a:p>
+                  </a:txBody>
+                  <a:tcPr marL="6350" marR="6350" marT="6350" marB="0" anchor="b"/>
+                </a:tc>
+                <a:tc hMerge="1">
+                  <a:txBody>
+                    <a:bodyPr/>
+                    <a:lstStyle/>
+                    <a:p>
+                      <a:endParaRPr lang="en-US"/>
+                    </a:p>
+                  </a:txBody>
+                  <a:tcPr/>
+                </a:tc>
+                <a:tc hMerge="1">
+                  <a:txBody>
+                    <a:bodyPr/>
+                    <a:lstStyle/>
+                    <a:p>
+                      <a:endParaRPr lang="en-US"/>
+                    </a:p>
+                  </a:txBody>
+                  <a:tcPr/>
+                </a:tc>
+                <a:tc>
+                  <a:txBody>
+                    <a:bodyPr/>
+                    <a:lstStyle/>
+                    <a:p>
+                      <a:pPr algn="r" fontAlgn="b"/>
+                      <a:r>
+                        <a:rPr lang="en-US" sz="1100" u="none" strike="noStrike" dirty="0">
+                          <a:effectLst/>
+                        </a:rPr>
+                        <a:t>8,000</a:t>
+                      </a:r>
+                      <a:endParaRPr lang="en-US" sz="1100" b="0" i="0" u="none" strike="noStrike" dirty="0">
+                        <a:solidFill>
+                          <a:srgbClr val="000000"/>
+                        </a:solidFill>
+                        <a:effectLst/>
+                        <a:latin typeface="Calibri" panose="020F0502020204030204" pitchFamily="34" charset="0"/>
+                      </a:endParaRPr>
+                    </a:p>
+                  </a:txBody>
+                  <a:tcPr marL="6350" marR="6350" marT="6350" marB="0" anchor="b"/>
+                </a:tc>
+                <a:tc gridSpan="3">
+                  <a:txBody>
+                    <a:bodyPr/>
+                    <a:lstStyle/>
+                    <a:p>
+                      <a:pPr algn="r" fontAlgn="b"/>
+                      <a:r>
+                        <a:rPr lang="en-US" sz="1100" u="none" strike="noStrike">
+                          <a:effectLst/>
+                        </a:rPr>
+                        <a:t>30,000</a:t>
+                      </a:r>
+                      <a:endParaRPr lang="en-US" sz="1100" b="0" i="0" u="none" strike="noStrike">
+                        <a:solidFill>
+                          <a:srgbClr val="000000"/>
+                        </a:solidFill>
+                        <a:effectLst/>
+                        <a:latin typeface="Calibri" panose="020F0502020204030204" pitchFamily="34" charset="0"/>
+                      </a:endParaRPr>
+                    </a:p>
+                  </a:txBody>
+                  <a:tcPr marL="6350" marR="6350" marT="6350" marB="0" anchor="b"/>
+                </a:tc>
+                <a:tc hMerge="1">
+                  <a:txBody>
+                    <a:bodyPr/>
+                    <a:lstStyle/>
+                    <a:p>
+                      <a:endParaRPr lang="en-US"/>
+                    </a:p>
+                  </a:txBody>
+                  <a:tcPr/>
+                </a:tc>
+                <a:tc hMerge="1">
+                  <a:txBody>
+                    <a:bodyPr/>
+                    <a:lstStyle/>
+                    <a:p>
+                      <a:endParaRPr lang="en-US"/>
+                    </a:p>
+                  </a:txBody>
+                  <a:tcPr/>
+                </a:tc>
+                <a:tc gridSpan="3">
+                  <a:txBody>
+                    <a:bodyPr/>
+                    <a:lstStyle/>
+                    <a:p>
+                      <a:pPr algn="r" fontAlgn="b"/>
+                      <a:r>
+                        <a:rPr lang="en-US" sz="1100" u="none" strike="noStrike">
+                          <a:effectLst/>
+                        </a:rPr>
+                        <a:t>106,000</a:t>
+                      </a:r>
+                      <a:endParaRPr lang="en-US" sz="1100" b="0" i="0" u="none" strike="noStrike">
+                        <a:solidFill>
+                          <a:srgbClr val="000000"/>
+                        </a:solidFill>
+                        <a:effectLst/>
+                        <a:latin typeface="Calibri" panose="020F0502020204030204" pitchFamily="34" charset="0"/>
+                      </a:endParaRPr>
+                    </a:p>
+                  </a:txBody>
+                  <a:tcPr marL="6350" marR="6350" marT="6350" marB="0" anchor="b"/>
+                </a:tc>
+                <a:tc hMerge="1">
+                  <a:txBody>
+                    <a:bodyPr/>
+                    <a:lstStyle/>
+                    <a:p>
+                      <a:endParaRPr lang="en-US"/>
+                    </a:p>
+                  </a:txBody>
+                  <a:tcPr/>
+                </a:tc>
+                <a:tc hMerge="1">
+                  <a:txBody>
+                    <a:bodyPr/>
+                    <a:lstStyle/>
+                    <a:p>
+                      <a:endParaRPr lang="en-US"/>
+                    </a:p>
+                  </a:txBody>
+                  <a:tcPr/>
+                </a:tc>
+                <a:extLst>
+                  <a:ext uri="{0D108BD9-81ED-4DB2-BD59-A6C34878D82A}">
+                    <a16:rowId xmlns:a16="http://schemas.microsoft.com/office/drawing/2014/main" val="2730929636"/>
+                  </a:ext>
+                </a:extLst>
+              </a:tr>
+              <a:tr h="341612">
+                <a:tc gridSpan="3">
+                  <a:txBody>
+                    <a:bodyPr/>
+                    <a:lstStyle/>
+                    <a:p>
+                      <a:pPr algn="r" fontAlgn="b"/>
+                      <a:r>
+                        <a:rPr lang="en-US" sz="1100" u="none" strike="noStrike">
+                          <a:effectLst/>
+                        </a:rPr>
+                        <a:t>YRR</a:t>
+                      </a:r>
+                      <a:endParaRPr lang="en-US" sz="1100" b="0" i="0" u="none" strike="noStrike">
+                        <a:solidFill>
+                          <a:srgbClr val="000000"/>
+                        </a:solidFill>
+                        <a:effectLst/>
+                        <a:latin typeface="Calibri" panose="020F0502020204030204" pitchFamily="34" charset="0"/>
+                      </a:endParaRPr>
+                    </a:p>
+                  </a:txBody>
+                  <a:tcPr marL="6350" marR="6350" marT="6350" marB="0" anchor="b"/>
+                </a:tc>
+                <a:tc hMerge="1">
+                  <a:txBody>
+                    <a:bodyPr/>
+                    <a:lstStyle/>
+                    <a:p>
+                      <a:endParaRPr lang="en-US"/>
+                    </a:p>
+                  </a:txBody>
+                  <a:tcPr/>
+                </a:tc>
+                <a:tc hMerge="1">
+                  <a:txBody>
+                    <a:bodyPr/>
+                    <a:lstStyle/>
+                    <a:p>
+                      <a:endParaRPr lang="en-US"/>
+                    </a:p>
+                  </a:txBody>
+                  <a:tcPr/>
+                </a:tc>
+                <a:tc>
+                  <a:txBody>
+                    <a:bodyPr/>
+                    <a:lstStyle/>
+                    <a:p>
+                      <a:pPr algn="r" fontAlgn="b"/>
+                      <a:r>
+                        <a:rPr lang="en-US" sz="1100" u="none" strike="noStrike" dirty="0">
+                          <a:effectLst/>
+                        </a:rPr>
+                        <a:t>96,000</a:t>
+                      </a:r>
+                      <a:endParaRPr lang="en-US" sz="1100" b="0" i="0" u="none" strike="noStrike" dirty="0">
+                        <a:solidFill>
+                          <a:srgbClr val="000000"/>
+                        </a:solidFill>
+                        <a:effectLst/>
+                        <a:latin typeface="Calibri" panose="020F0502020204030204" pitchFamily="34" charset="0"/>
+                      </a:endParaRPr>
+                    </a:p>
+                  </a:txBody>
+                  <a:tcPr marL="6350" marR="6350" marT="6350" marB="0" anchor="b"/>
+                </a:tc>
+                <a:tc gridSpan="3">
+                  <a:txBody>
+                    <a:bodyPr/>
+                    <a:lstStyle/>
+                    <a:p>
+                      <a:pPr algn="r" fontAlgn="b"/>
+                      <a:r>
+                        <a:rPr lang="en-US" sz="1100" u="none" strike="noStrike" dirty="0">
+                          <a:effectLst/>
+                        </a:rPr>
+                        <a:t>360,000</a:t>
+                      </a:r>
+                      <a:endParaRPr lang="en-US" sz="1100" b="0" i="0" u="none" strike="noStrike" dirty="0">
+                        <a:solidFill>
+                          <a:srgbClr val="000000"/>
+                        </a:solidFill>
+                        <a:effectLst/>
+                        <a:latin typeface="Calibri" panose="020F0502020204030204" pitchFamily="34" charset="0"/>
+                      </a:endParaRPr>
+                    </a:p>
+                  </a:txBody>
+                  <a:tcPr marL="6350" marR="6350" marT="6350" marB="0" anchor="b"/>
+                </a:tc>
+                <a:tc hMerge="1">
+                  <a:txBody>
+                    <a:bodyPr/>
+                    <a:lstStyle/>
+                    <a:p>
+                      <a:endParaRPr lang="en-US"/>
+                    </a:p>
+                  </a:txBody>
+                  <a:tcPr/>
+                </a:tc>
+                <a:tc hMerge="1">
+                  <a:txBody>
+                    <a:bodyPr/>
+                    <a:lstStyle/>
+                    <a:p>
+                      <a:endParaRPr lang="en-US"/>
+                    </a:p>
+                  </a:txBody>
+                  <a:tcPr/>
+                </a:tc>
+                <a:tc gridSpan="3">
+                  <a:txBody>
+                    <a:bodyPr/>
+                    <a:lstStyle/>
+                    <a:p>
+                      <a:pPr algn="r" fontAlgn="b"/>
+                      <a:r>
+                        <a:rPr lang="en-US" sz="1100" u="none" strike="noStrike" dirty="0">
+                          <a:effectLst/>
+                        </a:rPr>
+                        <a:t>1,272,000</a:t>
+                      </a:r>
+                      <a:endParaRPr lang="en-US" sz="1100" b="0" i="0" u="none" strike="noStrike" dirty="0">
+                        <a:solidFill>
+                          <a:srgbClr val="000000"/>
+                        </a:solidFill>
+                        <a:effectLst/>
+                        <a:latin typeface="Calibri" panose="020F0502020204030204" pitchFamily="34" charset="0"/>
+                      </a:endParaRPr>
+                    </a:p>
+                  </a:txBody>
+                  <a:tcPr marL="6350" marR="6350" marT="6350" marB="0" anchor="b"/>
+                </a:tc>
+                <a:tc hMerge="1">
+                  <a:txBody>
+                    <a:bodyPr/>
+                    <a:lstStyle/>
+                    <a:p>
+                      <a:endParaRPr lang="en-US"/>
+                    </a:p>
+                  </a:txBody>
+                  <a:tcPr/>
+                </a:tc>
+                <a:tc hMerge="1">
+                  <a:txBody>
+                    <a:bodyPr/>
+                    <a:lstStyle/>
+                    <a:p>
+                      <a:endParaRPr lang="en-US"/>
+                    </a:p>
+                  </a:txBody>
+                  <a:tcPr/>
+                </a:tc>
+                <a:extLst>
+                  <a:ext uri="{0D108BD9-81ED-4DB2-BD59-A6C34878D82A}">
+                    <a16:rowId xmlns:a16="http://schemas.microsoft.com/office/drawing/2014/main" val="3843957766"/>
+                  </a:ext>
+                </a:extLst>
+              </a:tr>
+            </a:tbl>
+          </a:graphicData>
+        </a:graphic>
+      </p:graphicFrame>
+    </p:spTree>
+    <p:extLst>
+      <p:ext uri="{BB962C8B-B14F-4D97-AF65-F5344CB8AC3E}">
+        <p14:creationId xmlns:p14="http://schemas.microsoft.com/office/powerpoint/2010/main" val="2049779680"/>
+      </p:ext>
+    </p:extLst>
+  </p:cSld>
+  <p:clrMapOvr>
+    <a:masterClrMapping/>
+  </p:clrMapOvr>
+</p:sld>
+</file>
+
+<file path=ppt/slides/slide11.xml><?xml version="1.0" encoding="utf-8"?>
+<p:sld xmlns:a="http://schemas.openxmlformats.org/drawingml/2006/main" xmlns:r="http://schemas.openxmlformats.org/officeDocument/2006/relationships" xmlns:p="http://schemas.openxmlformats.org/presentationml/2006/main">
+  <p:cSld>
+    <p:spTree>
+      <p:nvGrpSpPr>
+        <p:cNvPr id="1" name=""/>
+        <p:cNvGrpSpPr/>
+        <p:nvPr/>
+      </p:nvGrpSpPr>
+      <p:grpSpPr>
+        <a:xfrm>
+          <a:off x="0" y="0"/>
+          <a:ext cx="0" cy="0"/>
+          <a:chOff x="0" y="0"/>
+          <a:chExt cx="0" cy="0"/>
+        </a:xfrm>
+      </p:grpSpPr>
+      <p:sp>
+        <p:nvSpPr>
+          <p:cNvPr id="2" name="Title 1">
+            <a:extLst>
+              <a:ext uri="{FF2B5EF4-FFF2-40B4-BE49-F238E27FC236}">
+                <a16:creationId xmlns:a16="http://schemas.microsoft.com/office/drawing/2014/main" id="{A5A34119-6AF6-4FCB-BD12-5812FFC44BD0}"/>
+              </a:ext>
+            </a:extLst>
+          </p:cNvPr>
+          <p:cNvSpPr>
+            <a:spLocks noGrp="1"/>
+          </p:cNvSpPr>
+          <p:nvPr>
+            <p:ph type="title"/>
+          </p:nvPr>
+        </p:nvSpPr>
+        <p:spPr>
+          <a:xfrm>
+            <a:off x="4315791" y="468243"/>
+            <a:ext cx="7038008" cy="1289915"/>
+          </a:xfrm>
+        </p:spPr>
+        <p:txBody>
+          <a:bodyPr>
+            <a:normAutofit/>
+          </a:bodyPr>
+          <a:lstStyle/>
+          <a:p>
+            <a:r>
+              <a:rPr lang="en-US" sz="4000" b="1" dirty="0"/>
+              <a:t>Competitors</a:t>
+            </a:r>
+          </a:p>
+        </p:txBody>
+      </p:sp>
+      <p:graphicFrame>
+        <p:nvGraphicFramePr>
+          <p:cNvPr id="4" name="Content Placeholder 3">
+            <a:extLst>
+              <a:ext uri="{FF2B5EF4-FFF2-40B4-BE49-F238E27FC236}">
+                <a16:creationId xmlns:a16="http://schemas.microsoft.com/office/drawing/2014/main" id="{6D113779-B545-4ED4-8398-F7FD16BCC2CC}"/>
+              </a:ext>
+            </a:extLst>
+          </p:cNvPr>
+          <p:cNvGraphicFramePr>
+            <a:graphicFrameLocks noGrp="1"/>
+          </p:cNvGraphicFramePr>
+          <p:nvPr>
+            <p:ph idx="1"/>
+          </p:nvPr>
+        </p:nvGraphicFramePr>
+        <p:xfrm>
+          <a:off x="11256163" y="5802721"/>
+          <a:ext cx="260363" cy="742135"/>
+        </p:xfrm>
+        <a:graphic>
+          <a:graphicData uri="http://schemas.openxmlformats.org/drawingml/2006/table">
+            <a:tbl>
+              <a:tblPr>
+                <a:tableStyleId>{5C22544A-7EE6-4342-B048-85BDC9FD1C3A}</a:tableStyleId>
+              </a:tblPr>
+              <a:tblGrid>
+                <a:gridCol w="25530">
+                  <a:extLst>
+                    <a:ext uri="{9D8B030D-6E8A-4147-A177-3AD203B41FA5}">
+                      <a16:colId xmlns:a16="http://schemas.microsoft.com/office/drawing/2014/main" val="78194206"/>
+                    </a:ext>
+                  </a:extLst>
+                </a:gridCol>
+                <a:gridCol w="30593">
+                  <a:extLst>
+                    <a:ext uri="{9D8B030D-6E8A-4147-A177-3AD203B41FA5}">
+                      <a16:colId xmlns:a16="http://schemas.microsoft.com/office/drawing/2014/main" val="2545430066"/>
+                    </a:ext>
+                  </a:extLst>
+                </a:gridCol>
+                <a:gridCol w="25530">
+                  <a:extLst>
+                    <a:ext uri="{9D8B030D-6E8A-4147-A177-3AD203B41FA5}">
+                      <a16:colId xmlns:a16="http://schemas.microsoft.com/office/drawing/2014/main" val="2303937789"/>
+                    </a:ext>
+                  </a:extLst>
+                </a:gridCol>
+                <a:gridCol w="25530">
+                  <a:extLst>
+                    <a:ext uri="{9D8B030D-6E8A-4147-A177-3AD203B41FA5}">
+                      <a16:colId xmlns:a16="http://schemas.microsoft.com/office/drawing/2014/main" val="2119658366"/>
+                    </a:ext>
+                  </a:extLst>
+                </a:gridCol>
+                <a:gridCol w="25530">
+                  <a:extLst>
+                    <a:ext uri="{9D8B030D-6E8A-4147-A177-3AD203B41FA5}">
+                      <a16:colId xmlns:a16="http://schemas.microsoft.com/office/drawing/2014/main" val="770678362"/>
+                    </a:ext>
+                  </a:extLst>
+                </a:gridCol>
+                <a:gridCol w="25530">
+                  <a:extLst>
+                    <a:ext uri="{9D8B030D-6E8A-4147-A177-3AD203B41FA5}">
+                      <a16:colId xmlns:a16="http://schemas.microsoft.com/office/drawing/2014/main" val="1786488582"/>
+                    </a:ext>
+                  </a:extLst>
+                </a:gridCol>
+                <a:gridCol w="25530">
+                  <a:extLst>
+                    <a:ext uri="{9D8B030D-6E8A-4147-A177-3AD203B41FA5}">
+                      <a16:colId xmlns:a16="http://schemas.microsoft.com/office/drawing/2014/main" val="3486811339"/>
+                    </a:ext>
+                  </a:extLst>
+                </a:gridCol>
+                <a:gridCol w="25530">
+                  <a:extLst>
+                    <a:ext uri="{9D8B030D-6E8A-4147-A177-3AD203B41FA5}">
+                      <a16:colId xmlns:a16="http://schemas.microsoft.com/office/drawing/2014/main" val="4169978972"/>
+                    </a:ext>
+                  </a:extLst>
+                </a:gridCol>
+                <a:gridCol w="25530">
+                  <a:extLst>
+                    <a:ext uri="{9D8B030D-6E8A-4147-A177-3AD203B41FA5}">
+                      <a16:colId xmlns:a16="http://schemas.microsoft.com/office/drawing/2014/main" val="3925402414"/>
+                    </a:ext>
+                  </a:extLst>
+                </a:gridCol>
+                <a:gridCol w="25530">
+                  <a:extLst>
+                    <a:ext uri="{9D8B030D-6E8A-4147-A177-3AD203B41FA5}">
+                      <a16:colId xmlns:a16="http://schemas.microsoft.com/office/drawing/2014/main" val="201240518"/>
+                    </a:ext>
+                  </a:extLst>
+                </a:gridCol>
+              </a:tblGrid>
+              <a:tr h="0">
+                <a:tc gridSpan="10">
+                  <a:txBody>
+                    <a:bodyPr/>
+                    <a:lstStyle/>
+                    <a:p>
+                      <a:pPr algn="ctr" fontAlgn="ctr"/>
+                      <a:r>
+                        <a:rPr lang="en-US" sz="100" u="none" strike="noStrike">
+                          <a:effectLst/>
+                        </a:rPr>
+                        <a:t>Fortnite Ping Competiors</a:t>
+                      </a:r>
+                      <a:endParaRPr lang="en-US" sz="100" b="0" i="0" u="none" strike="noStrike">
+                        <a:solidFill>
+                          <a:srgbClr val="000000"/>
+                        </a:solidFill>
+                        <a:effectLst/>
+                        <a:latin typeface="Calibri" panose="020F0502020204030204" pitchFamily="34" charset="0"/>
+                      </a:endParaRPr>
+                    </a:p>
+                  </a:txBody>
+                  <a:tcPr marL="65" marR="65" marT="65" marB="0" anchor="ctr"/>
+                </a:tc>
+                <a:tc hMerge="1">
+                  <a:txBody>
+                    <a:bodyPr/>
+                    <a:lstStyle/>
+                    <a:p>
+                      <a:endParaRPr lang="en-US"/>
+                    </a:p>
+                  </a:txBody>
+                  <a:tcPr/>
+                </a:tc>
+                <a:tc hMerge="1">
+                  <a:txBody>
+                    <a:bodyPr/>
+                    <a:lstStyle/>
+                    <a:p>
+                      <a:endParaRPr lang="en-US"/>
+                    </a:p>
+                  </a:txBody>
+                  <a:tcPr/>
+                </a:tc>
+                <a:tc hMerge="1">
+                  <a:txBody>
+                    <a:bodyPr/>
+                    <a:lstStyle/>
+                    <a:p>
+                      <a:endParaRPr lang="en-US"/>
+                    </a:p>
+                  </a:txBody>
+                  <a:tcPr/>
+                </a:tc>
+                <a:tc hMerge="1">
+                  <a:txBody>
+                    <a:bodyPr/>
+                    <a:lstStyle/>
+                    <a:p>
+                      <a:endParaRPr lang="en-US"/>
+                    </a:p>
+                  </a:txBody>
+                  <a:tcPr/>
+                </a:tc>
+                <a:tc hMerge="1">
+                  <a:txBody>
+                    <a:bodyPr/>
+                    <a:lstStyle/>
+                    <a:p>
+                      <a:endParaRPr lang="en-US"/>
+                    </a:p>
+                  </a:txBody>
+                  <a:tcPr/>
+                </a:tc>
+                <a:tc hMerge="1">
+                  <a:txBody>
+                    <a:bodyPr/>
+                    <a:lstStyle/>
+                    <a:p>
+                      <a:endParaRPr lang="en-US"/>
+                    </a:p>
+                  </a:txBody>
+                  <a:tcPr/>
+                </a:tc>
+                <a:tc hMerge="1">
+                  <a:txBody>
+                    <a:bodyPr/>
+                    <a:lstStyle/>
+                    <a:p>
+                      <a:endParaRPr lang="en-US"/>
+                    </a:p>
+                  </a:txBody>
+                  <a:tcPr/>
+                </a:tc>
+                <a:tc hMerge="1">
+                  <a:txBody>
+                    <a:bodyPr/>
+                    <a:lstStyle/>
+                    <a:p>
+                      <a:endParaRPr lang="en-US"/>
+                    </a:p>
+                  </a:txBody>
+                  <a:tcPr/>
+                </a:tc>
+                <a:tc hMerge="1">
+                  <a:txBody>
+                    <a:bodyPr/>
+                    <a:lstStyle/>
+                    <a:p>
+                      <a:endParaRPr lang="en-US"/>
+                    </a:p>
+                  </a:txBody>
+                  <a:tcPr/>
+                </a:tc>
+                <a:extLst>
+                  <a:ext uri="{0D108BD9-81ED-4DB2-BD59-A6C34878D82A}">
+                    <a16:rowId xmlns:a16="http://schemas.microsoft.com/office/drawing/2014/main" val="40508610"/>
+                  </a:ext>
+                </a:extLst>
+              </a:tr>
+              <a:tr h="0">
+                <a:tc>
+                  <a:txBody>
+                    <a:bodyPr/>
+                    <a:lstStyle/>
+                    <a:p>
+                      <a:pPr algn="l" fontAlgn="b"/>
+                      <a:endParaRPr lang="en-US" sz="100" b="0" i="0" u="none" strike="noStrike">
+                        <a:solidFill>
+                          <a:srgbClr val="000000"/>
+                        </a:solidFill>
+                        <a:effectLst/>
+                        <a:latin typeface="Calibri" panose="020F0502020204030204" pitchFamily="34" charset="0"/>
+                      </a:endParaRPr>
+                    </a:p>
+                  </a:txBody>
+                  <a:tcPr marL="65" marR="65" marT="65" marB="0" anchor="b"/>
+                </a:tc>
+                <a:tc>
+                  <a:txBody>
+                    <a:bodyPr/>
+                    <a:lstStyle/>
+                    <a:p>
+                      <a:pPr algn="ctr" fontAlgn="ctr"/>
+                      <a:r>
+                        <a:rPr lang="en-US" sz="100" u="none" strike="noStrike">
+                          <a:effectLst/>
+                        </a:rPr>
+                        <a:t>URL</a:t>
+                      </a:r>
+                      <a:endParaRPr lang="en-US" sz="100" b="0" i="0" u="none" strike="noStrike">
+                        <a:solidFill>
+                          <a:srgbClr val="000000"/>
+                        </a:solidFill>
+                        <a:effectLst/>
+                        <a:latin typeface="Calibri" panose="020F0502020204030204" pitchFamily="34" charset="0"/>
+                      </a:endParaRPr>
+                    </a:p>
+                  </a:txBody>
+                  <a:tcPr marL="65" marR="65" marT="65" marB="0" anchor="ctr"/>
+                </a:tc>
+                <a:tc>
+                  <a:txBody>
+                    <a:bodyPr/>
+                    <a:lstStyle/>
+                    <a:p>
+                      <a:pPr algn="ctr" fontAlgn="ctr"/>
+                      <a:r>
+                        <a:rPr lang="en-US" sz="100" u="none" strike="noStrike">
+                          <a:effectLst/>
+                        </a:rPr>
+                        <a:t>Collection Method</a:t>
+                      </a:r>
+                      <a:endParaRPr lang="en-US" sz="100" b="0" i="0" u="none" strike="noStrike">
+                        <a:solidFill>
+                          <a:srgbClr val="000000"/>
+                        </a:solidFill>
+                        <a:effectLst/>
+                        <a:latin typeface="Calibri" panose="020F0502020204030204" pitchFamily="34" charset="0"/>
+                      </a:endParaRPr>
+                    </a:p>
+                  </a:txBody>
+                  <a:tcPr marL="65" marR="65" marT="65" marB="0" anchor="ctr"/>
+                </a:tc>
+                <a:tc>
+                  <a:txBody>
+                    <a:bodyPr/>
+                    <a:lstStyle/>
+                    <a:p>
+                      <a:pPr algn="ctr" fontAlgn="ctr"/>
+                      <a:r>
+                        <a:rPr lang="en-US" sz="100" u="none" strike="noStrike">
+                          <a:effectLst/>
+                        </a:rPr>
+                        <a:t>Timeliness</a:t>
+                      </a:r>
+                      <a:endParaRPr lang="en-US" sz="100" b="0" i="0" u="none" strike="noStrike">
+                        <a:solidFill>
+                          <a:srgbClr val="000000"/>
+                        </a:solidFill>
+                        <a:effectLst/>
+                        <a:latin typeface="Calibri" panose="020F0502020204030204" pitchFamily="34" charset="0"/>
+                      </a:endParaRPr>
+                    </a:p>
+                  </a:txBody>
+                  <a:tcPr marL="65" marR="65" marT="65" marB="0" anchor="ctr"/>
+                </a:tc>
+                <a:tc>
+                  <a:txBody>
+                    <a:bodyPr/>
+                    <a:lstStyle/>
+                    <a:p>
+                      <a:pPr algn="ctr" fontAlgn="ctr"/>
+                      <a:r>
+                        <a:rPr lang="en-US" sz="100" u="none" strike="noStrike">
+                          <a:effectLst/>
+                        </a:rPr>
+                        <a:t>Compre- hensiveness</a:t>
+                      </a:r>
+                      <a:endParaRPr lang="en-US" sz="100" b="0" i="0" u="none" strike="noStrike">
+                        <a:solidFill>
+                          <a:srgbClr val="000000"/>
+                        </a:solidFill>
+                        <a:effectLst/>
+                        <a:latin typeface="Calibri" panose="020F0502020204030204" pitchFamily="34" charset="0"/>
+                      </a:endParaRPr>
+                    </a:p>
+                  </a:txBody>
+                  <a:tcPr marL="65" marR="65" marT="65" marB="0" anchor="ctr"/>
+                </a:tc>
+                <a:tc>
+                  <a:txBody>
+                    <a:bodyPr/>
+                    <a:lstStyle/>
+                    <a:p>
+                      <a:pPr algn="ctr" fontAlgn="ctr"/>
+                      <a:r>
+                        <a:rPr lang="en-US" sz="100" u="none" strike="noStrike">
+                          <a:effectLst/>
+                        </a:rPr>
+                        <a:t>Power Rankings?</a:t>
+                      </a:r>
+                      <a:endParaRPr lang="en-US" sz="100" b="0" i="0" u="none" strike="noStrike">
+                        <a:solidFill>
+                          <a:srgbClr val="000000"/>
+                        </a:solidFill>
+                        <a:effectLst/>
+                        <a:latin typeface="Calibri" panose="020F0502020204030204" pitchFamily="34" charset="0"/>
+                      </a:endParaRPr>
+                    </a:p>
+                  </a:txBody>
+                  <a:tcPr marL="65" marR="65" marT="65" marB="0" anchor="ctr"/>
+                </a:tc>
+                <a:tc>
+                  <a:txBody>
+                    <a:bodyPr/>
+                    <a:lstStyle/>
+                    <a:p>
+                      <a:pPr algn="ctr" fontAlgn="ctr"/>
+                      <a:r>
+                        <a:rPr lang="en-US" sz="100" u="none" strike="noStrike">
+                          <a:effectLst/>
+                        </a:rPr>
+                        <a:t>Seeds?</a:t>
+                      </a:r>
+                      <a:endParaRPr lang="en-US" sz="100" b="0" i="0" u="none" strike="noStrike">
+                        <a:solidFill>
+                          <a:srgbClr val="000000"/>
+                        </a:solidFill>
+                        <a:effectLst/>
+                        <a:latin typeface="Calibri" panose="020F0502020204030204" pitchFamily="34" charset="0"/>
+                      </a:endParaRPr>
+                    </a:p>
+                  </a:txBody>
+                  <a:tcPr marL="65" marR="65" marT="65" marB="0" anchor="ctr"/>
+                </a:tc>
+                <a:tc>
+                  <a:txBody>
+                    <a:bodyPr/>
+                    <a:lstStyle/>
+                    <a:p>
+                      <a:pPr algn="ctr" fontAlgn="ctr"/>
+                      <a:r>
+                        <a:rPr lang="en-US" sz="100" u="none" strike="noStrike">
+                          <a:effectLst/>
+                        </a:rPr>
+                        <a:t>Player Profiles?</a:t>
+                      </a:r>
+                      <a:endParaRPr lang="en-US" sz="100" b="0" i="0" u="none" strike="noStrike">
+                        <a:solidFill>
+                          <a:srgbClr val="000000"/>
+                        </a:solidFill>
+                        <a:effectLst/>
+                        <a:latin typeface="Calibri" panose="020F0502020204030204" pitchFamily="34" charset="0"/>
+                      </a:endParaRPr>
+                    </a:p>
+                  </a:txBody>
+                  <a:tcPr marL="65" marR="65" marT="65" marB="0" anchor="ctr"/>
+                </a:tc>
+                <a:tc>
+                  <a:txBody>
+                    <a:bodyPr/>
+                    <a:lstStyle/>
+                    <a:p>
+                      <a:pPr algn="ctr" fontAlgn="ctr"/>
+                      <a:r>
+                        <a:rPr lang="en-US" sz="100" u="none" strike="noStrike">
+                          <a:effectLst/>
+                        </a:rPr>
+                        <a:t>Team Profiles?</a:t>
+                      </a:r>
+                      <a:endParaRPr lang="en-US" sz="100" b="0" i="0" u="none" strike="noStrike">
+                        <a:solidFill>
+                          <a:srgbClr val="000000"/>
+                        </a:solidFill>
+                        <a:effectLst/>
+                        <a:latin typeface="Calibri" panose="020F0502020204030204" pitchFamily="34" charset="0"/>
+                      </a:endParaRPr>
+                    </a:p>
+                  </a:txBody>
+                  <a:tcPr marL="65" marR="65" marT="65" marB="0" anchor="ctr"/>
+                </a:tc>
+                <a:tc>
+                  <a:txBody>
+                    <a:bodyPr/>
+                    <a:lstStyle/>
+                    <a:p>
+                      <a:pPr algn="ctr" fontAlgn="ctr"/>
+                      <a:r>
+                        <a:rPr lang="en-US" sz="100" u="none" strike="noStrike">
+                          <a:effectLst/>
+                        </a:rPr>
+                        <a:t>Revenue model(s)</a:t>
+                      </a:r>
+                      <a:endParaRPr lang="en-US" sz="100" b="0" i="0" u="none" strike="noStrike">
+                        <a:solidFill>
+                          <a:srgbClr val="000000"/>
+                        </a:solidFill>
+                        <a:effectLst/>
+                        <a:latin typeface="Calibri" panose="020F0502020204030204" pitchFamily="34" charset="0"/>
+                      </a:endParaRPr>
+                    </a:p>
+                  </a:txBody>
+                  <a:tcPr marL="65" marR="65" marT="65" marB="0" anchor="ctr"/>
+                </a:tc>
+                <a:extLst>
+                  <a:ext uri="{0D108BD9-81ED-4DB2-BD59-A6C34878D82A}">
+                    <a16:rowId xmlns:a16="http://schemas.microsoft.com/office/drawing/2014/main" val="911989872"/>
+                  </a:ext>
+                </a:extLst>
+              </a:tr>
+              <a:tr h="0">
+                <a:tc>
+                  <a:txBody>
+                    <a:bodyPr/>
+                    <a:lstStyle/>
+                    <a:p>
+                      <a:pPr algn="l" fontAlgn="ctr"/>
+                      <a:r>
+                        <a:rPr lang="en-US" sz="100" u="none" strike="noStrike">
+                          <a:effectLst/>
+                        </a:rPr>
+                        <a:t>Epic Competitive  Website</a:t>
+                      </a:r>
+                      <a:endParaRPr lang="en-US" sz="100" b="0" i="0" u="none" strike="noStrike">
+                        <a:solidFill>
+                          <a:srgbClr val="000000"/>
+                        </a:solidFill>
+                        <a:effectLst/>
+                        <a:latin typeface="Calibri" panose="020F0502020204030204" pitchFamily="34" charset="0"/>
+                      </a:endParaRPr>
+                    </a:p>
+                  </a:txBody>
+                  <a:tcPr marL="65" marR="65" marT="65" marB="0" anchor="ctr"/>
+                </a:tc>
+                <a:tc>
+                  <a:txBody>
+                    <a:bodyPr/>
+                    <a:lstStyle/>
+                    <a:p>
+                      <a:pPr algn="l" fontAlgn="ctr"/>
+                      <a:r>
+                        <a:rPr lang="en-US" sz="100" u="sng" strike="noStrike">
+                          <a:effectLst/>
+                          <a:hlinkClick r:id="rId2"/>
+                        </a:rPr>
+                        <a:t>epicgames.com/fortnite/competitive/en-US/home</a:t>
+                      </a:r>
+                      <a:endParaRPr lang="en-US" sz="100" b="0" i="0" u="sng" strike="noStrike">
+                        <a:solidFill>
+                          <a:srgbClr val="0000FF"/>
+                        </a:solidFill>
+                        <a:effectLst/>
+                        <a:latin typeface="Calibri" panose="020F0502020204030204" pitchFamily="34" charset="0"/>
+                      </a:endParaRPr>
+                    </a:p>
+                  </a:txBody>
+                  <a:tcPr marL="65" marR="65" marT="65" marB="0" anchor="ctr"/>
+                </a:tc>
+                <a:tc>
+                  <a:txBody>
+                    <a:bodyPr/>
+                    <a:lstStyle/>
+                    <a:p>
+                      <a:pPr algn="l" fontAlgn="ctr"/>
+                      <a:r>
+                        <a:rPr lang="en-US" sz="100" u="none" strike="noStrike">
+                          <a:effectLst/>
+                        </a:rPr>
+                        <a:t>Automated</a:t>
+                      </a:r>
+                      <a:endParaRPr lang="en-US" sz="100" b="0" i="0" u="none" strike="noStrike">
+                        <a:solidFill>
+                          <a:srgbClr val="000000"/>
+                        </a:solidFill>
+                        <a:effectLst/>
+                        <a:latin typeface="Calibri" panose="020F0502020204030204" pitchFamily="34" charset="0"/>
+                      </a:endParaRPr>
+                    </a:p>
+                  </a:txBody>
+                  <a:tcPr marL="65" marR="65" marT="65" marB="0" anchor="ctr"/>
+                </a:tc>
+                <a:tc>
+                  <a:txBody>
+                    <a:bodyPr/>
+                    <a:lstStyle/>
+                    <a:p>
+                      <a:pPr algn="l" fontAlgn="ctr"/>
+                      <a:r>
+                        <a:rPr lang="en-US" sz="100" u="none" strike="noStrike">
+                          <a:effectLst/>
+                        </a:rPr>
+                        <a:t>Near real time</a:t>
+                      </a:r>
+                      <a:endParaRPr lang="en-US" sz="100" b="0" i="0" u="none" strike="noStrike">
+                        <a:solidFill>
+                          <a:srgbClr val="000000"/>
+                        </a:solidFill>
+                        <a:effectLst/>
+                        <a:latin typeface="Calibri" panose="020F0502020204030204" pitchFamily="34" charset="0"/>
+                      </a:endParaRPr>
+                    </a:p>
+                  </a:txBody>
+                  <a:tcPr marL="65" marR="65" marT="65" marB="0" anchor="ctr"/>
+                </a:tc>
+                <a:tc>
+                  <a:txBody>
+                    <a:bodyPr/>
+                    <a:lstStyle/>
+                    <a:p>
+                      <a:pPr algn="l" fontAlgn="ctr"/>
+                      <a:r>
+                        <a:rPr lang="en-US" sz="100" u="none" strike="noStrike">
+                          <a:effectLst/>
+                        </a:rPr>
+                        <a:t>Major Events</a:t>
+                      </a:r>
+                      <a:endParaRPr lang="en-US" sz="100" b="0" i="0" u="none" strike="noStrike">
+                        <a:solidFill>
+                          <a:srgbClr val="000000"/>
+                        </a:solidFill>
+                        <a:effectLst/>
+                        <a:latin typeface="Calibri" panose="020F0502020204030204" pitchFamily="34" charset="0"/>
+                      </a:endParaRPr>
+                    </a:p>
+                  </a:txBody>
+                  <a:tcPr marL="65" marR="65" marT="65" marB="0" anchor="ctr"/>
+                </a:tc>
+                <a:tc>
+                  <a:txBody>
+                    <a:bodyPr/>
+                    <a:lstStyle/>
+                    <a:p>
+                      <a:pPr algn="l" fontAlgn="ctr"/>
+                      <a:r>
+                        <a:rPr lang="en-US" sz="100" u="none" strike="noStrike">
+                          <a:effectLst/>
+                        </a:rPr>
+                        <a:t>No</a:t>
+                      </a:r>
+                      <a:endParaRPr lang="en-US" sz="100" b="0" i="0" u="none" strike="noStrike">
+                        <a:solidFill>
+                          <a:srgbClr val="000000"/>
+                        </a:solidFill>
+                        <a:effectLst/>
+                        <a:latin typeface="Calibri" panose="020F0502020204030204" pitchFamily="34" charset="0"/>
+                      </a:endParaRPr>
+                    </a:p>
+                  </a:txBody>
+                  <a:tcPr marL="65" marR="65" marT="65" marB="0" anchor="ctr"/>
+                </a:tc>
+                <a:tc>
+                  <a:txBody>
+                    <a:bodyPr/>
+                    <a:lstStyle/>
+                    <a:p>
+                      <a:pPr algn="l" fontAlgn="ctr"/>
+                      <a:r>
+                        <a:rPr lang="en-US" sz="100" u="none" strike="noStrike">
+                          <a:effectLst/>
+                        </a:rPr>
+                        <a:t>No</a:t>
+                      </a:r>
+                      <a:endParaRPr lang="en-US" sz="100" b="0" i="0" u="none" strike="noStrike">
+                        <a:solidFill>
+                          <a:srgbClr val="000000"/>
+                        </a:solidFill>
+                        <a:effectLst/>
+                        <a:latin typeface="Calibri" panose="020F0502020204030204" pitchFamily="34" charset="0"/>
+                      </a:endParaRPr>
+                    </a:p>
+                  </a:txBody>
+                  <a:tcPr marL="65" marR="65" marT="65" marB="0" anchor="ctr"/>
+                </a:tc>
+                <a:tc>
+                  <a:txBody>
+                    <a:bodyPr/>
+                    <a:lstStyle/>
+                    <a:p>
+                      <a:pPr algn="l" fontAlgn="ctr"/>
+                      <a:r>
+                        <a:rPr lang="en-US" sz="100" u="none" strike="noStrike">
+                          <a:effectLst/>
+                        </a:rPr>
+                        <a:t>No</a:t>
+                      </a:r>
+                      <a:endParaRPr lang="en-US" sz="100" b="0" i="0" u="none" strike="noStrike">
+                        <a:solidFill>
+                          <a:srgbClr val="000000"/>
+                        </a:solidFill>
+                        <a:effectLst/>
+                        <a:latin typeface="Calibri" panose="020F0502020204030204" pitchFamily="34" charset="0"/>
+                      </a:endParaRPr>
+                    </a:p>
+                  </a:txBody>
+                  <a:tcPr marL="65" marR="65" marT="65" marB="0" anchor="ctr"/>
+                </a:tc>
+                <a:tc>
+                  <a:txBody>
+                    <a:bodyPr/>
+                    <a:lstStyle/>
+                    <a:p>
+                      <a:pPr algn="l" fontAlgn="ctr"/>
+                      <a:r>
+                        <a:rPr lang="en-US" sz="100" u="none" strike="noStrike">
+                          <a:effectLst/>
+                        </a:rPr>
+                        <a:t>No</a:t>
+                      </a:r>
+                      <a:endParaRPr lang="en-US" sz="100" b="0" i="0" u="none" strike="noStrike">
+                        <a:solidFill>
+                          <a:srgbClr val="000000"/>
+                        </a:solidFill>
+                        <a:effectLst/>
+                        <a:latin typeface="Calibri" panose="020F0502020204030204" pitchFamily="34" charset="0"/>
+                      </a:endParaRPr>
+                    </a:p>
+                  </a:txBody>
+                  <a:tcPr marL="65" marR="65" marT="65" marB="0" anchor="ctr"/>
+                </a:tc>
+                <a:tc>
+                  <a:txBody>
+                    <a:bodyPr/>
+                    <a:lstStyle/>
+                    <a:p>
+                      <a:pPr algn="l" fontAlgn="ctr"/>
+                      <a:r>
+                        <a:rPr lang="en-US" sz="100" u="none" strike="noStrike">
+                          <a:effectLst/>
+                        </a:rPr>
+                        <a:t>N/A</a:t>
+                      </a:r>
+                      <a:endParaRPr lang="en-US" sz="100" b="0" i="0" u="none" strike="noStrike">
+                        <a:solidFill>
+                          <a:srgbClr val="000000"/>
+                        </a:solidFill>
+                        <a:effectLst/>
+                        <a:latin typeface="Calibri" panose="020F0502020204030204" pitchFamily="34" charset="0"/>
+                      </a:endParaRPr>
+                    </a:p>
+                  </a:txBody>
+                  <a:tcPr marL="65" marR="65" marT="65" marB="0" anchor="ctr"/>
+                </a:tc>
+                <a:extLst>
+                  <a:ext uri="{0D108BD9-81ED-4DB2-BD59-A6C34878D82A}">
+                    <a16:rowId xmlns:a16="http://schemas.microsoft.com/office/drawing/2014/main" val="648131359"/>
+                  </a:ext>
+                </a:extLst>
+              </a:tr>
+              <a:tr h="0">
+                <a:tc>
+                  <a:txBody>
+                    <a:bodyPr/>
+                    <a:lstStyle/>
+                    <a:p>
+                      <a:pPr algn="l" fontAlgn="ctr"/>
+                      <a:r>
+                        <a:rPr lang="en-US" sz="100" u="none" strike="noStrike">
+                          <a:effectLst/>
+                        </a:rPr>
+                        <a:t>Fortnite Tracker Network</a:t>
+                      </a:r>
+                      <a:endParaRPr lang="en-US" sz="100" b="0" i="0" u="none" strike="noStrike">
+                        <a:solidFill>
+                          <a:srgbClr val="000000"/>
+                        </a:solidFill>
+                        <a:effectLst/>
+                        <a:latin typeface="Calibri" panose="020F0502020204030204" pitchFamily="34" charset="0"/>
+                      </a:endParaRPr>
+                    </a:p>
+                  </a:txBody>
+                  <a:tcPr marL="65" marR="65" marT="65" marB="0" anchor="ctr"/>
+                </a:tc>
+                <a:tc>
+                  <a:txBody>
+                    <a:bodyPr/>
+                    <a:lstStyle/>
+                    <a:p>
+                      <a:pPr algn="l" fontAlgn="ctr"/>
+                      <a:r>
+                        <a:rPr lang="en-US" sz="100" u="sng" strike="noStrike">
+                          <a:effectLst/>
+                          <a:hlinkClick r:id="rId3"/>
+                        </a:rPr>
+                        <a:t>fortnitetracker.com/events</a:t>
+                      </a:r>
+                      <a:endParaRPr lang="en-US" sz="100" b="0" i="0" u="sng" strike="noStrike">
+                        <a:solidFill>
+                          <a:srgbClr val="0000FF"/>
+                        </a:solidFill>
+                        <a:effectLst/>
+                        <a:latin typeface="Calibri" panose="020F0502020204030204" pitchFamily="34" charset="0"/>
+                      </a:endParaRPr>
+                    </a:p>
+                  </a:txBody>
+                  <a:tcPr marL="65" marR="65" marT="65" marB="0" anchor="ctr"/>
+                </a:tc>
+                <a:tc>
+                  <a:txBody>
+                    <a:bodyPr/>
+                    <a:lstStyle/>
+                    <a:p>
+                      <a:pPr algn="l" fontAlgn="ctr"/>
+                      <a:r>
+                        <a:rPr lang="en-US" sz="100" u="none" strike="noStrike">
+                          <a:effectLst/>
+                        </a:rPr>
+                        <a:t>Automated</a:t>
+                      </a:r>
+                      <a:endParaRPr lang="en-US" sz="100" b="0" i="0" u="none" strike="noStrike">
+                        <a:solidFill>
+                          <a:srgbClr val="000000"/>
+                        </a:solidFill>
+                        <a:effectLst/>
+                        <a:latin typeface="Calibri" panose="020F0502020204030204" pitchFamily="34" charset="0"/>
+                      </a:endParaRPr>
+                    </a:p>
+                  </a:txBody>
+                  <a:tcPr marL="65" marR="65" marT="65" marB="0" anchor="ctr"/>
+                </a:tc>
+                <a:tc>
+                  <a:txBody>
+                    <a:bodyPr/>
+                    <a:lstStyle/>
+                    <a:p>
+                      <a:pPr algn="l" fontAlgn="ctr"/>
+                      <a:r>
+                        <a:rPr lang="en-US" sz="100" u="none" strike="noStrike">
+                          <a:effectLst/>
+                        </a:rPr>
+                        <a:t>Near real time</a:t>
+                      </a:r>
+                      <a:endParaRPr lang="en-US" sz="100" b="0" i="0" u="none" strike="noStrike">
+                        <a:solidFill>
+                          <a:srgbClr val="000000"/>
+                        </a:solidFill>
+                        <a:effectLst/>
+                        <a:latin typeface="Calibri" panose="020F0502020204030204" pitchFamily="34" charset="0"/>
+                      </a:endParaRPr>
+                    </a:p>
+                  </a:txBody>
+                  <a:tcPr marL="65" marR="65" marT="65" marB="0" anchor="ctr"/>
+                </a:tc>
+                <a:tc>
+                  <a:txBody>
+                    <a:bodyPr/>
+                    <a:lstStyle/>
+                    <a:p>
+                      <a:pPr algn="l" fontAlgn="ctr"/>
+                      <a:r>
+                        <a:rPr lang="en-US" sz="100" u="none" strike="noStrike">
+                          <a:effectLst/>
+                        </a:rPr>
+                        <a:t>Major Events</a:t>
+                      </a:r>
+                      <a:endParaRPr lang="en-US" sz="100" b="0" i="0" u="none" strike="noStrike">
+                        <a:solidFill>
+                          <a:srgbClr val="000000"/>
+                        </a:solidFill>
+                        <a:effectLst/>
+                        <a:latin typeface="Calibri" panose="020F0502020204030204" pitchFamily="34" charset="0"/>
+                      </a:endParaRPr>
+                    </a:p>
+                  </a:txBody>
+                  <a:tcPr marL="65" marR="65" marT="65" marB="0" anchor="ctr"/>
+                </a:tc>
+                <a:tc>
+                  <a:txBody>
+                    <a:bodyPr/>
+                    <a:lstStyle/>
+                    <a:p>
+                      <a:pPr algn="l" fontAlgn="ctr"/>
+                      <a:r>
+                        <a:rPr lang="en-US" sz="100" u="none" strike="noStrike">
+                          <a:effectLst/>
+                        </a:rPr>
+                        <a:t>No</a:t>
+                      </a:r>
+                      <a:endParaRPr lang="en-US" sz="100" b="0" i="0" u="none" strike="noStrike">
+                        <a:solidFill>
+                          <a:srgbClr val="000000"/>
+                        </a:solidFill>
+                        <a:effectLst/>
+                        <a:latin typeface="Calibri" panose="020F0502020204030204" pitchFamily="34" charset="0"/>
+                      </a:endParaRPr>
+                    </a:p>
+                  </a:txBody>
+                  <a:tcPr marL="65" marR="65" marT="65" marB="0" anchor="ctr"/>
+                </a:tc>
+                <a:tc>
+                  <a:txBody>
+                    <a:bodyPr/>
+                    <a:lstStyle/>
+                    <a:p>
+                      <a:pPr algn="l" fontAlgn="ctr"/>
+                      <a:r>
+                        <a:rPr lang="en-US" sz="100" u="none" strike="noStrike">
+                          <a:effectLst/>
+                        </a:rPr>
+                        <a:t>No</a:t>
+                      </a:r>
+                      <a:endParaRPr lang="en-US" sz="100" b="0" i="0" u="none" strike="noStrike">
+                        <a:solidFill>
+                          <a:srgbClr val="000000"/>
+                        </a:solidFill>
+                        <a:effectLst/>
+                        <a:latin typeface="Calibri" panose="020F0502020204030204" pitchFamily="34" charset="0"/>
+                      </a:endParaRPr>
+                    </a:p>
+                  </a:txBody>
+                  <a:tcPr marL="65" marR="65" marT="65" marB="0" anchor="ctr"/>
+                </a:tc>
+                <a:tc>
+                  <a:txBody>
+                    <a:bodyPr/>
+                    <a:lstStyle/>
+                    <a:p>
+                      <a:pPr algn="l" fontAlgn="ctr"/>
+                      <a:r>
+                        <a:rPr lang="en-US" sz="100" u="none" strike="noStrike">
+                          <a:effectLst/>
+                        </a:rPr>
+                        <a:t>Yes</a:t>
+                      </a:r>
+                      <a:endParaRPr lang="en-US" sz="100" b="0" i="0" u="none" strike="noStrike">
+                        <a:solidFill>
+                          <a:srgbClr val="000000"/>
+                        </a:solidFill>
+                        <a:effectLst/>
+                        <a:latin typeface="Calibri" panose="020F0502020204030204" pitchFamily="34" charset="0"/>
+                      </a:endParaRPr>
+                    </a:p>
+                  </a:txBody>
+                  <a:tcPr marL="65" marR="65" marT="65" marB="0" anchor="ctr"/>
+                </a:tc>
+                <a:tc>
+                  <a:txBody>
+                    <a:bodyPr/>
+                    <a:lstStyle/>
+                    <a:p>
+                      <a:pPr algn="l" fontAlgn="ctr"/>
+                      <a:r>
+                        <a:rPr lang="en-US" sz="100" u="none" strike="noStrike">
+                          <a:effectLst/>
+                        </a:rPr>
+                        <a:t>Yes</a:t>
+                      </a:r>
+                      <a:endParaRPr lang="en-US" sz="100" b="0" i="0" u="none" strike="noStrike">
+                        <a:solidFill>
+                          <a:srgbClr val="000000"/>
+                        </a:solidFill>
+                        <a:effectLst/>
+                        <a:latin typeface="Calibri" panose="020F0502020204030204" pitchFamily="34" charset="0"/>
+                      </a:endParaRPr>
+                    </a:p>
+                  </a:txBody>
+                  <a:tcPr marL="65" marR="65" marT="65" marB="0" anchor="ctr"/>
+                </a:tc>
+                <a:tc>
+                  <a:txBody>
+                    <a:bodyPr/>
+                    <a:lstStyle/>
+                    <a:p>
+                      <a:pPr algn="l" fontAlgn="ctr"/>
+                      <a:r>
+                        <a:rPr lang="en-US" sz="100" u="none" strike="noStrike">
+                          <a:effectLst/>
+                        </a:rPr>
+                        <a:t>Ad Network, subscriptions</a:t>
+                      </a:r>
+                      <a:endParaRPr lang="en-US" sz="100" b="0" i="0" u="none" strike="noStrike">
+                        <a:solidFill>
+                          <a:srgbClr val="000000"/>
+                        </a:solidFill>
+                        <a:effectLst/>
+                        <a:latin typeface="Calibri" panose="020F0502020204030204" pitchFamily="34" charset="0"/>
+                      </a:endParaRPr>
+                    </a:p>
+                  </a:txBody>
+                  <a:tcPr marL="65" marR="65" marT="65" marB="0" anchor="ctr"/>
+                </a:tc>
+                <a:extLst>
+                  <a:ext uri="{0D108BD9-81ED-4DB2-BD59-A6C34878D82A}">
+                    <a16:rowId xmlns:a16="http://schemas.microsoft.com/office/drawing/2014/main" val="3949954752"/>
+                  </a:ext>
+                </a:extLst>
+              </a:tr>
+              <a:tr h="0">
+                <a:tc>
+                  <a:txBody>
+                    <a:bodyPr/>
+                    <a:lstStyle/>
+                    <a:p>
+                      <a:pPr algn="l" fontAlgn="ctr"/>
+                      <a:r>
+                        <a:rPr lang="en-US" sz="100" u="none" strike="noStrike">
+                          <a:effectLst/>
+                        </a:rPr>
+                        <a:t>Gamepedia</a:t>
+                      </a:r>
+                      <a:endParaRPr lang="en-US" sz="100" b="0" i="0" u="none" strike="noStrike">
+                        <a:solidFill>
+                          <a:srgbClr val="000000"/>
+                        </a:solidFill>
+                        <a:effectLst/>
+                        <a:latin typeface="Calibri" panose="020F0502020204030204" pitchFamily="34" charset="0"/>
+                      </a:endParaRPr>
+                    </a:p>
+                  </a:txBody>
+                  <a:tcPr marL="65" marR="65" marT="65" marB="0" anchor="ctr"/>
+                </a:tc>
+                <a:tc>
+                  <a:txBody>
+                    <a:bodyPr/>
+                    <a:lstStyle/>
+                    <a:p>
+                      <a:pPr algn="l" fontAlgn="ctr"/>
+                      <a:r>
+                        <a:rPr lang="en-US" sz="100" u="sng" strike="noStrike">
+                          <a:effectLst/>
+                          <a:hlinkClick r:id="rId4"/>
+                        </a:rPr>
+                        <a:t>fortnite-esports.gamepedia.com/Power_Rankings</a:t>
+                      </a:r>
+                      <a:endParaRPr lang="en-US" sz="100" b="0" i="0" u="sng" strike="noStrike">
+                        <a:solidFill>
+                          <a:srgbClr val="0000FF"/>
+                        </a:solidFill>
+                        <a:effectLst/>
+                        <a:latin typeface="Calibri" panose="020F0502020204030204" pitchFamily="34" charset="0"/>
+                      </a:endParaRPr>
+                    </a:p>
+                  </a:txBody>
+                  <a:tcPr marL="65" marR="65" marT="65" marB="0" anchor="ctr"/>
+                </a:tc>
+                <a:tc>
+                  <a:txBody>
+                    <a:bodyPr/>
+                    <a:lstStyle/>
+                    <a:p>
+                      <a:pPr algn="l" fontAlgn="ctr"/>
+                      <a:r>
+                        <a:rPr lang="en-US" sz="100" u="none" strike="noStrike">
+                          <a:effectLst/>
+                        </a:rPr>
+                        <a:t>Crowd- sourced</a:t>
+                      </a:r>
+                      <a:endParaRPr lang="en-US" sz="100" b="0" i="0" u="none" strike="noStrike">
+                        <a:solidFill>
+                          <a:srgbClr val="000000"/>
+                        </a:solidFill>
+                        <a:effectLst/>
+                        <a:latin typeface="Calibri" panose="020F0502020204030204" pitchFamily="34" charset="0"/>
+                      </a:endParaRPr>
+                    </a:p>
+                  </a:txBody>
+                  <a:tcPr marL="65" marR="65" marT="65" marB="0" anchor="ctr"/>
+                </a:tc>
+                <a:tc>
+                  <a:txBody>
+                    <a:bodyPr/>
+                    <a:lstStyle/>
+                    <a:p>
+                      <a:pPr algn="l" fontAlgn="ctr"/>
+                      <a:r>
+                        <a:rPr lang="en-US" sz="100" u="none" strike="noStrike">
+                          <a:effectLst/>
+                        </a:rPr>
+                        <a:t>Laggy, Incomplete</a:t>
+                      </a:r>
+                      <a:endParaRPr lang="en-US" sz="100" b="0" i="0" u="none" strike="noStrike">
+                        <a:solidFill>
+                          <a:srgbClr val="000000"/>
+                        </a:solidFill>
+                        <a:effectLst/>
+                        <a:latin typeface="Calibri" panose="020F0502020204030204" pitchFamily="34" charset="0"/>
+                      </a:endParaRPr>
+                    </a:p>
+                  </a:txBody>
+                  <a:tcPr marL="65" marR="65" marT="65" marB="0" anchor="ctr"/>
+                </a:tc>
+                <a:tc>
+                  <a:txBody>
+                    <a:bodyPr/>
+                    <a:lstStyle/>
+                    <a:p>
+                      <a:pPr algn="l" fontAlgn="ctr"/>
+                      <a:r>
+                        <a:rPr lang="en-US" sz="100" u="none" strike="noStrike">
+                          <a:effectLst/>
+                        </a:rPr>
+                        <a:t>All events</a:t>
+                      </a:r>
+                      <a:endParaRPr lang="en-US" sz="100" b="0" i="0" u="none" strike="noStrike">
+                        <a:solidFill>
+                          <a:srgbClr val="000000"/>
+                        </a:solidFill>
+                        <a:effectLst/>
+                        <a:latin typeface="Calibri" panose="020F0502020204030204" pitchFamily="34" charset="0"/>
+                      </a:endParaRPr>
+                    </a:p>
+                  </a:txBody>
+                  <a:tcPr marL="65" marR="65" marT="65" marB="0" anchor="ctr"/>
+                </a:tc>
+                <a:tc>
+                  <a:txBody>
+                    <a:bodyPr/>
+                    <a:lstStyle/>
+                    <a:p>
+                      <a:pPr algn="l" fontAlgn="ctr"/>
+                      <a:r>
+                        <a:rPr lang="en-US" sz="100" u="none" strike="noStrike">
+                          <a:effectLst/>
+                        </a:rPr>
+                        <a:t>Yes</a:t>
+                      </a:r>
+                      <a:endParaRPr lang="en-US" sz="100" b="0" i="0" u="none" strike="noStrike">
+                        <a:solidFill>
+                          <a:srgbClr val="000000"/>
+                        </a:solidFill>
+                        <a:effectLst/>
+                        <a:latin typeface="Calibri" panose="020F0502020204030204" pitchFamily="34" charset="0"/>
+                      </a:endParaRPr>
+                    </a:p>
+                  </a:txBody>
+                  <a:tcPr marL="65" marR="65" marT="65" marB="0" anchor="ctr"/>
+                </a:tc>
+                <a:tc>
+                  <a:txBody>
+                    <a:bodyPr/>
+                    <a:lstStyle/>
+                    <a:p>
+                      <a:pPr algn="l" fontAlgn="ctr"/>
+                      <a:r>
+                        <a:rPr lang="en-US" sz="100" u="none" strike="noStrike">
+                          <a:effectLst/>
+                        </a:rPr>
+                        <a:t>No</a:t>
+                      </a:r>
+                      <a:endParaRPr lang="en-US" sz="100" b="0" i="0" u="none" strike="noStrike">
+                        <a:solidFill>
+                          <a:srgbClr val="000000"/>
+                        </a:solidFill>
+                        <a:effectLst/>
+                        <a:latin typeface="Calibri" panose="020F0502020204030204" pitchFamily="34" charset="0"/>
+                      </a:endParaRPr>
+                    </a:p>
+                  </a:txBody>
+                  <a:tcPr marL="65" marR="65" marT="65" marB="0" anchor="ctr"/>
+                </a:tc>
+                <a:tc>
+                  <a:txBody>
+                    <a:bodyPr/>
+                    <a:lstStyle/>
+                    <a:p>
+                      <a:pPr algn="l" fontAlgn="ctr"/>
+                      <a:r>
+                        <a:rPr lang="en-US" sz="100" u="none" strike="noStrike">
+                          <a:effectLst/>
+                        </a:rPr>
+                        <a:t>Yes</a:t>
+                      </a:r>
+                      <a:endParaRPr lang="en-US" sz="100" b="0" i="0" u="none" strike="noStrike">
+                        <a:solidFill>
+                          <a:srgbClr val="000000"/>
+                        </a:solidFill>
+                        <a:effectLst/>
+                        <a:latin typeface="Calibri" panose="020F0502020204030204" pitchFamily="34" charset="0"/>
+                      </a:endParaRPr>
+                    </a:p>
+                  </a:txBody>
+                  <a:tcPr marL="65" marR="65" marT="65" marB="0" anchor="ctr"/>
+                </a:tc>
+                <a:tc>
+                  <a:txBody>
+                    <a:bodyPr/>
+                    <a:lstStyle/>
+                    <a:p>
+                      <a:pPr algn="l" fontAlgn="ctr"/>
+                      <a:r>
+                        <a:rPr lang="en-US" sz="100" u="none" strike="noStrike">
+                          <a:effectLst/>
+                        </a:rPr>
+                        <a:t>Yes</a:t>
+                      </a:r>
+                      <a:endParaRPr lang="en-US" sz="100" b="0" i="0" u="none" strike="noStrike">
+                        <a:solidFill>
+                          <a:srgbClr val="000000"/>
+                        </a:solidFill>
+                        <a:effectLst/>
+                        <a:latin typeface="Calibri" panose="020F0502020204030204" pitchFamily="34" charset="0"/>
+                      </a:endParaRPr>
+                    </a:p>
+                  </a:txBody>
+                  <a:tcPr marL="65" marR="65" marT="65" marB="0" anchor="ctr"/>
+                </a:tc>
+                <a:tc>
+                  <a:txBody>
+                    <a:bodyPr/>
+                    <a:lstStyle/>
+                    <a:p>
+                      <a:pPr algn="l" fontAlgn="ctr"/>
+                      <a:r>
+                        <a:rPr lang="en-US" sz="100" u="none" strike="noStrike">
+                          <a:effectLst/>
+                        </a:rPr>
+                        <a:t>Ad Network</a:t>
+                      </a:r>
+                      <a:endParaRPr lang="en-US" sz="100" b="0" i="0" u="none" strike="noStrike">
+                        <a:solidFill>
+                          <a:srgbClr val="000000"/>
+                        </a:solidFill>
+                        <a:effectLst/>
+                        <a:latin typeface="Calibri" panose="020F0502020204030204" pitchFamily="34" charset="0"/>
+                      </a:endParaRPr>
+                    </a:p>
+                  </a:txBody>
+                  <a:tcPr marL="65" marR="65" marT="65" marB="0" anchor="ctr"/>
+                </a:tc>
+                <a:extLst>
+                  <a:ext uri="{0D108BD9-81ED-4DB2-BD59-A6C34878D82A}">
+                    <a16:rowId xmlns:a16="http://schemas.microsoft.com/office/drawing/2014/main" val="1672122296"/>
+                  </a:ext>
+                </a:extLst>
+              </a:tr>
+              <a:tr h="0">
+                <a:tc>
+                  <a:txBody>
+                    <a:bodyPr/>
+                    <a:lstStyle/>
+                    <a:p>
+                      <a:pPr algn="l" fontAlgn="ctr"/>
+                      <a:r>
+                        <a:rPr lang="en-US" sz="100" u="none" strike="noStrike">
+                          <a:effectLst/>
+                        </a:rPr>
+                        <a:t>Esports Earnings</a:t>
+                      </a:r>
+                      <a:endParaRPr lang="en-US" sz="100" b="0" i="0" u="none" strike="noStrike">
+                        <a:solidFill>
+                          <a:srgbClr val="000000"/>
+                        </a:solidFill>
+                        <a:effectLst/>
+                        <a:latin typeface="Calibri" panose="020F0502020204030204" pitchFamily="34" charset="0"/>
+                      </a:endParaRPr>
+                    </a:p>
+                  </a:txBody>
+                  <a:tcPr marL="65" marR="65" marT="65" marB="0" anchor="ctr"/>
+                </a:tc>
+                <a:tc>
+                  <a:txBody>
+                    <a:bodyPr/>
+                    <a:lstStyle/>
+                    <a:p>
+                      <a:pPr algn="l" fontAlgn="ctr"/>
+                      <a:r>
+                        <a:rPr lang="en-US" sz="100" u="sng" strike="noStrike">
+                          <a:effectLst/>
+                          <a:hlinkClick r:id="rId5"/>
+                        </a:rPr>
+                        <a:t>esportsearnings.com/games/534-fortnite</a:t>
+                      </a:r>
+                      <a:endParaRPr lang="en-US" sz="100" b="0" i="0" u="sng" strike="noStrike">
+                        <a:solidFill>
+                          <a:srgbClr val="0000FF"/>
+                        </a:solidFill>
+                        <a:effectLst/>
+                        <a:latin typeface="Calibri" panose="020F0502020204030204" pitchFamily="34" charset="0"/>
+                      </a:endParaRPr>
+                    </a:p>
+                  </a:txBody>
+                  <a:tcPr marL="65" marR="65" marT="65" marB="0" anchor="ctr"/>
+                </a:tc>
+                <a:tc>
+                  <a:txBody>
+                    <a:bodyPr/>
+                    <a:lstStyle/>
+                    <a:p>
+                      <a:pPr algn="l" fontAlgn="ctr"/>
+                      <a:r>
+                        <a:rPr lang="en-US" sz="100" u="none" strike="noStrike">
+                          <a:effectLst/>
+                        </a:rPr>
+                        <a:t>Crowd- sourced</a:t>
+                      </a:r>
+                      <a:endParaRPr lang="en-US" sz="100" b="0" i="0" u="none" strike="noStrike">
+                        <a:solidFill>
+                          <a:srgbClr val="000000"/>
+                        </a:solidFill>
+                        <a:effectLst/>
+                        <a:latin typeface="Calibri" panose="020F0502020204030204" pitchFamily="34" charset="0"/>
+                      </a:endParaRPr>
+                    </a:p>
+                  </a:txBody>
+                  <a:tcPr marL="65" marR="65" marT="65" marB="0" anchor="ctr"/>
+                </a:tc>
+                <a:tc>
+                  <a:txBody>
+                    <a:bodyPr/>
+                    <a:lstStyle/>
+                    <a:p>
+                      <a:pPr algn="l" fontAlgn="ctr"/>
+                      <a:r>
+                        <a:rPr lang="en-US" sz="100" u="none" strike="noStrike">
+                          <a:effectLst/>
+                        </a:rPr>
+                        <a:t>Laggy, Incomplete</a:t>
+                      </a:r>
+                      <a:endParaRPr lang="en-US" sz="100" b="0" i="0" u="none" strike="noStrike">
+                        <a:solidFill>
+                          <a:srgbClr val="000000"/>
+                        </a:solidFill>
+                        <a:effectLst/>
+                        <a:latin typeface="Calibri" panose="020F0502020204030204" pitchFamily="34" charset="0"/>
+                      </a:endParaRPr>
+                    </a:p>
+                  </a:txBody>
+                  <a:tcPr marL="65" marR="65" marT="65" marB="0" anchor="ctr"/>
+                </a:tc>
+                <a:tc>
+                  <a:txBody>
+                    <a:bodyPr/>
+                    <a:lstStyle/>
+                    <a:p>
+                      <a:pPr algn="l" fontAlgn="ctr"/>
+                      <a:r>
+                        <a:rPr lang="en-US" sz="100" u="none" strike="noStrike">
+                          <a:effectLst/>
+                        </a:rPr>
+                        <a:t>All events</a:t>
+                      </a:r>
+                      <a:endParaRPr lang="en-US" sz="100" b="0" i="0" u="none" strike="noStrike">
+                        <a:solidFill>
+                          <a:srgbClr val="000000"/>
+                        </a:solidFill>
+                        <a:effectLst/>
+                        <a:latin typeface="Calibri" panose="020F0502020204030204" pitchFamily="34" charset="0"/>
+                      </a:endParaRPr>
+                    </a:p>
+                  </a:txBody>
+                  <a:tcPr marL="65" marR="65" marT="65" marB="0" anchor="ctr"/>
+                </a:tc>
+                <a:tc>
+                  <a:txBody>
+                    <a:bodyPr/>
+                    <a:lstStyle/>
+                    <a:p>
+                      <a:pPr algn="l" fontAlgn="ctr"/>
+                      <a:r>
+                        <a:rPr lang="en-US" sz="100" u="none" strike="noStrike">
+                          <a:effectLst/>
+                        </a:rPr>
+                        <a:t>No</a:t>
+                      </a:r>
+                      <a:endParaRPr lang="en-US" sz="100" b="0" i="0" u="none" strike="noStrike">
+                        <a:solidFill>
+                          <a:srgbClr val="000000"/>
+                        </a:solidFill>
+                        <a:effectLst/>
+                        <a:latin typeface="Calibri" panose="020F0502020204030204" pitchFamily="34" charset="0"/>
+                      </a:endParaRPr>
+                    </a:p>
+                  </a:txBody>
+                  <a:tcPr marL="65" marR="65" marT="65" marB="0" anchor="ctr"/>
+                </a:tc>
+                <a:tc>
+                  <a:txBody>
+                    <a:bodyPr/>
+                    <a:lstStyle/>
+                    <a:p>
+                      <a:pPr algn="l" fontAlgn="ctr"/>
+                      <a:r>
+                        <a:rPr lang="en-US" sz="100" u="none" strike="noStrike">
+                          <a:effectLst/>
+                        </a:rPr>
+                        <a:t>No</a:t>
+                      </a:r>
+                      <a:endParaRPr lang="en-US" sz="100" b="0" i="0" u="none" strike="noStrike">
+                        <a:solidFill>
+                          <a:srgbClr val="000000"/>
+                        </a:solidFill>
+                        <a:effectLst/>
+                        <a:latin typeface="Calibri" panose="020F0502020204030204" pitchFamily="34" charset="0"/>
+                      </a:endParaRPr>
+                    </a:p>
+                  </a:txBody>
+                  <a:tcPr marL="65" marR="65" marT="65" marB="0" anchor="ctr"/>
+                </a:tc>
+                <a:tc>
+                  <a:txBody>
+                    <a:bodyPr/>
+                    <a:lstStyle/>
+                    <a:p>
+                      <a:pPr algn="l" fontAlgn="ctr"/>
+                      <a:r>
+                        <a:rPr lang="en-US" sz="100" u="none" strike="noStrike">
+                          <a:effectLst/>
+                        </a:rPr>
+                        <a:t>Yes</a:t>
+                      </a:r>
+                      <a:endParaRPr lang="en-US" sz="100" b="0" i="0" u="none" strike="noStrike">
+                        <a:solidFill>
+                          <a:srgbClr val="000000"/>
+                        </a:solidFill>
+                        <a:effectLst/>
+                        <a:latin typeface="Calibri" panose="020F0502020204030204" pitchFamily="34" charset="0"/>
+                      </a:endParaRPr>
+                    </a:p>
+                  </a:txBody>
+                  <a:tcPr marL="65" marR="65" marT="65" marB="0" anchor="ctr"/>
+                </a:tc>
+                <a:tc>
+                  <a:txBody>
+                    <a:bodyPr/>
+                    <a:lstStyle/>
+                    <a:p>
+                      <a:pPr algn="l" fontAlgn="ctr"/>
+                      <a:r>
+                        <a:rPr lang="en-US" sz="100" u="none" strike="noStrike">
+                          <a:effectLst/>
+                        </a:rPr>
+                        <a:t>Yes</a:t>
+                      </a:r>
+                      <a:endParaRPr lang="en-US" sz="100" b="0" i="0" u="none" strike="noStrike">
+                        <a:solidFill>
+                          <a:srgbClr val="000000"/>
+                        </a:solidFill>
+                        <a:effectLst/>
+                        <a:latin typeface="Calibri" panose="020F0502020204030204" pitchFamily="34" charset="0"/>
+                      </a:endParaRPr>
+                    </a:p>
+                  </a:txBody>
+                  <a:tcPr marL="65" marR="65" marT="65" marB="0" anchor="ctr"/>
+                </a:tc>
+                <a:tc>
+                  <a:txBody>
+                    <a:bodyPr/>
+                    <a:lstStyle/>
+                    <a:p>
+                      <a:pPr algn="l" fontAlgn="ctr"/>
+                      <a:r>
+                        <a:rPr lang="en-US" sz="100" u="none" strike="noStrike">
+                          <a:effectLst/>
+                        </a:rPr>
+                        <a:t>Ad Network</a:t>
+                      </a:r>
+                      <a:endParaRPr lang="en-US" sz="100" b="0" i="0" u="none" strike="noStrike">
+                        <a:solidFill>
+                          <a:srgbClr val="000000"/>
+                        </a:solidFill>
+                        <a:effectLst/>
+                        <a:latin typeface="Calibri" panose="020F0502020204030204" pitchFamily="34" charset="0"/>
+                      </a:endParaRPr>
+                    </a:p>
+                  </a:txBody>
+                  <a:tcPr marL="65" marR="65" marT="65" marB="0" anchor="ctr"/>
+                </a:tc>
+                <a:extLst>
+                  <a:ext uri="{0D108BD9-81ED-4DB2-BD59-A6C34878D82A}">
+                    <a16:rowId xmlns:a16="http://schemas.microsoft.com/office/drawing/2014/main" val="2466344462"/>
+                  </a:ext>
+                </a:extLst>
+              </a:tr>
+              <a:tr h="0">
+                <a:tc>
+                  <a:txBody>
+                    <a:bodyPr/>
+                    <a:lstStyle/>
+                    <a:p>
+                      <a:pPr algn="l" fontAlgn="ctr"/>
+                      <a:r>
+                        <a:rPr lang="en-US" sz="100" u="none" strike="noStrike">
+                          <a:effectLst/>
+                        </a:rPr>
+                        <a:t>Fortnite Ping</a:t>
+                      </a:r>
+                      <a:endParaRPr lang="en-US" sz="100" b="0" i="0" u="none" strike="noStrike">
+                        <a:solidFill>
+                          <a:srgbClr val="000000"/>
+                        </a:solidFill>
+                        <a:effectLst/>
+                        <a:latin typeface="Calibri" panose="020F0502020204030204" pitchFamily="34" charset="0"/>
+                      </a:endParaRPr>
+                    </a:p>
+                  </a:txBody>
+                  <a:tcPr marL="65" marR="65" marT="65" marB="0" anchor="ctr"/>
+                </a:tc>
+                <a:tc>
+                  <a:txBody>
+                    <a:bodyPr/>
+                    <a:lstStyle/>
+                    <a:p>
+                      <a:pPr algn="l" fontAlgn="ctr"/>
+                      <a:r>
+                        <a:rPr lang="en-US" sz="100" u="sng" strike="noStrike">
+                          <a:effectLst/>
+                          <a:hlinkClick r:id="rId6"/>
+                        </a:rPr>
+                        <a:t>fortniteping.com/index.html</a:t>
+                      </a:r>
+                      <a:endParaRPr lang="en-US" sz="100" b="0" i="0" u="sng" strike="noStrike">
+                        <a:solidFill>
+                          <a:srgbClr val="0000FF"/>
+                        </a:solidFill>
+                        <a:effectLst/>
+                        <a:latin typeface="Calibri" panose="020F0502020204030204" pitchFamily="34" charset="0"/>
+                      </a:endParaRPr>
+                    </a:p>
+                  </a:txBody>
+                  <a:tcPr marL="65" marR="65" marT="65" marB="0" anchor="ctr"/>
+                </a:tc>
+                <a:tc>
+                  <a:txBody>
+                    <a:bodyPr/>
+                    <a:lstStyle/>
+                    <a:p>
+                      <a:pPr algn="l" fontAlgn="ctr"/>
+                      <a:r>
+                        <a:rPr lang="en-US" sz="100" u="none" strike="noStrike">
+                          <a:effectLst/>
+                        </a:rPr>
+                        <a:t>Automated</a:t>
+                      </a:r>
+                      <a:endParaRPr lang="en-US" sz="100" b="0" i="0" u="none" strike="noStrike">
+                        <a:solidFill>
+                          <a:srgbClr val="000000"/>
+                        </a:solidFill>
+                        <a:effectLst/>
+                        <a:latin typeface="Calibri" panose="020F0502020204030204" pitchFamily="34" charset="0"/>
+                      </a:endParaRPr>
+                    </a:p>
+                  </a:txBody>
+                  <a:tcPr marL="65" marR="65" marT="65" marB="0" anchor="ctr"/>
+                </a:tc>
+                <a:tc>
+                  <a:txBody>
+                    <a:bodyPr/>
+                    <a:lstStyle/>
+                    <a:p>
+                      <a:pPr algn="l" fontAlgn="ctr"/>
+                      <a:r>
+                        <a:rPr lang="en-US" sz="100" u="none" strike="noStrike">
+                          <a:effectLst/>
+                        </a:rPr>
+                        <a:t>~ 1 day</a:t>
+                      </a:r>
+                      <a:endParaRPr lang="en-US" sz="100" b="0" i="0" u="none" strike="noStrike">
+                        <a:solidFill>
+                          <a:srgbClr val="000000"/>
+                        </a:solidFill>
+                        <a:effectLst/>
+                        <a:latin typeface="Calibri" panose="020F0502020204030204" pitchFamily="34" charset="0"/>
+                      </a:endParaRPr>
+                    </a:p>
+                  </a:txBody>
+                  <a:tcPr marL="65" marR="65" marT="65" marB="0" anchor="ctr"/>
+                </a:tc>
+                <a:tc>
+                  <a:txBody>
+                    <a:bodyPr/>
+                    <a:lstStyle/>
+                    <a:p>
+                      <a:pPr algn="l" fontAlgn="ctr"/>
+                      <a:r>
+                        <a:rPr lang="en-US" sz="100" u="none" strike="noStrike">
+                          <a:effectLst/>
+                        </a:rPr>
+                        <a:t>Major Events</a:t>
+                      </a:r>
+                      <a:endParaRPr lang="en-US" sz="100" b="0" i="0" u="none" strike="noStrike">
+                        <a:solidFill>
+                          <a:srgbClr val="000000"/>
+                        </a:solidFill>
+                        <a:effectLst/>
+                        <a:latin typeface="Calibri" panose="020F0502020204030204" pitchFamily="34" charset="0"/>
+                      </a:endParaRPr>
+                    </a:p>
+                  </a:txBody>
+                  <a:tcPr marL="65" marR="65" marT="65" marB="0" anchor="ctr"/>
+                </a:tc>
+                <a:tc>
+                  <a:txBody>
+                    <a:bodyPr/>
+                    <a:lstStyle/>
+                    <a:p>
+                      <a:pPr algn="l" fontAlgn="ctr"/>
+                      <a:r>
+                        <a:rPr lang="en-US" sz="100" u="none" strike="noStrike">
+                          <a:effectLst/>
+                        </a:rPr>
+                        <a:t>Yes</a:t>
+                      </a:r>
+                      <a:endParaRPr lang="en-US" sz="100" b="0" i="0" u="none" strike="noStrike">
+                        <a:solidFill>
+                          <a:srgbClr val="000000"/>
+                        </a:solidFill>
+                        <a:effectLst/>
+                        <a:latin typeface="Calibri" panose="020F0502020204030204" pitchFamily="34" charset="0"/>
+                      </a:endParaRPr>
+                    </a:p>
+                  </a:txBody>
+                  <a:tcPr marL="65" marR="65" marT="65" marB="0" anchor="ctr"/>
+                </a:tc>
+                <a:tc>
+                  <a:txBody>
+                    <a:bodyPr/>
+                    <a:lstStyle/>
+                    <a:p>
+                      <a:pPr algn="l" fontAlgn="ctr"/>
+                      <a:r>
+                        <a:rPr lang="en-US" sz="100" u="none" strike="noStrike">
+                          <a:effectLst/>
+                        </a:rPr>
+                        <a:t>Yes</a:t>
+                      </a:r>
+                      <a:endParaRPr lang="en-US" sz="100" b="0" i="0" u="none" strike="noStrike">
+                        <a:solidFill>
+                          <a:srgbClr val="000000"/>
+                        </a:solidFill>
+                        <a:effectLst/>
+                        <a:latin typeface="Calibri" panose="020F0502020204030204" pitchFamily="34" charset="0"/>
+                      </a:endParaRPr>
+                    </a:p>
+                  </a:txBody>
+                  <a:tcPr marL="65" marR="65" marT="65" marB="0" anchor="ctr"/>
+                </a:tc>
+                <a:tc>
+                  <a:txBody>
+                    <a:bodyPr/>
+                    <a:lstStyle/>
+                    <a:p>
+                      <a:pPr algn="l" fontAlgn="ctr"/>
+                      <a:r>
+                        <a:rPr lang="en-US" sz="100" u="none" strike="noStrike">
+                          <a:effectLst/>
+                        </a:rPr>
+                        <a:t>Yes</a:t>
+                      </a:r>
+                      <a:endParaRPr lang="en-US" sz="100" b="0" i="0" u="none" strike="noStrike">
+                        <a:solidFill>
+                          <a:srgbClr val="000000"/>
+                        </a:solidFill>
+                        <a:effectLst/>
+                        <a:latin typeface="Calibri" panose="020F0502020204030204" pitchFamily="34" charset="0"/>
+                      </a:endParaRPr>
+                    </a:p>
+                  </a:txBody>
+                  <a:tcPr marL="65" marR="65" marT="65" marB="0" anchor="ctr"/>
+                </a:tc>
+                <a:tc>
+                  <a:txBody>
+                    <a:bodyPr/>
+                    <a:lstStyle/>
+                    <a:p>
+                      <a:pPr algn="l" fontAlgn="ctr"/>
+                      <a:r>
+                        <a:rPr lang="en-US" sz="100" u="none" strike="noStrike">
+                          <a:effectLst/>
+                        </a:rPr>
+                        <a:t>Not Yet</a:t>
+                      </a:r>
+                      <a:endParaRPr lang="en-US" sz="100" b="0" i="0" u="none" strike="noStrike">
+                        <a:solidFill>
+                          <a:srgbClr val="000000"/>
+                        </a:solidFill>
+                        <a:effectLst/>
+                        <a:latin typeface="Calibri" panose="020F0502020204030204" pitchFamily="34" charset="0"/>
+                      </a:endParaRPr>
+                    </a:p>
+                  </a:txBody>
+                  <a:tcPr marL="65" marR="65" marT="65" marB="0" anchor="ctr"/>
+                </a:tc>
+                <a:tc>
+                  <a:txBody>
+                    <a:bodyPr/>
+                    <a:lstStyle/>
+                    <a:p>
+                      <a:pPr algn="l" fontAlgn="ctr"/>
+                      <a:r>
+                        <a:rPr lang="en-US" sz="100" u="none" strike="noStrike" dirty="0">
+                          <a:effectLst/>
+                        </a:rPr>
+                        <a:t>Not yet - subscriptions, ads</a:t>
+                      </a:r>
+                      <a:endParaRPr lang="en-US" sz="100" b="0" i="0" u="none" strike="noStrike" dirty="0">
+                        <a:solidFill>
+                          <a:srgbClr val="000000"/>
+                        </a:solidFill>
+                        <a:effectLst/>
+                        <a:latin typeface="Calibri" panose="020F0502020204030204" pitchFamily="34" charset="0"/>
+                      </a:endParaRPr>
+                    </a:p>
+                  </a:txBody>
+                  <a:tcPr marL="65" marR="65" marT="65" marB="0" anchor="ctr"/>
+                </a:tc>
+                <a:extLst>
+                  <a:ext uri="{0D108BD9-81ED-4DB2-BD59-A6C34878D82A}">
+                    <a16:rowId xmlns:a16="http://schemas.microsoft.com/office/drawing/2014/main" val="1640282254"/>
+                  </a:ext>
+                </a:extLst>
+              </a:tr>
+            </a:tbl>
+          </a:graphicData>
+        </a:graphic>
+      </p:graphicFrame>
+      <p:pic>
+        <p:nvPicPr>
+          <p:cNvPr id="5" name="Picture 4">
+            <a:extLst>
+              <a:ext uri="{FF2B5EF4-FFF2-40B4-BE49-F238E27FC236}">
+                <a16:creationId xmlns:a16="http://schemas.microsoft.com/office/drawing/2014/main" id="{88FD0CF5-B79A-4233-B855-A9AA4E6F2356}"/>
+              </a:ext>
+            </a:extLst>
+          </p:cNvPr>
+          <p:cNvPicPr>
+            <a:picLocks noChangeAspect="1"/>
+          </p:cNvPicPr>
+          <p:nvPr/>
+        </p:nvPicPr>
+        <p:blipFill>
+          <a:blip r:embed="rId7"/>
+          <a:stretch>
+            <a:fillRect/>
+          </a:stretch>
+        </p:blipFill>
+        <p:spPr>
+          <a:xfrm>
+            <a:off x="514419" y="519699"/>
+            <a:ext cx="3394972" cy="1238458"/>
+          </a:xfrm>
+          <a:prstGeom prst="rect">
+            <a:avLst/>
+          </a:prstGeom>
+        </p:spPr>
+      </p:pic>
+      <p:sp>
+        <p:nvSpPr>
+          <p:cNvPr id="9" name="TextBox 8">
+            <a:extLst>
+              <a:ext uri="{FF2B5EF4-FFF2-40B4-BE49-F238E27FC236}">
+                <a16:creationId xmlns:a16="http://schemas.microsoft.com/office/drawing/2014/main" id="{0928CC1A-76F2-4A4B-873C-AF91EC47372B}"/>
+              </a:ext>
+            </a:extLst>
+          </p:cNvPr>
+          <p:cNvSpPr txBox="1"/>
+          <p:nvPr/>
+        </p:nvSpPr>
+        <p:spPr>
+          <a:xfrm>
+            <a:off x="699961" y="2152481"/>
+            <a:ext cx="569387" cy="769441"/>
+          </a:xfrm>
+          <a:prstGeom prst="rect">
+            <a:avLst/>
+          </a:prstGeom>
+          <a:noFill/>
+        </p:spPr>
+        <p:txBody>
+          <a:bodyPr wrap="none" rtlCol="0">
+            <a:spAutoFit/>
+          </a:bodyPr>
+          <a:lstStyle/>
+          <a:p>
+            <a:r>
+              <a:rPr lang="en-US" sz="4400" dirty="0"/>
+              <a:t>   </a:t>
+            </a:r>
+          </a:p>
+        </p:txBody>
+      </p:sp>
+      <p:graphicFrame>
+        <p:nvGraphicFramePr>
+          <p:cNvPr id="6" name="Table 5">
+            <a:extLst>
+              <a:ext uri="{FF2B5EF4-FFF2-40B4-BE49-F238E27FC236}">
+                <a16:creationId xmlns:a16="http://schemas.microsoft.com/office/drawing/2014/main" id="{DB125477-7FEB-4C04-BDFF-831D71EFCC64}"/>
+              </a:ext>
+            </a:extLst>
+          </p:cNvPr>
+          <p:cNvGraphicFramePr>
+            <a:graphicFrameLocks noGrp="1"/>
+          </p:cNvGraphicFramePr>
+          <p:nvPr>
+            <p:extLst>
+              <p:ext uri="{D42A27DB-BD31-4B8C-83A1-F6EECF244321}">
+                <p14:modId xmlns:p14="http://schemas.microsoft.com/office/powerpoint/2010/main" val="4289630476"/>
+              </p:ext>
+            </p:extLst>
+          </p:nvPr>
+        </p:nvGraphicFramePr>
+        <p:xfrm>
+          <a:off x="838200" y="1973262"/>
+          <a:ext cx="10515599" cy="3829461"/>
+        </p:xfrm>
+        <a:graphic>
+          <a:graphicData uri="http://schemas.openxmlformats.org/drawingml/2006/table">
+            <a:tbl>
+              <a:tblPr>
+                <a:tableStyleId>{5C22544A-7EE6-4342-B048-85BDC9FD1C3A}</a:tableStyleId>
+              </a:tblPr>
+              <a:tblGrid>
+                <a:gridCol w="1132449">
+                  <a:extLst>
+                    <a:ext uri="{9D8B030D-6E8A-4147-A177-3AD203B41FA5}">
+                      <a16:colId xmlns:a16="http://schemas.microsoft.com/office/drawing/2014/main" val="1209879936"/>
+                    </a:ext>
+                  </a:extLst>
+                </a:gridCol>
+                <a:gridCol w="2936901">
+                  <a:extLst>
+                    <a:ext uri="{9D8B030D-6E8A-4147-A177-3AD203B41FA5}">
+                      <a16:colId xmlns:a16="http://schemas.microsoft.com/office/drawing/2014/main" val="3814970516"/>
+                    </a:ext>
+                  </a:extLst>
+                </a:gridCol>
+                <a:gridCol w="871115">
+                  <a:extLst>
+                    <a:ext uri="{9D8B030D-6E8A-4147-A177-3AD203B41FA5}">
+                      <a16:colId xmlns:a16="http://schemas.microsoft.com/office/drawing/2014/main" val="3496218378"/>
+                    </a:ext>
+                  </a:extLst>
+                </a:gridCol>
+                <a:gridCol w="871115">
+                  <a:extLst>
+                    <a:ext uri="{9D8B030D-6E8A-4147-A177-3AD203B41FA5}">
+                      <a16:colId xmlns:a16="http://schemas.microsoft.com/office/drawing/2014/main" val="2290364490"/>
+                    </a:ext>
+                  </a:extLst>
+                </a:gridCol>
+                <a:gridCol w="871115">
+                  <a:extLst>
+                    <a:ext uri="{9D8B030D-6E8A-4147-A177-3AD203B41FA5}">
+                      <a16:colId xmlns:a16="http://schemas.microsoft.com/office/drawing/2014/main" val="3791630416"/>
+                    </a:ext>
+                  </a:extLst>
+                </a:gridCol>
+                <a:gridCol w="634669">
+                  <a:extLst>
+                    <a:ext uri="{9D8B030D-6E8A-4147-A177-3AD203B41FA5}">
+                      <a16:colId xmlns:a16="http://schemas.microsoft.com/office/drawing/2014/main" val="2768015088"/>
+                    </a:ext>
+                  </a:extLst>
+                </a:gridCol>
+                <a:gridCol w="634669">
+                  <a:extLst>
+                    <a:ext uri="{9D8B030D-6E8A-4147-A177-3AD203B41FA5}">
+                      <a16:colId xmlns:a16="http://schemas.microsoft.com/office/drawing/2014/main" val="3816215228"/>
+                    </a:ext>
+                  </a:extLst>
+                </a:gridCol>
+                <a:gridCol w="634669">
+                  <a:extLst>
+                    <a:ext uri="{9D8B030D-6E8A-4147-A177-3AD203B41FA5}">
+                      <a16:colId xmlns:a16="http://schemas.microsoft.com/office/drawing/2014/main" val="3689075906"/>
+                    </a:ext>
+                  </a:extLst>
+                </a:gridCol>
+                <a:gridCol w="634669">
+                  <a:extLst>
+                    <a:ext uri="{9D8B030D-6E8A-4147-A177-3AD203B41FA5}">
+                      <a16:colId xmlns:a16="http://schemas.microsoft.com/office/drawing/2014/main" val="538722143"/>
+                    </a:ext>
+                  </a:extLst>
+                </a:gridCol>
+                <a:gridCol w="1294228">
+                  <a:extLst>
+                    <a:ext uri="{9D8B030D-6E8A-4147-A177-3AD203B41FA5}">
+                      <a16:colId xmlns:a16="http://schemas.microsoft.com/office/drawing/2014/main" val="3751842647"/>
+                    </a:ext>
+                  </a:extLst>
+                </a:gridCol>
+              </a:tblGrid>
+              <a:tr h="548235">
+                <a:tc gridSpan="10">
+                  <a:txBody>
+                    <a:bodyPr/>
+                    <a:lstStyle/>
+                    <a:p>
+                      <a:pPr algn="ctr" fontAlgn="ctr"/>
+                      <a:r>
+                        <a:rPr lang="en-US" sz="1800" u="none" strike="noStrike" dirty="0" err="1">
+                          <a:effectLst/>
+                        </a:rPr>
+                        <a:t>Fortnite</a:t>
+                      </a:r>
+                      <a:r>
+                        <a:rPr lang="en-US" sz="1800" u="none" strike="noStrike" dirty="0">
+                          <a:effectLst/>
+                        </a:rPr>
+                        <a:t> Ping Competitors</a:t>
+                      </a:r>
+                      <a:endParaRPr lang="en-US" sz="1800" b="0" i="0" u="none" strike="noStrike" dirty="0">
+                        <a:solidFill>
+                          <a:srgbClr val="000000"/>
+                        </a:solidFill>
+                        <a:effectLst/>
+                        <a:latin typeface="Calibri" panose="020F0502020204030204" pitchFamily="34" charset="0"/>
+                      </a:endParaRPr>
+                    </a:p>
+                  </a:txBody>
+                  <a:tcPr marL="6222" marR="6222" marT="6222" marB="0" anchor="ctr"/>
+                </a:tc>
+                <a:tc hMerge="1">
+                  <a:txBody>
+                    <a:bodyPr/>
+                    <a:lstStyle/>
+                    <a:p>
+                      <a:endParaRPr lang="en-US"/>
+                    </a:p>
+                  </a:txBody>
+                  <a:tcPr/>
+                </a:tc>
+                <a:tc hMerge="1">
+                  <a:txBody>
+                    <a:bodyPr/>
+                    <a:lstStyle/>
+                    <a:p>
+                      <a:endParaRPr lang="en-US"/>
+                    </a:p>
+                  </a:txBody>
+                  <a:tcPr/>
+                </a:tc>
+                <a:tc hMerge="1">
+                  <a:txBody>
+                    <a:bodyPr/>
+                    <a:lstStyle/>
+                    <a:p>
+                      <a:endParaRPr lang="en-US"/>
+                    </a:p>
+                  </a:txBody>
+                  <a:tcPr/>
+                </a:tc>
+                <a:tc hMerge="1">
+                  <a:txBody>
+                    <a:bodyPr/>
+                    <a:lstStyle/>
+                    <a:p>
+                      <a:endParaRPr lang="en-US"/>
+                    </a:p>
+                  </a:txBody>
+                  <a:tcPr/>
+                </a:tc>
+                <a:tc hMerge="1">
+                  <a:txBody>
+                    <a:bodyPr/>
+                    <a:lstStyle/>
+                    <a:p>
+                      <a:endParaRPr lang="en-US"/>
+                    </a:p>
+                  </a:txBody>
+                  <a:tcPr/>
+                </a:tc>
+                <a:tc hMerge="1">
+                  <a:txBody>
+                    <a:bodyPr/>
+                    <a:lstStyle/>
+                    <a:p>
+                      <a:endParaRPr lang="en-US"/>
+                    </a:p>
+                  </a:txBody>
+                  <a:tcPr/>
+                </a:tc>
+                <a:tc hMerge="1">
+                  <a:txBody>
+                    <a:bodyPr/>
+                    <a:lstStyle/>
+                    <a:p>
+                      <a:endParaRPr lang="en-US"/>
+                    </a:p>
+                  </a:txBody>
+                  <a:tcPr/>
+                </a:tc>
+                <a:tc hMerge="1">
+                  <a:txBody>
+                    <a:bodyPr/>
+                    <a:lstStyle/>
+                    <a:p>
+                      <a:endParaRPr lang="en-US"/>
+                    </a:p>
+                  </a:txBody>
+                  <a:tcPr/>
+                </a:tc>
+                <a:tc hMerge="1">
+                  <a:txBody>
+                    <a:bodyPr/>
+                    <a:lstStyle/>
+                    <a:p>
+                      <a:endParaRPr lang="en-US"/>
+                    </a:p>
+                  </a:txBody>
+                  <a:tcPr/>
+                </a:tc>
+                <a:extLst>
+                  <a:ext uri="{0D108BD9-81ED-4DB2-BD59-A6C34878D82A}">
+                    <a16:rowId xmlns:a16="http://schemas.microsoft.com/office/drawing/2014/main" val="339856382"/>
+                  </a:ext>
+                </a:extLst>
+              </a:tr>
+              <a:tr h="867356">
+                <a:tc>
+                  <a:txBody>
+                    <a:bodyPr/>
+                    <a:lstStyle/>
+                    <a:p>
+                      <a:pPr algn="l" fontAlgn="b"/>
+                      <a:endParaRPr lang="en-US" sz="1100" b="0" i="0" u="none" strike="noStrike">
+                        <a:solidFill>
+                          <a:srgbClr val="000000"/>
+                        </a:solidFill>
+                        <a:effectLst/>
+                        <a:latin typeface="Calibri" panose="020F0502020204030204" pitchFamily="34" charset="0"/>
+                      </a:endParaRPr>
+                    </a:p>
+                  </a:txBody>
+                  <a:tcPr marL="6222" marR="6222" marT="6222" marB="0" anchor="b"/>
+                </a:tc>
+                <a:tc>
+                  <a:txBody>
+                    <a:bodyPr/>
+                    <a:lstStyle/>
+                    <a:p>
+                      <a:pPr algn="ctr" fontAlgn="ctr"/>
+                      <a:r>
+                        <a:rPr lang="en-US" sz="1100" u="none" strike="noStrike" dirty="0">
+                          <a:effectLst/>
+                        </a:rPr>
+                        <a:t>URL</a:t>
+                      </a:r>
+                      <a:endParaRPr lang="en-US" sz="1100" b="0" i="0" u="none" strike="noStrike" dirty="0">
+                        <a:solidFill>
+                          <a:srgbClr val="000000"/>
+                        </a:solidFill>
+                        <a:effectLst/>
+                        <a:latin typeface="Calibri" panose="020F0502020204030204" pitchFamily="34" charset="0"/>
+                      </a:endParaRPr>
+                    </a:p>
+                  </a:txBody>
+                  <a:tcPr marL="6222" marR="6222" marT="6222" marB="0" anchor="ctr"/>
+                </a:tc>
+                <a:tc>
+                  <a:txBody>
+                    <a:bodyPr/>
+                    <a:lstStyle/>
+                    <a:p>
+                      <a:pPr algn="ctr" fontAlgn="ctr"/>
+                      <a:r>
+                        <a:rPr lang="en-US" sz="1100" u="none" strike="noStrike" dirty="0">
+                          <a:effectLst/>
+                        </a:rPr>
+                        <a:t>Collection Method</a:t>
+                      </a:r>
+                      <a:endParaRPr lang="en-US" sz="1100" b="0" i="0" u="none" strike="noStrike" dirty="0">
+                        <a:solidFill>
+                          <a:srgbClr val="000000"/>
+                        </a:solidFill>
+                        <a:effectLst/>
+                        <a:latin typeface="Calibri" panose="020F0502020204030204" pitchFamily="34" charset="0"/>
+                      </a:endParaRPr>
+                    </a:p>
+                  </a:txBody>
+                  <a:tcPr marL="6222" marR="6222" marT="6222" marB="0" anchor="ctr"/>
+                </a:tc>
+                <a:tc>
+                  <a:txBody>
+                    <a:bodyPr/>
+                    <a:lstStyle/>
+                    <a:p>
+                      <a:pPr algn="ctr" fontAlgn="ctr"/>
+                      <a:r>
+                        <a:rPr lang="en-US" sz="1100" u="none" strike="noStrike">
+                          <a:effectLst/>
+                        </a:rPr>
+                        <a:t>Timeliness</a:t>
+                      </a:r>
+                      <a:endParaRPr lang="en-US" sz="1100" b="0" i="0" u="none" strike="noStrike">
+                        <a:solidFill>
+                          <a:srgbClr val="000000"/>
+                        </a:solidFill>
+                        <a:effectLst/>
+                        <a:latin typeface="Calibri" panose="020F0502020204030204" pitchFamily="34" charset="0"/>
+                      </a:endParaRPr>
+                    </a:p>
+                  </a:txBody>
+                  <a:tcPr marL="6222" marR="6222" marT="6222" marB="0" anchor="ctr"/>
+                </a:tc>
+                <a:tc>
+                  <a:txBody>
+                    <a:bodyPr/>
+                    <a:lstStyle/>
+                    <a:p>
+                      <a:pPr algn="ctr" fontAlgn="ctr"/>
+                      <a:r>
+                        <a:rPr lang="en-US" sz="1100" u="none" strike="noStrike">
+                          <a:effectLst/>
+                        </a:rPr>
+                        <a:t>Compre- hensiveness</a:t>
+                      </a:r>
+                      <a:endParaRPr lang="en-US" sz="1100" b="0" i="0" u="none" strike="noStrike">
+                        <a:solidFill>
+                          <a:srgbClr val="000000"/>
+                        </a:solidFill>
+                        <a:effectLst/>
+                        <a:latin typeface="Calibri" panose="020F0502020204030204" pitchFamily="34" charset="0"/>
+                      </a:endParaRPr>
+                    </a:p>
+                  </a:txBody>
+                  <a:tcPr marL="6222" marR="6222" marT="6222" marB="0" anchor="ctr"/>
+                </a:tc>
+                <a:tc>
+                  <a:txBody>
+                    <a:bodyPr/>
+                    <a:lstStyle/>
+                    <a:p>
+                      <a:pPr algn="ctr" fontAlgn="ctr"/>
+                      <a:r>
+                        <a:rPr lang="en-US" sz="1100" u="none" strike="noStrike">
+                          <a:effectLst/>
+                        </a:rPr>
+                        <a:t>Power Rankings?</a:t>
+                      </a:r>
+                      <a:endParaRPr lang="en-US" sz="1100" b="0" i="0" u="none" strike="noStrike">
+                        <a:solidFill>
+                          <a:srgbClr val="000000"/>
+                        </a:solidFill>
+                        <a:effectLst/>
+                        <a:latin typeface="Calibri" panose="020F0502020204030204" pitchFamily="34" charset="0"/>
+                      </a:endParaRPr>
+                    </a:p>
+                  </a:txBody>
+                  <a:tcPr marL="6222" marR="6222" marT="6222" marB="0" anchor="ctr"/>
+                </a:tc>
+                <a:tc>
+                  <a:txBody>
+                    <a:bodyPr/>
+                    <a:lstStyle/>
+                    <a:p>
+                      <a:pPr algn="ctr" fontAlgn="ctr"/>
+                      <a:r>
+                        <a:rPr lang="en-US" sz="1100" u="none" strike="noStrike">
+                          <a:effectLst/>
+                        </a:rPr>
+                        <a:t>Seeds?</a:t>
+                      </a:r>
+                      <a:endParaRPr lang="en-US" sz="1100" b="0" i="0" u="none" strike="noStrike">
+                        <a:solidFill>
+                          <a:srgbClr val="000000"/>
+                        </a:solidFill>
+                        <a:effectLst/>
+                        <a:latin typeface="Calibri" panose="020F0502020204030204" pitchFamily="34" charset="0"/>
+                      </a:endParaRPr>
+                    </a:p>
+                  </a:txBody>
+                  <a:tcPr marL="6222" marR="6222" marT="6222" marB="0" anchor="ctr"/>
+                </a:tc>
+                <a:tc>
+                  <a:txBody>
+                    <a:bodyPr/>
+                    <a:lstStyle/>
+                    <a:p>
+                      <a:pPr algn="ctr" fontAlgn="ctr"/>
+                      <a:r>
+                        <a:rPr lang="en-US" sz="1100" u="none" strike="noStrike">
+                          <a:effectLst/>
+                        </a:rPr>
+                        <a:t>Player Profiles?</a:t>
+                      </a:r>
+                      <a:endParaRPr lang="en-US" sz="1100" b="0" i="0" u="none" strike="noStrike">
+                        <a:solidFill>
+                          <a:srgbClr val="000000"/>
+                        </a:solidFill>
+                        <a:effectLst/>
+                        <a:latin typeface="Calibri" panose="020F0502020204030204" pitchFamily="34" charset="0"/>
+                      </a:endParaRPr>
+                    </a:p>
+                  </a:txBody>
+                  <a:tcPr marL="6222" marR="6222" marT="6222" marB="0" anchor="ctr"/>
+                </a:tc>
+                <a:tc>
+                  <a:txBody>
+                    <a:bodyPr/>
+                    <a:lstStyle/>
+                    <a:p>
+                      <a:pPr algn="ctr" fontAlgn="ctr"/>
+                      <a:r>
+                        <a:rPr lang="en-US" sz="1100" u="none" strike="noStrike">
+                          <a:effectLst/>
+                        </a:rPr>
+                        <a:t>Team Profiles?</a:t>
+                      </a:r>
+                      <a:endParaRPr lang="en-US" sz="1100" b="0" i="0" u="none" strike="noStrike">
+                        <a:solidFill>
+                          <a:srgbClr val="000000"/>
+                        </a:solidFill>
+                        <a:effectLst/>
+                        <a:latin typeface="Calibri" panose="020F0502020204030204" pitchFamily="34" charset="0"/>
+                      </a:endParaRPr>
+                    </a:p>
+                  </a:txBody>
+                  <a:tcPr marL="6222" marR="6222" marT="6222" marB="0" anchor="ctr"/>
+                </a:tc>
+                <a:tc>
+                  <a:txBody>
+                    <a:bodyPr/>
+                    <a:lstStyle/>
+                    <a:p>
+                      <a:pPr algn="ctr" fontAlgn="ctr"/>
+                      <a:r>
+                        <a:rPr lang="en-US" sz="1100" u="none" strike="noStrike">
+                          <a:effectLst/>
+                        </a:rPr>
+                        <a:t>Revenue model(s)</a:t>
+                      </a:r>
+                      <a:endParaRPr lang="en-US" sz="1100" b="0" i="0" u="none" strike="noStrike">
+                        <a:solidFill>
+                          <a:srgbClr val="000000"/>
+                        </a:solidFill>
+                        <a:effectLst/>
+                        <a:latin typeface="Calibri" panose="020F0502020204030204" pitchFamily="34" charset="0"/>
+                      </a:endParaRPr>
+                    </a:p>
+                  </a:txBody>
+                  <a:tcPr marL="6222" marR="6222" marT="6222" marB="0" anchor="ctr"/>
+                </a:tc>
+                <a:extLst>
+                  <a:ext uri="{0D108BD9-81ED-4DB2-BD59-A6C34878D82A}">
+                    <a16:rowId xmlns:a16="http://schemas.microsoft.com/office/drawing/2014/main" val="1545554537"/>
+                  </a:ext>
+                </a:extLst>
+              </a:tr>
+              <a:tr h="482774">
+                <a:tc>
+                  <a:txBody>
+                    <a:bodyPr/>
+                    <a:lstStyle/>
+                    <a:p>
+                      <a:pPr algn="l" fontAlgn="ctr"/>
+                      <a:r>
+                        <a:rPr lang="en-US" sz="1100" u="none" strike="noStrike">
+                          <a:effectLst/>
+                        </a:rPr>
+                        <a:t>Epic Competitive  Website</a:t>
+                      </a:r>
+                      <a:endParaRPr lang="en-US" sz="1100" b="0" i="0" u="none" strike="noStrike">
+                        <a:solidFill>
+                          <a:srgbClr val="000000"/>
+                        </a:solidFill>
+                        <a:effectLst/>
+                        <a:latin typeface="Calibri" panose="020F0502020204030204" pitchFamily="34" charset="0"/>
+                      </a:endParaRPr>
+                    </a:p>
+                  </a:txBody>
+                  <a:tcPr marL="6222" marR="6222" marT="6222" marB="0" anchor="ctr"/>
+                </a:tc>
+                <a:tc>
+                  <a:txBody>
+                    <a:bodyPr/>
+                    <a:lstStyle/>
+                    <a:p>
+                      <a:pPr algn="l" fontAlgn="ctr"/>
+                      <a:r>
+                        <a:rPr lang="en-US" sz="1100" u="sng" strike="noStrike">
+                          <a:effectLst/>
+                          <a:hlinkClick r:id="rId2"/>
+                        </a:rPr>
+                        <a:t>epicgames.com/fortnite/competitive/en-US/home</a:t>
+                      </a:r>
+                      <a:endParaRPr lang="en-US" sz="1100" b="0" i="0" u="sng" strike="noStrike">
+                        <a:solidFill>
+                          <a:srgbClr val="0000FF"/>
+                        </a:solidFill>
+                        <a:effectLst/>
+                        <a:latin typeface="Calibri" panose="020F0502020204030204" pitchFamily="34" charset="0"/>
+                      </a:endParaRPr>
+                    </a:p>
+                  </a:txBody>
+                  <a:tcPr marL="6222" marR="6222" marT="6222" marB="0" anchor="ctr"/>
+                </a:tc>
+                <a:tc>
+                  <a:txBody>
+                    <a:bodyPr/>
+                    <a:lstStyle/>
+                    <a:p>
+                      <a:pPr algn="l" fontAlgn="ctr"/>
+                      <a:r>
+                        <a:rPr lang="en-US" sz="1100" u="none" strike="noStrike">
+                          <a:effectLst/>
+                        </a:rPr>
+                        <a:t>Automated</a:t>
+                      </a:r>
+                      <a:endParaRPr lang="en-US" sz="1100" b="0" i="0" u="none" strike="noStrike">
+                        <a:solidFill>
+                          <a:srgbClr val="000000"/>
+                        </a:solidFill>
+                        <a:effectLst/>
+                        <a:latin typeface="Calibri" panose="020F0502020204030204" pitchFamily="34" charset="0"/>
+                      </a:endParaRPr>
+                    </a:p>
+                  </a:txBody>
+                  <a:tcPr marL="6222" marR="6222" marT="6222" marB="0" anchor="ctr"/>
+                </a:tc>
+                <a:tc>
+                  <a:txBody>
+                    <a:bodyPr/>
+                    <a:lstStyle/>
+                    <a:p>
+                      <a:pPr algn="l" fontAlgn="ctr"/>
+                      <a:r>
+                        <a:rPr lang="en-US" sz="1100" u="none" strike="noStrike">
+                          <a:effectLst/>
+                        </a:rPr>
+                        <a:t>Near real time</a:t>
+                      </a:r>
+                      <a:endParaRPr lang="en-US" sz="1100" b="0" i="0" u="none" strike="noStrike">
+                        <a:solidFill>
+                          <a:srgbClr val="000000"/>
+                        </a:solidFill>
+                        <a:effectLst/>
+                        <a:latin typeface="Calibri" panose="020F0502020204030204" pitchFamily="34" charset="0"/>
+                      </a:endParaRPr>
+                    </a:p>
+                  </a:txBody>
+                  <a:tcPr marL="6222" marR="6222" marT="6222" marB="0" anchor="ctr"/>
+                </a:tc>
+                <a:tc>
+                  <a:txBody>
+                    <a:bodyPr/>
+                    <a:lstStyle/>
+                    <a:p>
+                      <a:pPr algn="l" fontAlgn="ctr"/>
+                      <a:r>
+                        <a:rPr lang="en-US" sz="1100" u="none" strike="noStrike">
+                          <a:effectLst/>
+                        </a:rPr>
+                        <a:t>Major Events</a:t>
+                      </a:r>
+                      <a:endParaRPr lang="en-US" sz="1100" b="0" i="0" u="none" strike="noStrike">
+                        <a:solidFill>
+                          <a:srgbClr val="000000"/>
+                        </a:solidFill>
+                        <a:effectLst/>
+                        <a:latin typeface="Calibri" panose="020F0502020204030204" pitchFamily="34" charset="0"/>
+                      </a:endParaRPr>
+                    </a:p>
+                  </a:txBody>
+                  <a:tcPr marL="6222" marR="6222" marT="6222" marB="0" anchor="ctr"/>
+                </a:tc>
+                <a:tc>
+                  <a:txBody>
+                    <a:bodyPr/>
+                    <a:lstStyle/>
+                    <a:p>
+                      <a:pPr algn="l" fontAlgn="ctr"/>
+                      <a:r>
+                        <a:rPr lang="en-US" sz="1100" u="none" strike="noStrike">
+                          <a:effectLst/>
+                        </a:rPr>
+                        <a:t>No</a:t>
+                      </a:r>
+                      <a:endParaRPr lang="en-US" sz="1100" b="0" i="0" u="none" strike="noStrike">
+                        <a:solidFill>
+                          <a:srgbClr val="000000"/>
+                        </a:solidFill>
+                        <a:effectLst/>
+                        <a:latin typeface="Calibri" panose="020F0502020204030204" pitchFamily="34" charset="0"/>
+                      </a:endParaRPr>
+                    </a:p>
+                  </a:txBody>
+                  <a:tcPr marL="6222" marR="6222" marT="6222" marB="0" anchor="ctr"/>
+                </a:tc>
+                <a:tc>
+                  <a:txBody>
+                    <a:bodyPr/>
+                    <a:lstStyle/>
+                    <a:p>
+                      <a:pPr algn="l" fontAlgn="ctr"/>
+                      <a:r>
+                        <a:rPr lang="en-US" sz="1100" u="none" strike="noStrike">
+                          <a:effectLst/>
+                        </a:rPr>
+                        <a:t>No</a:t>
+                      </a:r>
+                      <a:endParaRPr lang="en-US" sz="1100" b="0" i="0" u="none" strike="noStrike">
+                        <a:solidFill>
+                          <a:srgbClr val="000000"/>
+                        </a:solidFill>
+                        <a:effectLst/>
+                        <a:latin typeface="Calibri" panose="020F0502020204030204" pitchFamily="34" charset="0"/>
+                      </a:endParaRPr>
+                    </a:p>
+                  </a:txBody>
+                  <a:tcPr marL="6222" marR="6222" marT="6222" marB="0" anchor="ctr"/>
+                </a:tc>
+                <a:tc>
+                  <a:txBody>
+                    <a:bodyPr/>
+                    <a:lstStyle/>
+                    <a:p>
+                      <a:pPr algn="l" fontAlgn="ctr"/>
+                      <a:r>
+                        <a:rPr lang="en-US" sz="1100" u="none" strike="noStrike">
+                          <a:effectLst/>
+                        </a:rPr>
+                        <a:t>No</a:t>
+                      </a:r>
+                      <a:endParaRPr lang="en-US" sz="1100" b="0" i="0" u="none" strike="noStrike">
+                        <a:solidFill>
+                          <a:srgbClr val="000000"/>
+                        </a:solidFill>
+                        <a:effectLst/>
+                        <a:latin typeface="Calibri" panose="020F0502020204030204" pitchFamily="34" charset="0"/>
+                      </a:endParaRPr>
+                    </a:p>
+                  </a:txBody>
+                  <a:tcPr marL="6222" marR="6222" marT="6222" marB="0" anchor="ctr"/>
+                </a:tc>
+                <a:tc>
+                  <a:txBody>
+                    <a:bodyPr/>
+                    <a:lstStyle/>
+                    <a:p>
+                      <a:pPr algn="l" fontAlgn="ctr"/>
+                      <a:r>
+                        <a:rPr lang="en-US" sz="1100" u="none" strike="noStrike">
+                          <a:effectLst/>
+                        </a:rPr>
+                        <a:t>No</a:t>
+                      </a:r>
+                      <a:endParaRPr lang="en-US" sz="1100" b="0" i="0" u="none" strike="noStrike">
+                        <a:solidFill>
+                          <a:srgbClr val="000000"/>
+                        </a:solidFill>
+                        <a:effectLst/>
+                        <a:latin typeface="Calibri" panose="020F0502020204030204" pitchFamily="34" charset="0"/>
+                      </a:endParaRPr>
+                    </a:p>
+                  </a:txBody>
+                  <a:tcPr marL="6222" marR="6222" marT="6222" marB="0" anchor="ctr"/>
+                </a:tc>
+                <a:tc>
+                  <a:txBody>
+                    <a:bodyPr/>
+                    <a:lstStyle/>
+                    <a:p>
+                      <a:pPr algn="l" fontAlgn="ctr"/>
+                      <a:r>
+                        <a:rPr lang="en-US" sz="1100" u="none" strike="noStrike">
+                          <a:effectLst/>
+                        </a:rPr>
+                        <a:t>N/A</a:t>
+                      </a:r>
+                      <a:endParaRPr lang="en-US" sz="1100" b="0" i="0" u="none" strike="noStrike">
+                        <a:solidFill>
+                          <a:srgbClr val="000000"/>
+                        </a:solidFill>
+                        <a:effectLst/>
+                        <a:latin typeface="Calibri" panose="020F0502020204030204" pitchFamily="34" charset="0"/>
+                      </a:endParaRPr>
+                    </a:p>
+                  </a:txBody>
+                  <a:tcPr marL="6222" marR="6222" marT="6222" marB="0" anchor="ctr"/>
+                </a:tc>
+                <a:extLst>
+                  <a:ext uri="{0D108BD9-81ED-4DB2-BD59-A6C34878D82A}">
+                    <a16:rowId xmlns:a16="http://schemas.microsoft.com/office/drawing/2014/main" val="2697740408"/>
+                  </a:ext>
+                </a:extLst>
+              </a:tr>
+              <a:tr h="482774">
+                <a:tc>
+                  <a:txBody>
+                    <a:bodyPr/>
+                    <a:lstStyle/>
+                    <a:p>
+                      <a:pPr algn="l" fontAlgn="ctr"/>
+                      <a:r>
+                        <a:rPr lang="en-US" sz="1100" u="none" strike="noStrike">
+                          <a:effectLst/>
+                        </a:rPr>
+                        <a:t>Fortnite Tracker Network</a:t>
+                      </a:r>
+                      <a:endParaRPr lang="en-US" sz="1100" b="0" i="0" u="none" strike="noStrike">
+                        <a:solidFill>
+                          <a:srgbClr val="000000"/>
+                        </a:solidFill>
+                        <a:effectLst/>
+                        <a:latin typeface="Calibri" panose="020F0502020204030204" pitchFamily="34" charset="0"/>
+                      </a:endParaRPr>
+                    </a:p>
+                  </a:txBody>
+                  <a:tcPr marL="6222" marR="6222" marT="6222" marB="0" anchor="ctr"/>
+                </a:tc>
+                <a:tc>
+                  <a:txBody>
+                    <a:bodyPr/>
+                    <a:lstStyle/>
+                    <a:p>
+                      <a:pPr algn="l" fontAlgn="ctr"/>
+                      <a:r>
+                        <a:rPr lang="en-US" sz="1100" u="sng" strike="noStrike">
+                          <a:effectLst/>
+                          <a:hlinkClick r:id="rId3"/>
+                        </a:rPr>
+                        <a:t>fortnitetracker.com/events</a:t>
+                      </a:r>
+                      <a:endParaRPr lang="en-US" sz="1100" b="0" i="0" u="sng" strike="noStrike">
+                        <a:solidFill>
+                          <a:srgbClr val="0000FF"/>
+                        </a:solidFill>
+                        <a:effectLst/>
+                        <a:latin typeface="Calibri" panose="020F0502020204030204" pitchFamily="34" charset="0"/>
+                      </a:endParaRPr>
+                    </a:p>
+                  </a:txBody>
+                  <a:tcPr marL="6222" marR="6222" marT="6222" marB="0" anchor="ctr"/>
+                </a:tc>
+                <a:tc>
+                  <a:txBody>
+                    <a:bodyPr/>
+                    <a:lstStyle/>
+                    <a:p>
+                      <a:pPr algn="l" fontAlgn="ctr"/>
+                      <a:r>
+                        <a:rPr lang="en-US" sz="1100" u="none" strike="noStrike">
+                          <a:effectLst/>
+                        </a:rPr>
+                        <a:t>Automated</a:t>
+                      </a:r>
+                      <a:endParaRPr lang="en-US" sz="1100" b="0" i="0" u="none" strike="noStrike">
+                        <a:solidFill>
+                          <a:srgbClr val="000000"/>
+                        </a:solidFill>
+                        <a:effectLst/>
+                        <a:latin typeface="Calibri" panose="020F0502020204030204" pitchFamily="34" charset="0"/>
+                      </a:endParaRPr>
+                    </a:p>
+                  </a:txBody>
+                  <a:tcPr marL="6222" marR="6222" marT="6222" marB="0" anchor="ctr"/>
+                </a:tc>
+                <a:tc>
+                  <a:txBody>
+                    <a:bodyPr/>
+                    <a:lstStyle/>
+                    <a:p>
+                      <a:pPr algn="l" fontAlgn="ctr"/>
+                      <a:r>
+                        <a:rPr lang="en-US" sz="1100" u="none" strike="noStrike">
+                          <a:effectLst/>
+                        </a:rPr>
+                        <a:t>Near real time</a:t>
+                      </a:r>
+                      <a:endParaRPr lang="en-US" sz="1100" b="0" i="0" u="none" strike="noStrike">
+                        <a:solidFill>
+                          <a:srgbClr val="000000"/>
+                        </a:solidFill>
+                        <a:effectLst/>
+                        <a:latin typeface="Calibri" panose="020F0502020204030204" pitchFamily="34" charset="0"/>
+                      </a:endParaRPr>
+                    </a:p>
+                  </a:txBody>
+                  <a:tcPr marL="6222" marR="6222" marT="6222" marB="0" anchor="ctr"/>
+                </a:tc>
+                <a:tc>
+                  <a:txBody>
+                    <a:bodyPr/>
+                    <a:lstStyle/>
+                    <a:p>
+                      <a:pPr algn="l" fontAlgn="ctr"/>
+                      <a:r>
+                        <a:rPr lang="en-US" sz="1100" u="none" strike="noStrike">
+                          <a:effectLst/>
+                        </a:rPr>
+                        <a:t>Major Events</a:t>
+                      </a:r>
+                      <a:endParaRPr lang="en-US" sz="1100" b="0" i="0" u="none" strike="noStrike">
+                        <a:solidFill>
+                          <a:srgbClr val="000000"/>
+                        </a:solidFill>
+                        <a:effectLst/>
+                        <a:latin typeface="Calibri" panose="020F0502020204030204" pitchFamily="34" charset="0"/>
+                      </a:endParaRPr>
+                    </a:p>
+                  </a:txBody>
+                  <a:tcPr marL="6222" marR="6222" marT="6222" marB="0" anchor="ctr"/>
+                </a:tc>
+                <a:tc>
+                  <a:txBody>
+                    <a:bodyPr/>
+                    <a:lstStyle/>
+                    <a:p>
+                      <a:pPr algn="l" fontAlgn="ctr"/>
+                      <a:r>
+                        <a:rPr lang="en-US" sz="1100" u="none" strike="noStrike">
+                          <a:effectLst/>
+                        </a:rPr>
+                        <a:t>No</a:t>
+                      </a:r>
+                      <a:endParaRPr lang="en-US" sz="1100" b="0" i="0" u="none" strike="noStrike">
+                        <a:solidFill>
+                          <a:srgbClr val="000000"/>
+                        </a:solidFill>
+                        <a:effectLst/>
+                        <a:latin typeface="Calibri" panose="020F0502020204030204" pitchFamily="34" charset="0"/>
+                      </a:endParaRPr>
+                    </a:p>
+                  </a:txBody>
+                  <a:tcPr marL="6222" marR="6222" marT="6222" marB="0" anchor="ctr"/>
+                </a:tc>
+                <a:tc>
+                  <a:txBody>
+                    <a:bodyPr/>
+                    <a:lstStyle/>
+                    <a:p>
+                      <a:pPr algn="l" fontAlgn="ctr"/>
+                      <a:r>
+                        <a:rPr lang="en-US" sz="1100" u="none" strike="noStrike">
+                          <a:effectLst/>
+                        </a:rPr>
+                        <a:t>No</a:t>
+                      </a:r>
+                      <a:endParaRPr lang="en-US" sz="1100" b="0" i="0" u="none" strike="noStrike">
+                        <a:solidFill>
+                          <a:srgbClr val="000000"/>
+                        </a:solidFill>
+                        <a:effectLst/>
+                        <a:latin typeface="Calibri" panose="020F0502020204030204" pitchFamily="34" charset="0"/>
+                      </a:endParaRPr>
+                    </a:p>
+                  </a:txBody>
+                  <a:tcPr marL="6222" marR="6222" marT="6222" marB="0" anchor="ctr"/>
+                </a:tc>
+                <a:tc>
+                  <a:txBody>
+                    <a:bodyPr/>
+                    <a:lstStyle/>
+                    <a:p>
+                      <a:pPr algn="l" fontAlgn="ctr"/>
+                      <a:r>
+                        <a:rPr lang="en-US" sz="1100" u="none" strike="noStrike">
+                          <a:effectLst/>
+                        </a:rPr>
+                        <a:t>Yes</a:t>
+                      </a:r>
+                      <a:endParaRPr lang="en-US" sz="1100" b="0" i="0" u="none" strike="noStrike">
+                        <a:solidFill>
+                          <a:srgbClr val="000000"/>
+                        </a:solidFill>
+                        <a:effectLst/>
+                        <a:latin typeface="Calibri" panose="020F0502020204030204" pitchFamily="34" charset="0"/>
+                      </a:endParaRPr>
+                    </a:p>
+                  </a:txBody>
+                  <a:tcPr marL="6222" marR="6222" marT="6222" marB="0" anchor="ctr"/>
+                </a:tc>
+                <a:tc>
+                  <a:txBody>
+                    <a:bodyPr/>
+                    <a:lstStyle/>
+                    <a:p>
+                      <a:pPr algn="l" fontAlgn="ctr"/>
+                      <a:r>
+                        <a:rPr lang="en-US" sz="1100" u="none" strike="noStrike">
+                          <a:effectLst/>
+                        </a:rPr>
+                        <a:t>Yes</a:t>
+                      </a:r>
+                      <a:endParaRPr lang="en-US" sz="1100" b="0" i="0" u="none" strike="noStrike">
+                        <a:solidFill>
+                          <a:srgbClr val="000000"/>
+                        </a:solidFill>
+                        <a:effectLst/>
+                        <a:latin typeface="Calibri" panose="020F0502020204030204" pitchFamily="34" charset="0"/>
+                      </a:endParaRPr>
+                    </a:p>
+                  </a:txBody>
+                  <a:tcPr marL="6222" marR="6222" marT="6222" marB="0" anchor="ctr"/>
+                </a:tc>
+                <a:tc>
+                  <a:txBody>
+                    <a:bodyPr/>
+                    <a:lstStyle/>
+                    <a:p>
+                      <a:pPr algn="l" fontAlgn="ctr"/>
+                      <a:r>
+                        <a:rPr lang="en-US" sz="1100" u="none" strike="noStrike">
+                          <a:effectLst/>
+                        </a:rPr>
+                        <a:t>Ad Network, subscriptions</a:t>
+                      </a:r>
+                      <a:endParaRPr lang="en-US" sz="1100" b="0" i="0" u="none" strike="noStrike">
+                        <a:solidFill>
+                          <a:srgbClr val="000000"/>
+                        </a:solidFill>
+                        <a:effectLst/>
+                        <a:latin typeface="Calibri" panose="020F0502020204030204" pitchFamily="34" charset="0"/>
+                      </a:endParaRPr>
+                    </a:p>
+                  </a:txBody>
+                  <a:tcPr marL="6222" marR="6222" marT="6222" marB="0" anchor="ctr"/>
+                </a:tc>
+                <a:extLst>
+                  <a:ext uri="{0D108BD9-81ED-4DB2-BD59-A6C34878D82A}">
+                    <a16:rowId xmlns:a16="http://schemas.microsoft.com/office/drawing/2014/main" val="14046976"/>
+                  </a:ext>
+                </a:extLst>
+              </a:tr>
+              <a:tr h="482774">
+                <a:tc>
+                  <a:txBody>
+                    <a:bodyPr/>
+                    <a:lstStyle/>
+                    <a:p>
+                      <a:pPr algn="l" fontAlgn="ctr"/>
+                      <a:r>
+                        <a:rPr lang="en-US" sz="1100" u="none" strike="noStrike">
+                          <a:effectLst/>
+                        </a:rPr>
+                        <a:t>Gamepedia</a:t>
+                      </a:r>
+                      <a:endParaRPr lang="en-US" sz="1100" b="0" i="0" u="none" strike="noStrike">
+                        <a:solidFill>
+                          <a:srgbClr val="000000"/>
+                        </a:solidFill>
+                        <a:effectLst/>
+                        <a:latin typeface="Calibri" panose="020F0502020204030204" pitchFamily="34" charset="0"/>
+                      </a:endParaRPr>
+                    </a:p>
+                  </a:txBody>
+                  <a:tcPr marL="6222" marR="6222" marT="6222" marB="0" anchor="ctr"/>
+                </a:tc>
+                <a:tc>
+                  <a:txBody>
+                    <a:bodyPr/>
+                    <a:lstStyle/>
+                    <a:p>
+                      <a:pPr algn="l" fontAlgn="ctr"/>
+                      <a:r>
+                        <a:rPr lang="en-US" sz="1100" u="sng" strike="noStrike">
+                          <a:effectLst/>
+                          <a:hlinkClick r:id="rId4"/>
+                        </a:rPr>
+                        <a:t>fortnite-esports.gamepedia.com/Power_Rankings</a:t>
+                      </a:r>
+                      <a:endParaRPr lang="en-US" sz="1100" b="0" i="0" u="sng" strike="noStrike">
+                        <a:solidFill>
+                          <a:srgbClr val="0000FF"/>
+                        </a:solidFill>
+                        <a:effectLst/>
+                        <a:latin typeface="Calibri" panose="020F0502020204030204" pitchFamily="34" charset="0"/>
+                      </a:endParaRPr>
+                    </a:p>
+                  </a:txBody>
+                  <a:tcPr marL="6222" marR="6222" marT="6222" marB="0" anchor="ctr"/>
+                </a:tc>
+                <a:tc>
+                  <a:txBody>
+                    <a:bodyPr/>
+                    <a:lstStyle/>
+                    <a:p>
+                      <a:pPr algn="l" fontAlgn="ctr"/>
+                      <a:r>
+                        <a:rPr lang="en-US" sz="1100" u="none" strike="noStrike">
+                          <a:effectLst/>
+                        </a:rPr>
+                        <a:t>Crowd- sourced</a:t>
+                      </a:r>
+                      <a:endParaRPr lang="en-US" sz="1100" b="0" i="0" u="none" strike="noStrike">
+                        <a:solidFill>
+                          <a:srgbClr val="000000"/>
+                        </a:solidFill>
+                        <a:effectLst/>
+                        <a:latin typeface="Calibri" panose="020F0502020204030204" pitchFamily="34" charset="0"/>
+                      </a:endParaRPr>
+                    </a:p>
+                  </a:txBody>
+                  <a:tcPr marL="6222" marR="6222" marT="6222" marB="0" anchor="ctr"/>
+                </a:tc>
+                <a:tc>
+                  <a:txBody>
+                    <a:bodyPr/>
+                    <a:lstStyle/>
+                    <a:p>
+                      <a:pPr algn="l" fontAlgn="ctr"/>
+                      <a:r>
+                        <a:rPr lang="en-US" sz="1100" u="none" strike="noStrike">
+                          <a:effectLst/>
+                        </a:rPr>
+                        <a:t>Laggy, Incomplete</a:t>
+                      </a:r>
+                      <a:endParaRPr lang="en-US" sz="1100" b="0" i="0" u="none" strike="noStrike">
+                        <a:solidFill>
+                          <a:srgbClr val="000000"/>
+                        </a:solidFill>
+                        <a:effectLst/>
+                        <a:latin typeface="Calibri" panose="020F0502020204030204" pitchFamily="34" charset="0"/>
+                      </a:endParaRPr>
+                    </a:p>
+                  </a:txBody>
+                  <a:tcPr marL="6222" marR="6222" marT="6222" marB="0" anchor="ctr"/>
+                </a:tc>
+                <a:tc>
+                  <a:txBody>
+                    <a:bodyPr/>
+                    <a:lstStyle/>
+                    <a:p>
+                      <a:pPr algn="l" fontAlgn="ctr"/>
+                      <a:r>
+                        <a:rPr lang="en-US" sz="1100" u="none" strike="noStrike">
+                          <a:effectLst/>
+                        </a:rPr>
+                        <a:t>All events</a:t>
+                      </a:r>
+                      <a:endParaRPr lang="en-US" sz="1100" b="0" i="0" u="none" strike="noStrike">
+                        <a:solidFill>
+                          <a:srgbClr val="000000"/>
+                        </a:solidFill>
+                        <a:effectLst/>
+                        <a:latin typeface="Calibri" panose="020F0502020204030204" pitchFamily="34" charset="0"/>
+                      </a:endParaRPr>
+                    </a:p>
+                  </a:txBody>
+                  <a:tcPr marL="6222" marR="6222" marT="6222" marB="0" anchor="ctr"/>
+                </a:tc>
+                <a:tc>
+                  <a:txBody>
+                    <a:bodyPr/>
+                    <a:lstStyle/>
+                    <a:p>
+                      <a:pPr algn="l" fontAlgn="ctr"/>
+                      <a:r>
+                        <a:rPr lang="en-US" sz="1100" u="none" strike="noStrike">
+                          <a:effectLst/>
+                        </a:rPr>
+                        <a:t>Yes</a:t>
+                      </a:r>
+                      <a:endParaRPr lang="en-US" sz="1100" b="0" i="0" u="none" strike="noStrike">
+                        <a:solidFill>
+                          <a:srgbClr val="000000"/>
+                        </a:solidFill>
+                        <a:effectLst/>
+                        <a:latin typeface="Calibri" panose="020F0502020204030204" pitchFamily="34" charset="0"/>
+                      </a:endParaRPr>
+                    </a:p>
+                  </a:txBody>
+                  <a:tcPr marL="6222" marR="6222" marT="6222" marB="0" anchor="ctr"/>
+                </a:tc>
+                <a:tc>
+                  <a:txBody>
+                    <a:bodyPr/>
+                    <a:lstStyle/>
+                    <a:p>
+                      <a:pPr algn="l" fontAlgn="ctr"/>
+                      <a:r>
+                        <a:rPr lang="en-US" sz="1100" u="none" strike="noStrike">
+                          <a:effectLst/>
+                        </a:rPr>
+                        <a:t>No</a:t>
+                      </a:r>
+                      <a:endParaRPr lang="en-US" sz="1100" b="0" i="0" u="none" strike="noStrike">
+                        <a:solidFill>
+                          <a:srgbClr val="000000"/>
+                        </a:solidFill>
+                        <a:effectLst/>
+                        <a:latin typeface="Calibri" panose="020F0502020204030204" pitchFamily="34" charset="0"/>
+                      </a:endParaRPr>
+                    </a:p>
+                  </a:txBody>
+                  <a:tcPr marL="6222" marR="6222" marT="6222" marB="0" anchor="ctr"/>
+                </a:tc>
+                <a:tc>
+                  <a:txBody>
+                    <a:bodyPr/>
+                    <a:lstStyle/>
+                    <a:p>
+                      <a:pPr algn="l" fontAlgn="ctr"/>
+                      <a:r>
+                        <a:rPr lang="en-US" sz="1100" u="none" strike="noStrike">
+                          <a:effectLst/>
+                        </a:rPr>
+                        <a:t>Yes</a:t>
+                      </a:r>
+                      <a:endParaRPr lang="en-US" sz="1100" b="0" i="0" u="none" strike="noStrike">
+                        <a:solidFill>
+                          <a:srgbClr val="000000"/>
+                        </a:solidFill>
+                        <a:effectLst/>
+                        <a:latin typeface="Calibri" panose="020F0502020204030204" pitchFamily="34" charset="0"/>
+                      </a:endParaRPr>
+                    </a:p>
+                  </a:txBody>
+                  <a:tcPr marL="6222" marR="6222" marT="6222" marB="0" anchor="ctr"/>
+                </a:tc>
+                <a:tc>
+                  <a:txBody>
+                    <a:bodyPr/>
+                    <a:lstStyle/>
+                    <a:p>
+                      <a:pPr algn="l" fontAlgn="ctr"/>
+                      <a:r>
+                        <a:rPr lang="en-US" sz="1100" u="none" strike="noStrike">
+                          <a:effectLst/>
+                        </a:rPr>
+                        <a:t>Yes</a:t>
+                      </a:r>
+                      <a:endParaRPr lang="en-US" sz="1100" b="0" i="0" u="none" strike="noStrike">
+                        <a:solidFill>
+                          <a:srgbClr val="000000"/>
+                        </a:solidFill>
+                        <a:effectLst/>
+                        <a:latin typeface="Calibri" panose="020F0502020204030204" pitchFamily="34" charset="0"/>
+                      </a:endParaRPr>
+                    </a:p>
+                  </a:txBody>
+                  <a:tcPr marL="6222" marR="6222" marT="6222" marB="0" anchor="ctr"/>
+                </a:tc>
+                <a:tc>
+                  <a:txBody>
+                    <a:bodyPr/>
+                    <a:lstStyle/>
+                    <a:p>
+                      <a:pPr algn="l" fontAlgn="ctr"/>
+                      <a:r>
+                        <a:rPr lang="en-US" sz="1100" u="none" strike="noStrike">
+                          <a:effectLst/>
+                        </a:rPr>
+                        <a:t>Ad Network</a:t>
+                      </a:r>
+                      <a:endParaRPr lang="en-US" sz="1100" b="0" i="0" u="none" strike="noStrike">
+                        <a:solidFill>
+                          <a:srgbClr val="000000"/>
+                        </a:solidFill>
+                        <a:effectLst/>
+                        <a:latin typeface="Calibri" panose="020F0502020204030204" pitchFamily="34" charset="0"/>
+                      </a:endParaRPr>
+                    </a:p>
+                  </a:txBody>
+                  <a:tcPr marL="6222" marR="6222" marT="6222" marB="0" anchor="ctr"/>
+                </a:tc>
+                <a:extLst>
+                  <a:ext uri="{0D108BD9-81ED-4DB2-BD59-A6C34878D82A}">
+                    <a16:rowId xmlns:a16="http://schemas.microsoft.com/office/drawing/2014/main" val="1198245928"/>
+                  </a:ext>
+                </a:extLst>
+              </a:tr>
+              <a:tr h="482774">
+                <a:tc>
+                  <a:txBody>
+                    <a:bodyPr/>
+                    <a:lstStyle/>
+                    <a:p>
+                      <a:pPr algn="l" fontAlgn="ctr"/>
+                      <a:r>
+                        <a:rPr lang="en-US" sz="1100" u="none" strike="noStrike">
+                          <a:effectLst/>
+                        </a:rPr>
+                        <a:t>Esports Earnings</a:t>
+                      </a:r>
+                      <a:endParaRPr lang="en-US" sz="1100" b="0" i="0" u="none" strike="noStrike">
+                        <a:solidFill>
+                          <a:srgbClr val="000000"/>
+                        </a:solidFill>
+                        <a:effectLst/>
+                        <a:latin typeface="Calibri" panose="020F0502020204030204" pitchFamily="34" charset="0"/>
+                      </a:endParaRPr>
+                    </a:p>
+                  </a:txBody>
+                  <a:tcPr marL="6222" marR="6222" marT="6222" marB="0" anchor="ctr"/>
+                </a:tc>
+                <a:tc>
+                  <a:txBody>
+                    <a:bodyPr/>
+                    <a:lstStyle/>
+                    <a:p>
+                      <a:pPr algn="l" fontAlgn="ctr"/>
+                      <a:r>
+                        <a:rPr lang="en-US" sz="1100" u="sng" strike="noStrike">
+                          <a:effectLst/>
+                          <a:hlinkClick r:id="rId5"/>
+                        </a:rPr>
+                        <a:t>esportsearnings.com/games/534-fortnite</a:t>
+                      </a:r>
+                      <a:endParaRPr lang="en-US" sz="1100" b="0" i="0" u="sng" strike="noStrike">
+                        <a:solidFill>
+                          <a:srgbClr val="0000FF"/>
+                        </a:solidFill>
+                        <a:effectLst/>
+                        <a:latin typeface="Calibri" panose="020F0502020204030204" pitchFamily="34" charset="0"/>
+                      </a:endParaRPr>
+                    </a:p>
+                  </a:txBody>
+                  <a:tcPr marL="6222" marR="6222" marT="6222" marB="0" anchor="ctr"/>
+                </a:tc>
+                <a:tc>
+                  <a:txBody>
+                    <a:bodyPr/>
+                    <a:lstStyle/>
+                    <a:p>
+                      <a:pPr algn="l" fontAlgn="ctr"/>
+                      <a:r>
+                        <a:rPr lang="en-US" sz="1100" u="none" strike="noStrike" dirty="0">
+                          <a:effectLst/>
+                        </a:rPr>
+                        <a:t>Crowd- sourced</a:t>
+                      </a:r>
+                      <a:endParaRPr lang="en-US" sz="1100" b="0" i="0" u="none" strike="noStrike" dirty="0">
+                        <a:solidFill>
+                          <a:srgbClr val="000000"/>
+                        </a:solidFill>
+                        <a:effectLst/>
+                        <a:latin typeface="Calibri" panose="020F0502020204030204" pitchFamily="34" charset="0"/>
+                      </a:endParaRPr>
+                    </a:p>
+                  </a:txBody>
+                  <a:tcPr marL="6222" marR="6222" marT="6222" marB="0" anchor="ctr"/>
+                </a:tc>
+                <a:tc>
+                  <a:txBody>
+                    <a:bodyPr/>
+                    <a:lstStyle/>
+                    <a:p>
+                      <a:pPr algn="l" fontAlgn="ctr"/>
+                      <a:r>
+                        <a:rPr lang="en-US" sz="1100" u="none" strike="noStrike">
+                          <a:effectLst/>
+                        </a:rPr>
+                        <a:t>Laggy, Incomplete</a:t>
+                      </a:r>
+                      <a:endParaRPr lang="en-US" sz="1100" b="0" i="0" u="none" strike="noStrike">
+                        <a:solidFill>
+                          <a:srgbClr val="000000"/>
+                        </a:solidFill>
+                        <a:effectLst/>
+                        <a:latin typeface="Calibri" panose="020F0502020204030204" pitchFamily="34" charset="0"/>
+                      </a:endParaRPr>
+                    </a:p>
+                  </a:txBody>
+                  <a:tcPr marL="6222" marR="6222" marT="6222" marB="0" anchor="ctr"/>
+                </a:tc>
+                <a:tc>
+                  <a:txBody>
+                    <a:bodyPr/>
+                    <a:lstStyle/>
+                    <a:p>
+                      <a:pPr algn="l" fontAlgn="ctr"/>
+                      <a:r>
+                        <a:rPr lang="en-US" sz="1100" u="none" strike="noStrike">
+                          <a:effectLst/>
+                        </a:rPr>
+                        <a:t>All events</a:t>
+                      </a:r>
+                      <a:endParaRPr lang="en-US" sz="1100" b="0" i="0" u="none" strike="noStrike">
+                        <a:solidFill>
+                          <a:srgbClr val="000000"/>
+                        </a:solidFill>
+                        <a:effectLst/>
+                        <a:latin typeface="Calibri" panose="020F0502020204030204" pitchFamily="34" charset="0"/>
+                      </a:endParaRPr>
+                    </a:p>
+                  </a:txBody>
+                  <a:tcPr marL="6222" marR="6222" marT="6222" marB="0" anchor="ctr"/>
+                </a:tc>
+                <a:tc>
+                  <a:txBody>
+                    <a:bodyPr/>
+                    <a:lstStyle/>
+                    <a:p>
+                      <a:pPr algn="l" fontAlgn="ctr"/>
+                      <a:r>
+                        <a:rPr lang="en-US" sz="1100" u="none" strike="noStrike">
+                          <a:effectLst/>
+                        </a:rPr>
+                        <a:t>No</a:t>
+                      </a:r>
+                      <a:endParaRPr lang="en-US" sz="1100" b="0" i="0" u="none" strike="noStrike">
+                        <a:solidFill>
+                          <a:srgbClr val="000000"/>
+                        </a:solidFill>
+                        <a:effectLst/>
+                        <a:latin typeface="Calibri" panose="020F0502020204030204" pitchFamily="34" charset="0"/>
+                      </a:endParaRPr>
+                    </a:p>
+                  </a:txBody>
+                  <a:tcPr marL="6222" marR="6222" marT="6222" marB="0" anchor="ctr"/>
+                </a:tc>
+                <a:tc>
+                  <a:txBody>
+                    <a:bodyPr/>
+                    <a:lstStyle/>
+                    <a:p>
+                      <a:pPr algn="l" fontAlgn="ctr"/>
+                      <a:r>
+                        <a:rPr lang="en-US" sz="1100" u="none" strike="noStrike">
+                          <a:effectLst/>
+                        </a:rPr>
+                        <a:t>No</a:t>
+                      </a:r>
+                      <a:endParaRPr lang="en-US" sz="1100" b="0" i="0" u="none" strike="noStrike">
+                        <a:solidFill>
+                          <a:srgbClr val="000000"/>
+                        </a:solidFill>
+                        <a:effectLst/>
+                        <a:latin typeface="Calibri" panose="020F0502020204030204" pitchFamily="34" charset="0"/>
+                      </a:endParaRPr>
+                    </a:p>
+                  </a:txBody>
+                  <a:tcPr marL="6222" marR="6222" marT="6222" marB="0" anchor="ctr"/>
+                </a:tc>
+                <a:tc>
+                  <a:txBody>
+                    <a:bodyPr/>
+                    <a:lstStyle/>
+                    <a:p>
+                      <a:pPr algn="l" fontAlgn="ctr"/>
+                      <a:r>
+                        <a:rPr lang="en-US" sz="1100" u="none" strike="noStrike">
+                          <a:effectLst/>
+                        </a:rPr>
+                        <a:t>Yes</a:t>
+                      </a:r>
+                      <a:endParaRPr lang="en-US" sz="1100" b="0" i="0" u="none" strike="noStrike">
+                        <a:solidFill>
+                          <a:srgbClr val="000000"/>
+                        </a:solidFill>
+                        <a:effectLst/>
+                        <a:latin typeface="Calibri" panose="020F0502020204030204" pitchFamily="34" charset="0"/>
+                      </a:endParaRPr>
+                    </a:p>
+                  </a:txBody>
+                  <a:tcPr marL="6222" marR="6222" marT="6222" marB="0" anchor="ctr"/>
+                </a:tc>
+                <a:tc>
+                  <a:txBody>
+                    <a:bodyPr/>
+                    <a:lstStyle/>
+                    <a:p>
+                      <a:pPr algn="l" fontAlgn="ctr"/>
+                      <a:r>
+                        <a:rPr lang="en-US" sz="1100" u="none" strike="noStrike">
+                          <a:effectLst/>
+                        </a:rPr>
+                        <a:t>Yes</a:t>
+                      </a:r>
+                      <a:endParaRPr lang="en-US" sz="1100" b="0" i="0" u="none" strike="noStrike">
+                        <a:solidFill>
+                          <a:srgbClr val="000000"/>
+                        </a:solidFill>
+                        <a:effectLst/>
+                        <a:latin typeface="Calibri" panose="020F0502020204030204" pitchFamily="34" charset="0"/>
+                      </a:endParaRPr>
+                    </a:p>
+                  </a:txBody>
+                  <a:tcPr marL="6222" marR="6222" marT="6222" marB="0" anchor="ctr"/>
+                </a:tc>
+                <a:tc>
+                  <a:txBody>
+                    <a:bodyPr/>
+                    <a:lstStyle/>
+                    <a:p>
+                      <a:pPr algn="l" fontAlgn="ctr"/>
+                      <a:r>
+                        <a:rPr lang="en-US" sz="1100" u="none" strike="noStrike">
+                          <a:effectLst/>
+                        </a:rPr>
+                        <a:t>Ad Network</a:t>
+                      </a:r>
+                      <a:endParaRPr lang="en-US" sz="1100" b="0" i="0" u="none" strike="noStrike">
+                        <a:solidFill>
+                          <a:srgbClr val="000000"/>
+                        </a:solidFill>
+                        <a:effectLst/>
+                        <a:latin typeface="Calibri" panose="020F0502020204030204" pitchFamily="34" charset="0"/>
+                      </a:endParaRPr>
+                    </a:p>
+                  </a:txBody>
+                  <a:tcPr marL="6222" marR="6222" marT="6222" marB="0" anchor="ctr"/>
+                </a:tc>
+                <a:extLst>
+                  <a:ext uri="{0D108BD9-81ED-4DB2-BD59-A6C34878D82A}">
+                    <a16:rowId xmlns:a16="http://schemas.microsoft.com/office/drawing/2014/main" val="764186325"/>
+                  </a:ext>
+                </a:extLst>
+              </a:tr>
+              <a:tr h="482774">
+                <a:tc>
+                  <a:txBody>
+                    <a:bodyPr/>
+                    <a:lstStyle/>
+                    <a:p>
+                      <a:pPr algn="l" fontAlgn="ctr"/>
+                      <a:r>
+                        <a:rPr lang="en-US" sz="1100" u="none" strike="noStrike">
+                          <a:effectLst/>
+                        </a:rPr>
+                        <a:t>Fortnite Ping</a:t>
+                      </a:r>
+                      <a:endParaRPr lang="en-US" sz="1100" b="0" i="0" u="none" strike="noStrike">
+                        <a:solidFill>
+                          <a:srgbClr val="000000"/>
+                        </a:solidFill>
+                        <a:effectLst/>
+                        <a:latin typeface="Calibri" panose="020F0502020204030204" pitchFamily="34" charset="0"/>
+                      </a:endParaRPr>
+                    </a:p>
+                  </a:txBody>
+                  <a:tcPr marL="6222" marR="6222" marT="6222" marB="0" anchor="ctr"/>
+                </a:tc>
+                <a:tc>
+                  <a:txBody>
+                    <a:bodyPr/>
+                    <a:lstStyle/>
+                    <a:p>
+                      <a:pPr algn="l" fontAlgn="ctr"/>
+                      <a:r>
+                        <a:rPr lang="en-US" sz="1100" u="sng" strike="noStrike">
+                          <a:effectLst/>
+                          <a:hlinkClick r:id="rId6"/>
+                        </a:rPr>
+                        <a:t>fortniteping.com/index.html</a:t>
+                      </a:r>
+                      <a:endParaRPr lang="en-US" sz="1100" b="0" i="0" u="sng" strike="noStrike">
+                        <a:solidFill>
+                          <a:srgbClr val="0000FF"/>
+                        </a:solidFill>
+                        <a:effectLst/>
+                        <a:latin typeface="Calibri" panose="020F0502020204030204" pitchFamily="34" charset="0"/>
+                      </a:endParaRPr>
+                    </a:p>
+                  </a:txBody>
+                  <a:tcPr marL="6222" marR="6222" marT="6222" marB="0" anchor="ctr"/>
+                </a:tc>
+                <a:tc>
+                  <a:txBody>
+                    <a:bodyPr/>
+                    <a:lstStyle/>
+                    <a:p>
+                      <a:pPr algn="l" fontAlgn="ctr"/>
+                      <a:r>
+                        <a:rPr lang="en-US" sz="1100" u="none" strike="noStrike">
+                          <a:effectLst/>
+                        </a:rPr>
+                        <a:t>Automated</a:t>
+                      </a:r>
+                      <a:endParaRPr lang="en-US" sz="1100" b="0" i="0" u="none" strike="noStrike">
+                        <a:solidFill>
+                          <a:srgbClr val="000000"/>
+                        </a:solidFill>
+                        <a:effectLst/>
+                        <a:latin typeface="Calibri" panose="020F0502020204030204" pitchFamily="34" charset="0"/>
+                      </a:endParaRPr>
+                    </a:p>
+                  </a:txBody>
+                  <a:tcPr marL="6222" marR="6222" marT="6222" marB="0" anchor="ctr"/>
+                </a:tc>
+                <a:tc>
+                  <a:txBody>
+                    <a:bodyPr/>
+                    <a:lstStyle/>
+                    <a:p>
+                      <a:pPr algn="l" fontAlgn="ctr"/>
+                      <a:r>
+                        <a:rPr lang="en-US" sz="1100" u="none" strike="noStrike" dirty="0">
+                          <a:effectLst/>
+                        </a:rPr>
+                        <a:t>~ 1 day</a:t>
+                      </a:r>
+                      <a:endParaRPr lang="en-US" sz="1100" b="0" i="0" u="none" strike="noStrike" dirty="0">
+                        <a:solidFill>
+                          <a:srgbClr val="000000"/>
+                        </a:solidFill>
+                        <a:effectLst/>
+                        <a:latin typeface="Calibri" panose="020F0502020204030204" pitchFamily="34" charset="0"/>
+                      </a:endParaRPr>
+                    </a:p>
+                  </a:txBody>
+                  <a:tcPr marL="6222" marR="6222" marT="6222" marB="0" anchor="ctr"/>
+                </a:tc>
+                <a:tc>
+                  <a:txBody>
+                    <a:bodyPr/>
+                    <a:lstStyle/>
+                    <a:p>
+                      <a:pPr algn="l" fontAlgn="ctr"/>
+                      <a:r>
+                        <a:rPr lang="en-US" sz="1100" u="none" strike="noStrike">
+                          <a:effectLst/>
+                        </a:rPr>
+                        <a:t>Major Events</a:t>
+                      </a:r>
+                      <a:endParaRPr lang="en-US" sz="1100" b="0" i="0" u="none" strike="noStrike">
+                        <a:solidFill>
+                          <a:srgbClr val="000000"/>
+                        </a:solidFill>
+                        <a:effectLst/>
+                        <a:latin typeface="Calibri" panose="020F0502020204030204" pitchFamily="34" charset="0"/>
+                      </a:endParaRPr>
+                    </a:p>
+                  </a:txBody>
+                  <a:tcPr marL="6222" marR="6222" marT="6222" marB="0" anchor="ctr"/>
+                </a:tc>
+                <a:tc>
+                  <a:txBody>
+                    <a:bodyPr/>
+                    <a:lstStyle/>
+                    <a:p>
+                      <a:pPr algn="l" fontAlgn="ctr"/>
+                      <a:r>
+                        <a:rPr lang="en-US" sz="1100" u="none" strike="noStrike">
+                          <a:effectLst/>
+                        </a:rPr>
+                        <a:t>Yes</a:t>
+                      </a:r>
+                      <a:endParaRPr lang="en-US" sz="1100" b="0" i="0" u="none" strike="noStrike">
+                        <a:solidFill>
+                          <a:srgbClr val="000000"/>
+                        </a:solidFill>
+                        <a:effectLst/>
+                        <a:latin typeface="Calibri" panose="020F0502020204030204" pitchFamily="34" charset="0"/>
+                      </a:endParaRPr>
+                    </a:p>
+                  </a:txBody>
+                  <a:tcPr marL="6222" marR="6222" marT="6222" marB="0" anchor="ctr"/>
+                </a:tc>
+                <a:tc>
+                  <a:txBody>
+                    <a:bodyPr/>
+                    <a:lstStyle/>
+                    <a:p>
+                      <a:pPr algn="l" fontAlgn="ctr"/>
+                      <a:r>
+                        <a:rPr lang="en-US" sz="1100" u="none" strike="noStrike">
+                          <a:effectLst/>
+                        </a:rPr>
+                        <a:t>Yes</a:t>
+                      </a:r>
+                      <a:endParaRPr lang="en-US" sz="1100" b="0" i="0" u="none" strike="noStrike">
+                        <a:solidFill>
+                          <a:srgbClr val="000000"/>
+                        </a:solidFill>
+                        <a:effectLst/>
+                        <a:latin typeface="Calibri" panose="020F0502020204030204" pitchFamily="34" charset="0"/>
+                      </a:endParaRPr>
+                    </a:p>
+                  </a:txBody>
+                  <a:tcPr marL="6222" marR="6222" marT="6222" marB="0" anchor="ctr"/>
+                </a:tc>
+                <a:tc>
+                  <a:txBody>
+                    <a:bodyPr/>
+                    <a:lstStyle/>
+                    <a:p>
+                      <a:pPr algn="l" fontAlgn="ctr"/>
+                      <a:r>
+                        <a:rPr lang="en-US" sz="1100" u="none" strike="noStrike">
+                          <a:effectLst/>
+                        </a:rPr>
+                        <a:t>Yes</a:t>
+                      </a:r>
+                      <a:endParaRPr lang="en-US" sz="1100" b="0" i="0" u="none" strike="noStrike">
+                        <a:solidFill>
+                          <a:srgbClr val="000000"/>
+                        </a:solidFill>
+                        <a:effectLst/>
+                        <a:latin typeface="Calibri" panose="020F0502020204030204" pitchFamily="34" charset="0"/>
+                      </a:endParaRPr>
+                    </a:p>
+                  </a:txBody>
+                  <a:tcPr marL="6222" marR="6222" marT="6222" marB="0" anchor="ctr"/>
+                </a:tc>
+                <a:tc>
+                  <a:txBody>
+                    <a:bodyPr/>
+                    <a:lstStyle/>
+                    <a:p>
+                      <a:pPr algn="l" fontAlgn="ctr"/>
+                      <a:r>
+                        <a:rPr lang="en-US" sz="1100" u="none" strike="noStrike">
+                          <a:effectLst/>
+                        </a:rPr>
+                        <a:t>Not Yet</a:t>
+                      </a:r>
+                      <a:endParaRPr lang="en-US" sz="1100" b="0" i="0" u="none" strike="noStrike">
+                        <a:solidFill>
+                          <a:srgbClr val="000000"/>
+                        </a:solidFill>
+                        <a:effectLst/>
+                        <a:latin typeface="Calibri" panose="020F0502020204030204" pitchFamily="34" charset="0"/>
+                      </a:endParaRPr>
+                    </a:p>
+                  </a:txBody>
+                  <a:tcPr marL="6222" marR="6222" marT="6222" marB="0" anchor="ctr"/>
+                </a:tc>
+                <a:tc>
+                  <a:txBody>
+                    <a:bodyPr/>
+                    <a:lstStyle/>
+                    <a:p>
+                      <a:pPr algn="l" fontAlgn="ctr"/>
+                      <a:r>
+                        <a:rPr lang="en-US" sz="1100" u="none" strike="noStrike" dirty="0">
+                          <a:effectLst/>
+                        </a:rPr>
+                        <a:t>Not yet - subscriptions, ads</a:t>
+                      </a:r>
+                      <a:endParaRPr lang="en-US" sz="1100" b="0" i="0" u="none" strike="noStrike" dirty="0">
+                        <a:solidFill>
+                          <a:srgbClr val="000000"/>
+                        </a:solidFill>
+                        <a:effectLst/>
+                        <a:latin typeface="Calibri" panose="020F0502020204030204" pitchFamily="34" charset="0"/>
+                      </a:endParaRPr>
+                    </a:p>
+                  </a:txBody>
+                  <a:tcPr marL="6222" marR="6222" marT="6222" marB="0" anchor="ctr"/>
+                </a:tc>
+                <a:extLst>
+                  <a:ext uri="{0D108BD9-81ED-4DB2-BD59-A6C34878D82A}">
+                    <a16:rowId xmlns:a16="http://schemas.microsoft.com/office/drawing/2014/main" val="158815405"/>
+                  </a:ext>
+                </a:extLst>
+              </a:tr>
+            </a:tbl>
+          </a:graphicData>
+        </a:graphic>
+      </p:graphicFrame>
+    </p:spTree>
+    <p:extLst>
+      <p:ext uri="{BB962C8B-B14F-4D97-AF65-F5344CB8AC3E}">
+        <p14:creationId xmlns:p14="http://schemas.microsoft.com/office/powerpoint/2010/main" val="2133040289"/>
+      </p:ext>
+    </p:extLst>
+  </p:cSld>
+  <p:clrMapOvr>
+    <a:masterClrMapping/>
+  </p:clrMapOvr>
+</p:sld>
+</file>
+
+<file path=ppt/slides/slide12.xml><?xml version="1.0" encoding="utf-8"?>
+<p:sld xmlns:a="http://schemas.openxmlformats.org/drawingml/2006/main" xmlns:r="http://schemas.openxmlformats.org/officeDocument/2006/relationships" xmlns:p="http://schemas.openxmlformats.org/presentationml/2006/main">
+  <p:cSld>
+    <p:spTree>
+      <p:nvGrpSpPr>
+        <p:cNvPr id="1" name=""/>
+        <p:cNvGrpSpPr/>
+        <p:nvPr/>
+      </p:nvGrpSpPr>
+      <p:grpSpPr>
+        <a:xfrm>
+          <a:off x="0" y="0"/>
+          <a:ext cx="0" cy="0"/>
+          <a:chOff x="0" y="0"/>
+          <a:chExt cx="0" cy="0"/>
+        </a:xfrm>
+      </p:grpSpPr>
+      <p:sp>
+        <p:nvSpPr>
+          <p:cNvPr id="2" name="Title 1">
+            <a:extLst>
+              <a:ext uri="{FF2B5EF4-FFF2-40B4-BE49-F238E27FC236}">
+                <a16:creationId xmlns:a16="http://schemas.microsoft.com/office/drawing/2014/main" id="{A5A34119-6AF6-4FCB-BD12-5812FFC44BD0}"/>
+              </a:ext>
+            </a:extLst>
+          </p:cNvPr>
+          <p:cNvSpPr>
+            <a:spLocks noGrp="1"/>
+          </p:cNvSpPr>
+          <p:nvPr>
+            <p:ph type="title"/>
+          </p:nvPr>
+        </p:nvSpPr>
+        <p:spPr>
+          <a:xfrm>
+            <a:off x="4315791" y="468243"/>
+            <a:ext cx="7038008" cy="1289915"/>
+          </a:xfrm>
+        </p:spPr>
+        <p:txBody>
+          <a:bodyPr>
+            <a:normAutofit/>
+          </a:bodyPr>
+          <a:lstStyle/>
+          <a:p>
+            <a:r>
+              <a:rPr lang="en-US" sz="4000" b="1" dirty="0"/>
+              <a:t>Tech stack</a:t>
+            </a:r>
+          </a:p>
+        </p:txBody>
+      </p:sp>
+      <p:sp>
+        <p:nvSpPr>
+          <p:cNvPr id="3" name="Content Placeholder 2">
+            <a:extLst>
+              <a:ext uri="{FF2B5EF4-FFF2-40B4-BE49-F238E27FC236}">
+                <a16:creationId xmlns:a16="http://schemas.microsoft.com/office/drawing/2014/main" id="{24E79866-BFBE-4A2B-A4E6-AEB5FDEAB0DF}"/>
+              </a:ext>
+            </a:extLst>
+          </p:cNvPr>
+          <p:cNvSpPr>
+            <a:spLocks noGrp="1"/>
+          </p:cNvSpPr>
+          <p:nvPr>
+            <p:ph idx="1"/>
+          </p:nvPr>
+        </p:nvSpPr>
+        <p:spPr>
+          <a:xfrm flipH="1">
+            <a:off x="11331711" y="6144591"/>
+            <a:ext cx="109332" cy="57425"/>
+          </a:xfrm>
+        </p:spPr>
+        <p:txBody>
+          <a:bodyPr>
+            <a:normAutofit fontScale="25000" lnSpcReduction="20000"/>
+          </a:bodyPr>
+          <a:lstStyle/>
+          <a:p>
+            <a:pPr lvl="2"/>
+            <a:endParaRPr lang="en-US" sz="2800" dirty="0"/>
+          </a:p>
+        </p:txBody>
+      </p:sp>
+      <p:pic>
+        <p:nvPicPr>
+          <p:cNvPr id="5" name="Picture 4">
+            <a:extLst>
+              <a:ext uri="{FF2B5EF4-FFF2-40B4-BE49-F238E27FC236}">
+                <a16:creationId xmlns:a16="http://schemas.microsoft.com/office/drawing/2014/main" id="{88FD0CF5-B79A-4233-B855-A9AA4E6F2356}"/>
+              </a:ext>
+            </a:extLst>
+          </p:cNvPr>
+          <p:cNvPicPr>
+            <a:picLocks noChangeAspect="1"/>
+          </p:cNvPicPr>
+          <p:nvPr/>
+        </p:nvPicPr>
+        <p:blipFill>
+          <a:blip r:embed="rId2"/>
+          <a:stretch>
+            <a:fillRect/>
+          </a:stretch>
+        </p:blipFill>
+        <p:spPr>
+          <a:xfrm>
+            <a:off x="514419" y="519699"/>
+            <a:ext cx="3394972" cy="1238458"/>
+          </a:xfrm>
+          <a:prstGeom prst="rect">
+            <a:avLst/>
+          </a:prstGeom>
+        </p:spPr>
+      </p:pic>
+      <p:sp>
+        <p:nvSpPr>
+          <p:cNvPr id="9" name="TextBox 8">
+            <a:extLst>
+              <a:ext uri="{FF2B5EF4-FFF2-40B4-BE49-F238E27FC236}">
+                <a16:creationId xmlns:a16="http://schemas.microsoft.com/office/drawing/2014/main" id="{0928CC1A-76F2-4A4B-873C-AF91EC47372B}"/>
+              </a:ext>
+            </a:extLst>
+          </p:cNvPr>
+          <p:cNvSpPr txBox="1"/>
+          <p:nvPr/>
+        </p:nvSpPr>
+        <p:spPr>
+          <a:xfrm>
+            <a:off x="627133" y="1873882"/>
+            <a:ext cx="9456563" cy="4508927"/>
+          </a:xfrm>
+          <a:prstGeom prst="rect">
+            <a:avLst/>
+          </a:prstGeom>
+          <a:noFill/>
+        </p:spPr>
+        <p:txBody>
+          <a:bodyPr wrap="none" rtlCol="0">
+            <a:spAutoFit/>
+          </a:bodyPr>
+          <a:lstStyle/>
+          <a:p>
+            <a:pPr marL="571500" indent="-571500">
+              <a:buFont typeface="Arial" panose="020B0604020202020204" pitchFamily="34" charset="0"/>
+              <a:buChar char="•"/>
+            </a:pPr>
+            <a:r>
+              <a:rPr lang="en-US" sz="4100" dirty="0"/>
+              <a:t>Front end: d3 &amp; </a:t>
+            </a:r>
+            <a:r>
+              <a:rPr lang="en-US" sz="4100" dirty="0" err="1"/>
+              <a:t>rmarkdown</a:t>
+            </a:r>
+            <a:r>
+              <a:rPr lang="en-US" sz="4100" dirty="0"/>
+              <a:t>/</a:t>
+            </a:r>
+            <a:r>
+              <a:rPr lang="en-US" sz="4100" dirty="0" err="1"/>
+              <a:t>ggplot</a:t>
+            </a:r>
+            <a:endParaRPr lang="en-US" sz="4100" dirty="0"/>
+          </a:p>
+          <a:p>
+            <a:pPr marL="571500" indent="-571500">
+              <a:buFont typeface="Arial" panose="020B0604020202020204" pitchFamily="34" charset="0"/>
+              <a:buChar char="•"/>
+            </a:pPr>
+            <a:r>
+              <a:rPr lang="en-US" sz="4100" dirty="0"/>
+              <a:t>Hosting: </a:t>
+            </a:r>
+            <a:r>
+              <a:rPr lang="en-US" sz="4100" dirty="0" err="1"/>
+              <a:t>Netlify</a:t>
+            </a:r>
+            <a:r>
+              <a:rPr lang="en-US" sz="4100" dirty="0"/>
+              <a:t> – fast and inexpensive</a:t>
+            </a:r>
+          </a:p>
+          <a:p>
+            <a:pPr marL="571500" indent="-571500">
+              <a:buFont typeface="Arial" panose="020B0604020202020204" pitchFamily="34" charset="0"/>
+              <a:buChar char="•"/>
+            </a:pPr>
+            <a:r>
+              <a:rPr lang="en-US" sz="4100" dirty="0"/>
+              <a:t>Scraping: python/</a:t>
+            </a:r>
+            <a:r>
+              <a:rPr lang="en-US" sz="4100" dirty="0" err="1"/>
+              <a:t>c#</a:t>
+            </a:r>
+            <a:endParaRPr lang="en-US" sz="4100" dirty="0"/>
+          </a:p>
+          <a:p>
+            <a:pPr marL="571500" indent="-571500">
+              <a:buFont typeface="Arial" panose="020B0604020202020204" pitchFamily="34" charset="0"/>
+              <a:buChar char="•"/>
+            </a:pPr>
+            <a:r>
+              <a:rPr lang="en-US" sz="4100" dirty="0"/>
+              <a:t>API: c#, </a:t>
+            </a:r>
+            <a:r>
+              <a:rPr lang="en-US" sz="4100" dirty="0" err="1"/>
+              <a:t>sql</a:t>
+            </a:r>
+            <a:r>
+              <a:rPr lang="en-US" sz="4100" dirty="0"/>
+              <a:t> server (free version)</a:t>
+            </a:r>
+          </a:p>
+          <a:p>
+            <a:pPr marL="571500" indent="-571500">
+              <a:buFont typeface="Arial" panose="020B0604020202020204" pitchFamily="34" charset="0"/>
+              <a:buChar char="•"/>
+            </a:pPr>
+            <a:r>
+              <a:rPr lang="en-US" sz="4100" dirty="0"/>
+              <a:t>Team info collection: </a:t>
+            </a:r>
+            <a:r>
+              <a:rPr lang="en-US" sz="4100" dirty="0" err="1"/>
+              <a:t>airtable</a:t>
+            </a:r>
+            <a:r>
+              <a:rPr lang="en-US" sz="4100" dirty="0"/>
+              <a:t>, for now</a:t>
+            </a:r>
+          </a:p>
+          <a:p>
+            <a:pPr marL="571500" indent="-571500">
+              <a:buFont typeface="Arial" panose="020B0604020202020204" pitchFamily="34" charset="0"/>
+              <a:buChar char="•"/>
+            </a:pPr>
+            <a:r>
+              <a:rPr lang="en-US" sz="4100" dirty="0"/>
+              <a:t>Player info collection: TBD, many options</a:t>
+            </a:r>
+          </a:p>
+          <a:p>
+            <a:pPr marL="571500" indent="-571500">
+              <a:buFont typeface="Arial" panose="020B0604020202020204" pitchFamily="34" charset="0"/>
+              <a:buChar char="•"/>
+            </a:pPr>
+            <a:r>
+              <a:rPr lang="en-US" sz="4100" dirty="0"/>
+              <a:t>Hosting cost ~$0.00</a:t>
+            </a:r>
+          </a:p>
+        </p:txBody>
+      </p:sp>
+    </p:spTree>
+    <p:extLst>
+      <p:ext uri="{BB962C8B-B14F-4D97-AF65-F5344CB8AC3E}">
+        <p14:creationId xmlns:p14="http://schemas.microsoft.com/office/powerpoint/2010/main" val="2882720269"/>
+      </p:ext>
+    </p:extLst>
+  </p:cSld>
+  <p:clrMapOvr>
+    <a:masterClrMapping/>
+  </p:clrMapOvr>
+</p:sld>
+</file>
+
+<file path=ppt/slides/slide13.xml><?xml version="1.0" encoding="utf-8"?>
+<p:sld xmlns:a="http://schemas.openxmlformats.org/drawingml/2006/main" xmlns:r="http://schemas.openxmlformats.org/officeDocument/2006/relationships" xmlns:p="http://schemas.openxmlformats.org/presentationml/2006/main">
+  <p:cSld>
+    <p:spTree>
+      <p:nvGrpSpPr>
+        <p:cNvPr id="1" name=""/>
+        <p:cNvGrpSpPr/>
+        <p:nvPr/>
+      </p:nvGrpSpPr>
+      <p:grpSpPr>
+        <a:xfrm>
+          <a:off x="0" y="0"/>
+          <a:ext cx="0" cy="0"/>
+          <a:chOff x="0" y="0"/>
+          <a:chExt cx="0" cy="0"/>
+        </a:xfrm>
+      </p:grpSpPr>
+      <p:sp>
+        <p:nvSpPr>
+          <p:cNvPr id="2" name="Title 1">
+            <a:extLst>
+              <a:ext uri="{FF2B5EF4-FFF2-40B4-BE49-F238E27FC236}">
+                <a16:creationId xmlns:a16="http://schemas.microsoft.com/office/drawing/2014/main" id="{A5A34119-6AF6-4FCB-BD12-5812FFC44BD0}"/>
+              </a:ext>
+            </a:extLst>
+          </p:cNvPr>
+          <p:cNvSpPr>
+            <a:spLocks noGrp="1"/>
+          </p:cNvSpPr>
+          <p:nvPr>
+            <p:ph type="title"/>
+          </p:nvPr>
+        </p:nvSpPr>
+        <p:spPr>
+          <a:xfrm>
+            <a:off x="4315791" y="468243"/>
+            <a:ext cx="7038008" cy="1289915"/>
+          </a:xfrm>
+        </p:spPr>
+        <p:txBody>
+          <a:bodyPr>
+            <a:normAutofit/>
+          </a:bodyPr>
+          <a:lstStyle/>
+          <a:p>
+            <a:r>
+              <a:rPr lang="en-US" sz="4000" b="1" dirty="0"/>
+              <a:t>Outreach, aka “growth”</a:t>
+            </a:r>
+          </a:p>
+        </p:txBody>
+      </p:sp>
+      <p:sp>
+        <p:nvSpPr>
+          <p:cNvPr id="3" name="Content Placeholder 2">
+            <a:extLst>
+              <a:ext uri="{FF2B5EF4-FFF2-40B4-BE49-F238E27FC236}">
+                <a16:creationId xmlns:a16="http://schemas.microsoft.com/office/drawing/2014/main" id="{24E79866-BFBE-4A2B-A4E6-AEB5FDEAB0DF}"/>
+              </a:ext>
+            </a:extLst>
+          </p:cNvPr>
+          <p:cNvSpPr>
+            <a:spLocks noGrp="1"/>
+          </p:cNvSpPr>
+          <p:nvPr>
+            <p:ph idx="1"/>
+          </p:nvPr>
+        </p:nvSpPr>
+        <p:spPr>
+          <a:xfrm flipH="1">
+            <a:off x="11331711" y="6144591"/>
+            <a:ext cx="109332" cy="57425"/>
+          </a:xfrm>
+        </p:spPr>
+        <p:txBody>
+          <a:bodyPr>
+            <a:normAutofit fontScale="25000" lnSpcReduction="20000"/>
+          </a:bodyPr>
+          <a:lstStyle/>
+          <a:p>
+            <a:pPr lvl="2"/>
+            <a:endParaRPr lang="en-US" sz="2800" dirty="0"/>
+          </a:p>
+        </p:txBody>
+      </p:sp>
+      <p:pic>
+        <p:nvPicPr>
+          <p:cNvPr id="5" name="Picture 4">
+            <a:extLst>
+              <a:ext uri="{FF2B5EF4-FFF2-40B4-BE49-F238E27FC236}">
+                <a16:creationId xmlns:a16="http://schemas.microsoft.com/office/drawing/2014/main" id="{88FD0CF5-B79A-4233-B855-A9AA4E6F2356}"/>
+              </a:ext>
+            </a:extLst>
+          </p:cNvPr>
+          <p:cNvPicPr>
+            <a:picLocks noChangeAspect="1"/>
+          </p:cNvPicPr>
+          <p:nvPr/>
+        </p:nvPicPr>
+        <p:blipFill>
+          <a:blip r:embed="rId2"/>
+          <a:stretch>
+            <a:fillRect/>
+          </a:stretch>
+        </p:blipFill>
+        <p:spPr>
+          <a:xfrm>
+            <a:off x="514419" y="519699"/>
+            <a:ext cx="3394972" cy="1238458"/>
+          </a:xfrm>
+          <a:prstGeom prst="rect">
+            <a:avLst/>
+          </a:prstGeom>
+        </p:spPr>
+      </p:pic>
+      <p:sp>
+        <p:nvSpPr>
+          <p:cNvPr id="9" name="TextBox 8">
+            <a:extLst>
+              <a:ext uri="{FF2B5EF4-FFF2-40B4-BE49-F238E27FC236}">
+                <a16:creationId xmlns:a16="http://schemas.microsoft.com/office/drawing/2014/main" id="{0928CC1A-76F2-4A4B-873C-AF91EC47372B}"/>
+              </a:ext>
+            </a:extLst>
+          </p:cNvPr>
+          <p:cNvSpPr txBox="1"/>
+          <p:nvPr/>
+        </p:nvSpPr>
+        <p:spPr>
+          <a:xfrm>
+            <a:off x="699961" y="2152481"/>
+            <a:ext cx="569387" cy="769441"/>
+          </a:xfrm>
+          <a:prstGeom prst="rect">
+            <a:avLst/>
+          </a:prstGeom>
+          <a:noFill/>
+        </p:spPr>
+        <p:txBody>
+          <a:bodyPr wrap="none" rtlCol="0">
+            <a:spAutoFit/>
+          </a:bodyPr>
+          <a:lstStyle/>
+          <a:p>
+            <a:r>
+              <a:rPr lang="en-US" sz="4400" dirty="0"/>
+              <a:t>   </a:t>
+            </a:r>
+          </a:p>
+        </p:txBody>
+      </p:sp>
+      <p:sp>
+        <p:nvSpPr>
+          <p:cNvPr id="4" name="TextBox 3">
+            <a:extLst>
+              <a:ext uri="{FF2B5EF4-FFF2-40B4-BE49-F238E27FC236}">
+                <a16:creationId xmlns:a16="http://schemas.microsoft.com/office/drawing/2014/main" id="{584176DD-5270-4027-9DCF-B14495D1BAFB}"/>
+              </a:ext>
+            </a:extLst>
+          </p:cNvPr>
+          <p:cNvSpPr txBox="1"/>
+          <p:nvPr/>
+        </p:nvSpPr>
+        <p:spPr>
+          <a:xfrm>
+            <a:off x="1153115" y="2310276"/>
+            <a:ext cx="8164863" cy="4031873"/>
+          </a:xfrm>
+          <a:prstGeom prst="rect">
+            <a:avLst/>
+          </a:prstGeom>
+          <a:noFill/>
+        </p:spPr>
+        <p:txBody>
+          <a:bodyPr wrap="square" rtlCol="0">
+            <a:spAutoFit/>
+          </a:bodyPr>
+          <a:lstStyle/>
+          <a:p>
+            <a:r>
+              <a:rPr lang="en-US" sz="3200" dirty="0"/>
+              <a:t>- Continue making the best </a:t>
+            </a:r>
+            <a:r>
+              <a:rPr lang="en-US" sz="3200" dirty="0" err="1"/>
+              <a:t>Fortnite</a:t>
+            </a:r>
+            <a:r>
+              <a:rPr lang="en-US" sz="3200" dirty="0"/>
+              <a:t> leaderboards, player and team profiles &amp; seeds.</a:t>
+            </a:r>
+          </a:p>
+          <a:p>
+            <a:pPr marL="457200" indent="-457200">
+              <a:buFontTx/>
+              <a:buChar char="-"/>
+            </a:pPr>
+            <a:r>
+              <a:rPr lang="en-US" sz="3200" dirty="0"/>
+              <a:t>Cultivate influencers on twitter, </a:t>
+            </a:r>
+            <a:r>
+              <a:rPr lang="en-US" sz="3200" dirty="0" err="1"/>
+              <a:t>youtube</a:t>
+            </a:r>
+            <a:r>
+              <a:rPr lang="en-US" sz="3200" dirty="0"/>
+              <a:t>, reddit, twitch &amp; discord – grow traffic.</a:t>
+            </a:r>
+          </a:p>
+          <a:p>
+            <a:pPr marL="457200" indent="-457200">
+              <a:buFontTx/>
+              <a:buChar char="-"/>
+            </a:pPr>
+            <a:r>
+              <a:rPr lang="en-US" sz="3200" dirty="0"/>
+              <a:t>Spend money on ads? Would like to learn.</a:t>
+            </a:r>
+          </a:p>
+          <a:p>
+            <a:r>
+              <a:rPr lang="en-US" sz="3200" dirty="0"/>
+              <a:t>- Revenue channels reinforce each other: player and team info bring legitimacy and traffic, increasing demand for sponsor ads.</a:t>
+            </a:r>
+          </a:p>
+        </p:txBody>
+      </p:sp>
+    </p:spTree>
+    <p:extLst>
+      <p:ext uri="{BB962C8B-B14F-4D97-AF65-F5344CB8AC3E}">
+        <p14:creationId xmlns:p14="http://schemas.microsoft.com/office/powerpoint/2010/main" val="1037397392"/>
+      </p:ext>
+    </p:extLst>
+  </p:cSld>
+  <p:clrMapOvr>
+    <a:masterClrMapping/>
+  </p:clrMapOvr>
+</p:sld>
+</file>
+
+<file path=ppt/slides/slide14.xml><?xml version="1.0" encoding="utf-8"?>
+<p:sld xmlns:a="http://schemas.openxmlformats.org/drawingml/2006/main" xmlns:r="http://schemas.openxmlformats.org/officeDocument/2006/relationships" xmlns:p="http://schemas.openxmlformats.org/presentationml/2006/main">
+  <p:cSld>
+    <p:spTree>
+      <p:nvGrpSpPr>
+        <p:cNvPr id="1" name=""/>
+        <p:cNvGrpSpPr/>
+        <p:nvPr/>
+      </p:nvGrpSpPr>
+      <p:grpSpPr>
+        <a:xfrm>
+          <a:off x="0" y="0"/>
+          <a:ext cx="0" cy="0"/>
+          <a:chOff x="0" y="0"/>
+          <a:chExt cx="0" cy="0"/>
+        </a:xfrm>
+      </p:grpSpPr>
+      <p:sp>
+        <p:nvSpPr>
+          <p:cNvPr id="2" name="Title 1">
+            <a:extLst>
+              <a:ext uri="{FF2B5EF4-FFF2-40B4-BE49-F238E27FC236}">
+                <a16:creationId xmlns:a16="http://schemas.microsoft.com/office/drawing/2014/main" id="{A5A34119-6AF6-4FCB-BD12-5812FFC44BD0}"/>
+              </a:ext>
+            </a:extLst>
+          </p:cNvPr>
+          <p:cNvSpPr>
+            <a:spLocks noGrp="1"/>
+          </p:cNvSpPr>
+          <p:nvPr>
+            <p:ph type="title"/>
+          </p:nvPr>
+        </p:nvSpPr>
+        <p:spPr>
+          <a:xfrm>
+            <a:off x="4315791" y="468243"/>
+            <a:ext cx="7038008" cy="1289915"/>
+          </a:xfrm>
+        </p:spPr>
+        <p:txBody>
+          <a:bodyPr>
+            <a:normAutofit/>
+          </a:bodyPr>
+          <a:lstStyle/>
+          <a:p>
+            <a:r>
+              <a:rPr lang="en-US" sz="4000" b="1" dirty="0"/>
+              <a:t>Why Tiny Seed?</a:t>
+            </a:r>
+          </a:p>
+        </p:txBody>
+      </p:sp>
+      <p:sp>
+        <p:nvSpPr>
+          <p:cNvPr id="3" name="Content Placeholder 2">
+            <a:extLst>
+              <a:ext uri="{FF2B5EF4-FFF2-40B4-BE49-F238E27FC236}">
+                <a16:creationId xmlns:a16="http://schemas.microsoft.com/office/drawing/2014/main" id="{24E79866-BFBE-4A2B-A4E6-AEB5FDEAB0DF}"/>
+              </a:ext>
+            </a:extLst>
+          </p:cNvPr>
+          <p:cNvSpPr>
+            <a:spLocks noGrp="1"/>
+          </p:cNvSpPr>
+          <p:nvPr>
+            <p:ph idx="1"/>
+          </p:nvPr>
+        </p:nvSpPr>
+        <p:spPr>
+          <a:xfrm flipH="1">
+            <a:off x="11331711" y="6144591"/>
+            <a:ext cx="109332" cy="57425"/>
+          </a:xfrm>
+        </p:spPr>
+        <p:txBody>
+          <a:bodyPr>
+            <a:normAutofit fontScale="25000" lnSpcReduction="20000"/>
+          </a:bodyPr>
+          <a:lstStyle/>
+          <a:p>
+            <a:pPr lvl="2"/>
+            <a:endParaRPr lang="en-US" sz="2800" dirty="0"/>
+          </a:p>
+        </p:txBody>
+      </p:sp>
+      <p:pic>
+        <p:nvPicPr>
+          <p:cNvPr id="5" name="Picture 4">
+            <a:extLst>
+              <a:ext uri="{FF2B5EF4-FFF2-40B4-BE49-F238E27FC236}">
+                <a16:creationId xmlns:a16="http://schemas.microsoft.com/office/drawing/2014/main" id="{88FD0CF5-B79A-4233-B855-A9AA4E6F2356}"/>
+              </a:ext>
+            </a:extLst>
+          </p:cNvPr>
+          <p:cNvPicPr>
+            <a:picLocks noChangeAspect="1"/>
+          </p:cNvPicPr>
+          <p:nvPr/>
+        </p:nvPicPr>
+        <p:blipFill>
+          <a:blip r:embed="rId2"/>
+          <a:stretch>
+            <a:fillRect/>
+          </a:stretch>
+        </p:blipFill>
+        <p:spPr>
+          <a:xfrm>
+            <a:off x="514419" y="519699"/>
+            <a:ext cx="3394972" cy="1238458"/>
+          </a:xfrm>
+          <a:prstGeom prst="rect">
+            <a:avLst/>
+          </a:prstGeom>
+        </p:spPr>
+      </p:pic>
+      <p:sp>
+        <p:nvSpPr>
+          <p:cNvPr id="9" name="TextBox 8">
+            <a:extLst>
+              <a:ext uri="{FF2B5EF4-FFF2-40B4-BE49-F238E27FC236}">
+                <a16:creationId xmlns:a16="http://schemas.microsoft.com/office/drawing/2014/main" id="{0928CC1A-76F2-4A4B-873C-AF91EC47372B}"/>
+              </a:ext>
+            </a:extLst>
+          </p:cNvPr>
+          <p:cNvSpPr txBox="1"/>
+          <p:nvPr/>
+        </p:nvSpPr>
+        <p:spPr>
+          <a:xfrm>
+            <a:off x="699961" y="2164619"/>
+            <a:ext cx="10518842" cy="5386090"/>
+          </a:xfrm>
+          <a:prstGeom prst="rect">
+            <a:avLst/>
+          </a:prstGeom>
+          <a:noFill/>
+        </p:spPr>
+        <p:txBody>
+          <a:bodyPr wrap="none" rtlCol="0">
+            <a:spAutoFit/>
+          </a:bodyPr>
+          <a:lstStyle/>
+          <a:p>
+            <a:pPr marL="742950" indent="-742950">
+              <a:buAutoNum type="arabicParenR"/>
+            </a:pPr>
+            <a:r>
+              <a:rPr lang="en-US" sz="3200" dirty="0"/>
+              <a:t>Many improvements if not working full time – but which?</a:t>
+            </a:r>
+          </a:p>
+          <a:p>
+            <a:r>
+              <a:rPr lang="en-US" sz="3200" dirty="0"/>
+              <a:t>2) Multiple directions to generate revenue: need help with </a:t>
+            </a:r>
+          </a:p>
+          <a:p>
+            <a:r>
+              <a:rPr lang="en-US" sz="3200" dirty="0"/>
+              <a:t>prioritization.</a:t>
+            </a:r>
+          </a:p>
+          <a:p>
+            <a:r>
+              <a:rPr lang="en-US" sz="3200" dirty="0"/>
+              <a:t>3) Could use guidance with site metrics &amp; social</a:t>
+            </a:r>
+          </a:p>
+          <a:p>
+            <a:r>
+              <a:rPr lang="en-US" sz="3200" dirty="0"/>
+              <a:t>media.</a:t>
+            </a:r>
+          </a:p>
+          <a:p>
+            <a:r>
+              <a:rPr lang="en-US" sz="3200" dirty="0"/>
+              <a:t>4) Paid ads or influencers? (or both)</a:t>
+            </a:r>
+          </a:p>
+          <a:p>
+            <a:r>
+              <a:rPr lang="en-US" sz="3200" dirty="0"/>
+              <a:t>5) Build community features?</a:t>
+            </a:r>
+          </a:p>
+          <a:p>
+            <a:r>
+              <a:rPr lang="en-US" sz="3200" dirty="0"/>
+              <a:t>6) Could this be a sports data journalism platform?</a:t>
+            </a:r>
+          </a:p>
+          <a:p>
+            <a:endParaRPr lang="en-US" sz="4400" dirty="0"/>
+          </a:p>
+          <a:p>
+            <a:endParaRPr lang="en-US" sz="4400" dirty="0"/>
+          </a:p>
+        </p:txBody>
+      </p:sp>
+    </p:spTree>
+    <p:extLst>
+      <p:ext uri="{BB962C8B-B14F-4D97-AF65-F5344CB8AC3E}">
+        <p14:creationId xmlns:p14="http://schemas.microsoft.com/office/powerpoint/2010/main" val="4294628303"/>
+      </p:ext>
+    </p:extLst>
+  </p:cSld>
+  <p:clrMapOvr>
+    <a:masterClrMapping/>
+  </p:clrMapOvr>
+</p:sld>
+</file>
+
+<file path=ppt/slides/slide15.xml><?xml version="1.0" encoding="utf-8"?>
+<p:sld xmlns:a="http://schemas.openxmlformats.org/drawingml/2006/main" xmlns:r="http://schemas.openxmlformats.org/officeDocument/2006/relationships" xmlns:p="http://schemas.openxmlformats.org/presentationml/2006/main">
+  <p:cSld>
+    <p:spTree>
+      <p:nvGrpSpPr>
+        <p:cNvPr id="1" name=""/>
+        <p:cNvGrpSpPr/>
+        <p:nvPr/>
+      </p:nvGrpSpPr>
+      <p:grpSpPr>
+        <a:xfrm>
+          <a:off x="0" y="0"/>
+          <a:ext cx="0" cy="0"/>
+          <a:chOff x="0" y="0"/>
+          <a:chExt cx="0" cy="0"/>
+        </a:xfrm>
+      </p:grpSpPr>
+      <p:sp>
+        <p:nvSpPr>
+          <p:cNvPr id="2" name="Title 1">
+            <a:extLst>
+              <a:ext uri="{FF2B5EF4-FFF2-40B4-BE49-F238E27FC236}">
+                <a16:creationId xmlns:a16="http://schemas.microsoft.com/office/drawing/2014/main" id="{A5A34119-6AF6-4FCB-BD12-5812FFC44BD0}"/>
+              </a:ext>
+            </a:extLst>
+          </p:cNvPr>
+          <p:cNvSpPr>
+            <a:spLocks noGrp="1"/>
+          </p:cNvSpPr>
+          <p:nvPr>
+            <p:ph type="title"/>
+          </p:nvPr>
+        </p:nvSpPr>
+        <p:spPr>
+          <a:xfrm>
+            <a:off x="4073030" y="493970"/>
+            <a:ext cx="7038008" cy="1289915"/>
+          </a:xfrm>
+        </p:spPr>
+        <p:txBody>
+          <a:bodyPr>
+            <a:normAutofit/>
+          </a:bodyPr>
+          <a:lstStyle/>
+          <a:p>
+            <a:r>
+              <a:rPr lang="en-US" sz="4000" b="1" dirty="0"/>
+              <a:t>Thank You!</a:t>
+            </a:r>
+          </a:p>
+        </p:txBody>
+      </p:sp>
+      <p:sp>
+        <p:nvSpPr>
+          <p:cNvPr id="3" name="Content Placeholder 2">
+            <a:extLst>
+              <a:ext uri="{FF2B5EF4-FFF2-40B4-BE49-F238E27FC236}">
+                <a16:creationId xmlns:a16="http://schemas.microsoft.com/office/drawing/2014/main" id="{24E79866-BFBE-4A2B-A4E6-AEB5FDEAB0DF}"/>
+              </a:ext>
+            </a:extLst>
+          </p:cNvPr>
+          <p:cNvSpPr>
+            <a:spLocks noGrp="1"/>
+          </p:cNvSpPr>
+          <p:nvPr>
+            <p:ph idx="1"/>
+          </p:nvPr>
+        </p:nvSpPr>
+        <p:spPr>
+          <a:xfrm flipH="1">
+            <a:off x="11331711" y="6144591"/>
+            <a:ext cx="109332" cy="57425"/>
+          </a:xfrm>
+        </p:spPr>
+        <p:txBody>
+          <a:bodyPr>
+            <a:normAutofit fontScale="25000" lnSpcReduction="20000"/>
+          </a:bodyPr>
+          <a:lstStyle/>
+          <a:p>
+            <a:pPr lvl="2"/>
+            <a:endParaRPr lang="en-US" sz="2800" dirty="0"/>
+          </a:p>
+        </p:txBody>
+      </p:sp>
+      <p:pic>
+        <p:nvPicPr>
+          <p:cNvPr id="5" name="Picture 4">
+            <a:extLst>
+              <a:ext uri="{FF2B5EF4-FFF2-40B4-BE49-F238E27FC236}">
+                <a16:creationId xmlns:a16="http://schemas.microsoft.com/office/drawing/2014/main" id="{88FD0CF5-B79A-4233-B855-A9AA4E6F2356}"/>
+              </a:ext>
+            </a:extLst>
+          </p:cNvPr>
+          <p:cNvPicPr>
+            <a:picLocks noChangeAspect="1"/>
+          </p:cNvPicPr>
+          <p:nvPr/>
+        </p:nvPicPr>
+        <p:blipFill>
+          <a:blip r:embed="rId2"/>
+          <a:stretch>
+            <a:fillRect/>
+          </a:stretch>
+        </p:blipFill>
+        <p:spPr>
+          <a:xfrm>
+            <a:off x="514419" y="519699"/>
+            <a:ext cx="3394972" cy="1238458"/>
+          </a:xfrm>
+          <a:prstGeom prst="rect">
+            <a:avLst/>
+          </a:prstGeom>
+        </p:spPr>
+      </p:pic>
+      <p:sp>
+        <p:nvSpPr>
+          <p:cNvPr id="9" name="TextBox 8">
+            <a:extLst>
+              <a:ext uri="{FF2B5EF4-FFF2-40B4-BE49-F238E27FC236}">
+                <a16:creationId xmlns:a16="http://schemas.microsoft.com/office/drawing/2014/main" id="{0928CC1A-76F2-4A4B-873C-AF91EC47372B}"/>
+              </a:ext>
+            </a:extLst>
+          </p:cNvPr>
+          <p:cNvSpPr txBox="1"/>
+          <p:nvPr/>
+        </p:nvSpPr>
+        <p:spPr>
+          <a:xfrm>
+            <a:off x="699961" y="2164619"/>
+            <a:ext cx="8184100" cy="2968505"/>
+          </a:xfrm>
+          <a:prstGeom prst="rect">
+            <a:avLst/>
+          </a:prstGeom>
+          <a:noFill/>
+        </p:spPr>
+        <p:txBody>
+          <a:bodyPr wrap="none" rtlCol="0">
+            <a:spAutoFit/>
+          </a:bodyPr>
+          <a:lstStyle/>
+          <a:p>
+            <a:pPr marL="457200" indent="-457200">
+              <a:buFontTx/>
+              <a:buChar char="-"/>
+            </a:pPr>
+            <a:r>
+              <a:rPr lang="en-US" sz="2670" dirty="0"/>
+              <a:t>Fun project that keeps me connected with my kid </a:t>
+            </a:r>
+          </a:p>
+          <a:p>
+            <a:pPr marL="457200" indent="-457200">
+              <a:buFontTx/>
+              <a:buChar char="-"/>
+            </a:pPr>
+            <a:r>
+              <a:rPr lang="en-US" sz="2670" dirty="0"/>
+              <a:t>Would be great full time if feasible  – you tell me…</a:t>
+            </a:r>
+          </a:p>
+          <a:p>
+            <a:pPr marL="571500" indent="-571500">
+              <a:buFontTx/>
+              <a:buChar char="-"/>
+            </a:pPr>
+            <a:r>
+              <a:rPr lang="en-US" sz="2670" dirty="0"/>
+              <a:t>Doesn’t fit your model? But I have users..?</a:t>
+            </a:r>
+          </a:p>
+          <a:p>
+            <a:pPr marL="571500" indent="-571500">
+              <a:buFontTx/>
+              <a:buChar char="-"/>
+            </a:pPr>
+            <a:r>
+              <a:rPr lang="en-US" sz="2670" dirty="0"/>
+              <a:t>Not exactly SAS, no revenue? – but a way to get there</a:t>
+            </a:r>
+          </a:p>
+          <a:p>
+            <a:pPr marL="571500" indent="-571500">
+              <a:buFontTx/>
+              <a:buChar char="-"/>
+            </a:pPr>
+            <a:r>
+              <a:rPr lang="en-US" sz="2670" dirty="0"/>
+              <a:t>Federal budgeting is a perfect background for this…</a:t>
+            </a:r>
+          </a:p>
+          <a:p>
+            <a:pPr marL="571500" indent="-571500">
+              <a:buFontTx/>
+              <a:buChar char="-"/>
+            </a:pPr>
+            <a:r>
+              <a:rPr lang="en-US" sz="2670" dirty="0"/>
+              <a:t>I will </a:t>
+            </a:r>
+            <a:r>
+              <a:rPr lang="en-US" sz="2670"/>
+              <a:t>work on it </a:t>
+            </a:r>
+            <a:r>
+              <a:rPr lang="en-US" sz="2670" dirty="0"/>
+              <a:t>regardless…</a:t>
+            </a:r>
+          </a:p>
+          <a:p>
+            <a:pPr marL="571500" indent="-571500">
+              <a:buFontTx/>
+              <a:buChar char="-"/>
+            </a:pPr>
+            <a:r>
+              <a:rPr lang="en-US" sz="2670" dirty="0"/>
+              <a:t>If no - please send some feedback!</a:t>
+            </a:r>
+          </a:p>
+        </p:txBody>
+      </p:sp>
+    </p:spTree>
+    <p:extLst>
+      <p:ext uri="{BB962C8B-B14F-4D97-AF65-F5344CB8AC3E}">
+        <p14:creationId xmlns:p14="http://schemas.microsoft.com/office/powerpoint/2010/main" val="2899120407"/>
       </p:ext>
     </p:extLst>
   </p:cSld>
@@ -3512,37 +11318,91 @@
         </p:spPr>
         <p:txBody>
           <a:bodyPr>
-            <a:normAutofit/>
+            <a:normAutofit lnSpcReduction="10000"/>
           </a:bodyPr>
           <a:lstStyle/>
           <a:p>
             <a:r>
-              <a:rPr lang="en-US" sz="3600" dirty="0" err="1"/>
+              <a:rPr lang="en-US" dirty="0" err="1"/>
               <a:t>Fortnite</a:t>
             </a:r>
             <a:r>
-              <a:rPr lang="en-US" sz="3600" dirty="0"/>
+              <a:rPr lang="en-US" dirty="0"/>
               <a:t> generated and estimated $2.4 billion for Epic games in 2018.</a:t>
             </a:r>
           </a:p>
           <a:p>
             <a:r>
-              <a:rPr lang="en-US" sz="3600" dirty="0"/>
+              <a:rPr lang="en-US" dirty="0"/>
               <a:t>Epic’s 2019 </a:t>
             </a:r>
             <a:r>
-              <a:rPr lang="en-US" sz="3600" dirty="0" err="1"/>
+              <a:rPr lang="en-US" dirty="0" err="1"/>
               <a:t>Fortnite</a:t>
             </a:r>
             <a:r>
-              <a:rPr lang="en-US" sz="3600" dirty="0"/>
-              <a:t> World Cup had a prize pool of $100 million, spread  across ~19,000 players worldwide.</a:t>
-            </a:r>
-          </a:p>
-          <a:p>
-            <a:r>
-              <a:rPr lang="en-US" sz="3600" dirty="0"/>
-              <a:t>Emerging ecosystem of organizations, players and vendors needs a single place to go for information. </a:t>
+              <a:rPr lang="en-US" dirty="0"/>
+              <a:t> World Cup had a prize pool of $100 million, spread  across ~19,000 players worldwide (whom we track.)</a:t>
+            </a:r>
+          </a:p>
+          <a:p>
+            <a:r>
+              <a:rPr lang="en-US" dirty="0"/>
+              <a:t>Emerging ecosystem of organizations, players and vendors needs a single place to go for information – but existing sites suck.</a:t>
+            </a:r>
+          </a:p>
+          <a:p>
+            <a:r>
+              <a:rPr lang="en-US" dirty="0"/>
+              <a:t>The name, “</a:t>
+            </a:r>
+            <a:r>
+              <a:rPr lang="en-US" dirty="0" err="1"/>
+              <a:t>Fortnite</a:t>
+            </a:r>
+            <a:r>
+              <a:rPr lang="en-US" dirty="0"/>
+              <a:t> Ping”: </a:t>
+            </a:r>
+            <a:r>
+              <a:rPr lang="en-US" dirty="0" err="1"/>
+              <a:t>Fornite</a:t>
+            </a:r>
+            <a:r>
+              <a:rPr lang="en-US" dirty="0"/>
+              <a:t> shows the “ping” (</a:t>
+            </a:r>
+            <a:r>
+              <a:rPr lang="en-US" dirty="0" err="1"/>
+              <a:t>unix</a:t>
+            </a:r>
+            <a:r>
+              <a:rPr lang="en-US" dirty="0"/>
+              <a:t> term) of a player in the top left corner of the screen. Having a low-latency network connection to </a:t>
+            </a:r>
+            <a:r>
+              <a:rPr lang="en-US" dirty="0" err="1"/>
+              <a:t>Fortnite</a:t>
+            </a:r>
+            <a:r>
+              <a:rPr lang="en-US" dirty="0"/>
+              <a:t> servers is crucial to success, and is a topic of much discussion in </a:t>
+            </a:r>
+            <a:r>
+              <a:rPr lang="en-US" dirty="0" err="1"/>
+              <a:t>Fortnite</a:t>
+            </a:r>
+            <a:r>
+              <a:rPr lang="en-US" dirty="0"/>
+              <a:t> circles. So this is a great, memorable name for a </a:t>
+            </a:r>
+            <a:r>
+              <a:rPr lang="en-US" dirty="0" err="1"/>
+              <a:t>Fortnite</a:t>
+            </a:r>
+            <a:r>
+              <a:rPr lang="en-US" dirty="0"/>
+              <a:t> site.</a:t>
             </a:r>
           </a:p>
         </p:txBody>
@@ -3838,11 +11698,16 @@
           <a:p>
             <a:r>
               <a:rPr lang="en-US" sz="2000" dirty="0"/>
-              <a:t>Since World Cup, expanded to cover trio and squad formats in “Champion Series”</a:t>
-            </a:r>
-            <a:br>
-              <a:rPr lang="en-US" sz="3600" dirty="0"/>
-            </a:br>
+              <a:t>Since World Cup, expanded to cover trio and squad formats in FNCS (</a:t>
+            </a:r>
+            <a:r>
+              <a:rPr lang="en-US" sz="2000" dirty="0" err="1"/>
+              <a:t>Fortnite</a:t>
+            </a:r>
+            <a:r>
+              <a:rPr lang="en-US" sz="2000" dirty="0"/>
+              <a:t> Champion Series)</a:t>
+            </a:r>
             <a:r>
               <a:rPr lang="en-US" sz="3600" dirty="0"/>
               <a:t> </a:t>
@@ -3902,8 +11767,8 @@
         </p:blipFill>
         <p:spPr>
           <a:xfrm>
-            <a:off x="2023229" y="2199862"/>
-            <a:ext cx="7019171" cy="4099338"/>
+            <a:off x="2023229" y="2496392"/>
+            <a:ext cx="7019171" cy="3802807"/>
           </a:xfrm>
           <a:prstGeom prst="rect">
             <a:avLst/>
@@ -3993,8 +11858,8 @@
         </p:nvSpPr>
         <p:spPr>
           <a:xfrm>
-            <a:off x="816112" y="1925983"/>
-            <a:ext cx="10515600" cy="4276034"/>
+            <a:off x="598811" y="1925983"/>
+            <a:ext cx="10732901" cy="4276034"/>
           </a:xfrm>
         </p:spPr>
         <p:txBody>
@@ -4004,17 +11869,12 @@
           <a:lstStyle/>
           <a:p>
             <a:r>
-              <a:rPr lang="en-US" sz="2400" dirty="0"/>
-              <a:t>300-400 unique users per day, 1000+ when there </a:t>
-            </a:r>
-            <a:r>
-              <a:rPr lang="en-US" sz="2400" dirty="0" err="1"/>
-              <a:t>areTwitter</a:t>
-            </a:r>
-            <a:r>
-              <a:rPr lang="en-US" sz="2400" dirty="0"/>
-              <a:t> mentions. </a:t>
-            </a:r>
+              <a:rPr lang="en-US" sz="2000" dirty="0"/>
+              <a:t>300-400 unique users per day, 1000+ when there are Twitter mentions. No marketing yet.</a:t>
+            </a:r>
+          </a:p>
+          <a:p>
+            <a:endParaRPr lang="en-US" sz="2400" dirty="0"/>
           </a:p>
         </p:txBody>
       </p:sp>
@@ -4209,7 +12069,7 @@
           <a:p>
             <a:r>
               <a:rPr lang="en-US" sz="3600" dirty="0"/>
-              <a:t>25+ years of “full stack” development, plus expertise in d3.js, and R/</a:t>
+              <a:t>25+ years of full stack development, plus expertise in d3.js, and R/</a:t>
             </a:r>
             <a:r>
               <a:rPr lang="en-US" sz="3600" dirty="0" err="1"/>
@@ -4226,7 +12086,7 @@
           <a:p>
             <a:r>
               <a:rPr lang="en-US" sz="3600" dirty="0"/>
-              <a:t>Father of professional </a:t>
+              <a:t>Father of a professional </a:t>
             </a:r>
             <a:r>
               <a:rPr lang="en-US" sz="3600" dirty="0" err="1"/>
@@ -4234,7 +12094,7 @@
             </a:r>
             <a:r>
               <a:rPr lang="en-US" sz="3600" dirty="0"/>
-              <a:t> player who advises on site direction.  </a:t>
+              <a:t> player who advises on feature prioritization for the site.</a:t>
             </a:r>
           </a:p>
         </p:txBody>
@@ -4328,10 +12188,9 @@
           <a:lstStyle/>
           <a:p>
             <a:r>
-              <a:rPr lang="en-US" sz="6600" b="1"/>
-              <a:t>Revenue Sources</a:t>
-            </a:r>
-            <a:endParaRPr lang="en-US" sz="6600" b="1" dirty="0"/>
+              <a:rPr lang="en-US" b="1" dirty="0"/>
+              <a:t>Revenue Source #1: Players</a:t>
+            </a:r>
           </a:p>
         </p:txBody>
       </p:sp>
@@ -4353,8 +12212,8 @@
         </p:nvSpPr>
         <p:spPr>
           <a:xfrm>
-            <a:off x="816112" y="1925983"/>
-            <a:ext cx="10515600" cy="4276034"/>
+            <a:off x="816112" y="1793461"/>
+            <a:ext cx="10515600" cy="4408556"/>
           </a:xfrm>
         </p:spPr>
         <p:txBody>
@@ -4363,27 +12222,13 @@
           </a:bodyPr>
           <a:lstStyle/>
           <a:p>
+            <a:r>
+              <a:rPr lang="en-US" sz="3200" dirty="0"/>
+              <a:t>Competitive Players want to be easily recruited by orgs, and want better social media profiles. Charge a monthly fee to edit their profile page.</a:t>
+            </a:r>
+          </a:p>
+          <a:p>
             <a:endParaRPr lang="en-US" sz="3600" dirty="0"/>
-          </a:p>
-          <a:p>
-            <a:r>
-              <a:rPr lang="en-US" sz="3600" dirty="0"/>
-              <a:t>Epic’s 2019 </a:t>
-            </a:r>
-            <a:r>
-              <a:rPr lang="en-US" sz="3600" dirty="0" err="1"/>
-              <a:t>Fortnite</a:t>
-            </a:r>
-            <a:r>
-              <a:rPr lang="en-US" sz="3600" dirty="0"/>
-              <a:t> World Cup had a prize pool of $100 million, spread  across ~19,000 players worldwide.</a:t>
-            </a:r>
-          </a:p>
-          <a:p>
-            <a:r>
-              <a:rPr lang="en-US" sz="3600" dirty="0"/>
-              <a:t>Epic has committed to further events, and emerging ecosystem of organizations, players and vendors needs a single place to go for information. </a:t>
-            </a:r>
           </a:p>
         </p:txBody>
       </p:sp>
@@ -4411,6 +12256,36 @@
           <a:xfrm>
             <a:off x="514419" y="519699"/>
             <a:ext cx="3394972" cy="1238458"/>
+          </a:xfrm>
+          <a:prstGeom prst="rect">
+            <a:avLst/>
+          </a:prstGeom>
+        </p:spPr>
+      </p:pic>
+      <p:pic>
+        <p:nvPicPr>
+          <p:cNvPr id="4" name="Picture 3">
+            <a:extLst>
+              <a:ext uri="{FF2B5EF4-FFF2-40B4-BE49-F238E27FC236}">
+                <a16:creationId xmlns:a16="http://schemas.microsoft.com/office/drawing/2014/main" id="{B7F2B983-1BFA-4A0C-BED2-CCF4D6F555DE}"/>
+              </a:ext>
+            </a:extLst>
+          </p:cNvPr>
+          <p:cNvPicPr>
+            <a:picLocks noChangeAspect="1"/>
+          </p:cNvPicPr>
+          <p:nvPr/>
+        </p:nvPicPr>
+        <p:blipFill>
+          <a:blip r:embed="rId3"/>
+          <a:stretch>
+            <a:fillRect/>
+          </a:stretch>
+        </p:blipFill>
+        <p:spPr>
+          <a:xfrm>
+            <a:off x="4897374" y="2758659"/>
+            <a:ext cx="5041756" cy="3789070"/>
           </a:xfrm>
           <a:prstGeom prst="rect">
             <a:avLst/>
@@ -4475,7 +12350,10 @@
           </a:bodyPr>
           <a:lstStyle/>
           <a:p>
-            <a:endParaRPr lang="en-US" sz="6600" b="1" dirty="0"/>
+            <a:r>
+              <a:rPr lang="en-US" sz="4000" b="1" dirty="0"/>
+              <a:t>Revenue Source #2: Orgs</a:t>
+            </a:r>
           </a:p>
         </p:txBody>
       </p:sp>
@@ -4496,45 +12374,19 @@
           </p:nvPr>
         </p:nvSpPr>
         <p:spPr>
-          <a:xfrm>
-            <a:off x="816112" y="1925983"/>
-            <a:ext cx="10515600" cy="4276034"/>
+          <a:xfrm flipH="1">
+            <a:off x="11331711" y="6144591"/>
+            <a:ext cx="109332" cy="57425"/>
           </a:xfrm>
         </p:spPr>
         <p:txBody>
           <a:bodyPr>
-            <a:normAutofit lnSpcReduction="10000"/>
+            <a:normAutofit fontScale="25000" lnSpcReduction="20000"/>
           </a:bodyPr>
           <a:lstStyle/>
           <a:p>
-            <a:r>
-              <a:rPr lang="en-US" sz="3600" dirty="0" err="1"/>
-              <a:t>Fortnite</a:t>
-            </a:r>
-            <a:r>
-              <a:rPr lang="en-US" sz="3600" dirty="0"/>
-              <a:t> generated and estimated $2.4 billion for Epic games in 2018.</a:t>
-            </a:r>
-          </a:p>
-          <a:p>
-            <a:r>
-              <a:rPr lang="en-US" sz="3600" dirty="0"/>
-              <a:t>Epic’s 2019 </a:t>
-            </a:r>
-            <a:r>
-              <a:rPr lang="en-US" sz="3600" dirty="0" err="1"/>
-              <a:t>Fortnite</a:t>
-            </a:r>
-            <a:r>
-              <a:rPr lang="en-US" sz="3600" dirty="0"/>
-              <a:t> World Cup had a prize pool of $100 million, spread  across ~19,000 players worldwide.</a:t>
-            </a:r>
-          </a:p>
-          <a:p>
-            <a:r>
-              <a:rPr lang="en-US" sz="3600" dirty="0"/>
-              <a:t>Epic has committed to further events, and emerging ecosystem of organizations, players and vendors needs a single place to go for information. </a:t>
-            </a:r>
+            <a:pPr lvl="2"/>
+            <a:endParaRPr lang="en-US" sz="2800" dirty="0"/>
           </a:p>
         </p:txBody>
       </p:sp>
@@ -4568,10 +12420,279 @@
           </a:prstGeom>
         </p:spPr>
       </p:pic>
+      <p:sp>
+        <p:nvSpPr>
+          <p:cNvPr id="9" name="TextBox 8">
+            <a:extLst>
+              <a:ext uri="{FF2B5EF4-FFF2-40B4-BE49-F238E27FC236}">
+                <a16:creationId xmlns:a16="http://schemas.microsoft.com/office/drawing/2014/main" id="{0928CC1A-76F2-4A4B-873C-AF91EC47372B}"/>
+              </a:ext>
+            </a:extLst>
+          </p:cNvPr>
+          <p:cNvSpPr txBox="1"/>
+          <p:nvPr/>
+        </p:nvSpPr>
+        <p:spPr>
+          <a:xfrm>
+            <a:off x="699961" y="2152481"/>
+            <a:ext cx="9148787" cy="4093428"/>
+          </a:xfrm>
+          <a:prstGeom prst="rect">
+            <a:avLst/>
+          </a:prstGeom>
+          <a:noFill/>
+        </p:spPr>
+        <p:txBody>
+          <a:bodyPr wrap="none" rtlCol="0">
+            <a:spAutoFit/>
+          </a:bodyPr>
+          <a:lstStyle/>
+          <a:p>
+            <a:r>
+              <a:rPr lang="en-US" sz="3600" dirty="0"/>
+              <a:t>Charge eSport orgs monthly fees for:</a:t>
+            </a:r>
+          </a:p>
+          <a:p>
+            <a:r>
+              <a:rPr lang="en-US" sz="3600" dirty="0"/>
+              <a:t>	1) A team page showing their current </a:t>
+            </a:r>
+          </a:p>
+          <a:p>
+            <a:r>
+              <a:rPr lang="en-US" sz="3600" dirty="0"/>
+              <a:t>	roster, stats, news, etc.</a:t>
+            </a:r>
+          </a:p>
+          <a:p>
+            <a:r>
+              <a:rPr lang="en-US" sz="3600" dirty="0"/>
+              <a:t>	2) Data subscriptions with the most </a:t>
+            </a:r>
+          </a:p>
+          <a:p>
+            <a:r>
+              <a:rPr lang="en-US" sz="3600" dirty="0"/>
+              <a:t>	comprehensive player data – for recruiting </a:t>
+            </a:r>
+          </a:p>
+          <a:p>
+            <a:r>
+              <a:rPr lang="en-US" sz="3600" dirty="0"/>
+              <a:t>	3) Display ads</a:t>
+            </a:r>
+          </a:p>
+          <a:p>
+            <a:r>
+              <a:rPr lang="en-US" sz="4400" dirty="0"/>
+              <a:t>   </a:t>
+            </a:r>
+          </a:p>
+        </p:txBody>
+      </p:sp>
     </p:spTree>
     <p:extLst>
       <p:ext uri="{BB962C8B-B14F-4D97-AF65-F5344CB8AC3E}">
         <p14:creationId xmlns:p14="http://schemas.microsoft.com/office/powerpoint/2010/main" val="1469331615"/>
+      </p:ext>
+    </p:extLst>
+  </p:cSld>
+  <p:clrMapOvr>
+    <a:masterClrMapping/>
+  </p:clrMapOvr>
+</p:sld>
+</file>
+
+<file path=ppt/slides/slide9.xml><?xml version="1.0" encoding="utf-8"?>
+<p:sld xmlns:a="http://schemas.openxmlformats.org/drawingml/2006/main" xmlns:r="http://schemas.openxmlformats.org/officeDocument/2006/relationships" xmlns:p="http://schemas.openxmlformats.org/presentationml/2006/main">
+  <p:cSld>
+    <p:spTree>
+      <p:nvGrpSpPr>
+        <p:cNvPr id="1" name=""/>
+        <p:cNvGrpSpPr/>
+        <p:nvPr/>
+      </p:nvGrpSpPr>
+      <p:grpSpPr>
+        <a:xfrm>
+          <a:off x="0" y="0"/>
+          <a:ext cx="0" cy="0"/>
+          <a:chOff x="0" y="0"/>
+          <a:chExt cx="0" cy="0"/>
+        </a:xfrm>
+      </p:grpSpPr>
+      <p:sp>
+        <p:nvSpPr>
+          <p:cNvPr id="2" name="Title 1">
+            <a:extLst>
+              <a:ext uri="{FF2B5EF4-FFF2-40B4-BE49-F238E27FC236}">
+                <a16:creationId xmlns:a16="http://schemas.microsoft.com/office/drawing/2014/main" id="{A5A34119-6AF6-4FCB-BD12-5812FFC44BD0}"/>
+              </a:ext>
+            </a:extLst>
+          </p:cNvPr>
+          <p:cNvSpPr>
+            <a:spLocks noGrp="1"/>
+          </p:cNvSpPr>
+          <p:nvPr>
+            <p:ph type="title"/>
+          </p:nvPr>
+        </p:nvSpPr>
+        <p:spPr>
+          <a:xfrm>
+            <a:off x="4315791" y="468243"/>
+            <a:ext cx="7038008" cy="1289915"/>
+          </a:xfrm>
+        </p:spPr>
+        <p:txBody>
+          <a:bodyPr>
+            <a:normAutofit/>
+          </a:bodyPr>
+          <a:lstStyle/>
+          <a:p>
+            <a:r>
+              <a:rPr lang="en-US" sz="4000" b="1" dirty="0"/>
+              <a:t>Revenue Source #3: Sponsors</a:t>
+            </a:r>
+          </a:p>
+        </p:txBody>
+      </p:sp>
+      <p:sp>
+        <p:nvSpPr>
+          <p:cNvPr id="3" name="Content Placeholder 2">
+            <a:extLst>
+              <a:ext uri="{FF2B5EF4-FFF2-40B4-BE49-F238E27FC236}">
+                <a16:creationId xmlns:a16="http://schemas.microsoft.com/office/drawing/2014/main" id="{24E79866-BFBE-4A2B-A4E6-AEB5FDEAB0DF}"/>
+              </a:ext>
+            </a:extLst>
+          </p:cNvPr>
+          <p:cNvSpPr>
+            <a:spLocks noGrp="1"/>
+          </p:cNvSpPr>
+          <p:nvPr>
+            <p:ph idx="1"/>
+          </p:nvPr>
+        </p:nvSpPr>
+        <p:spPr>
+          <a:xfrm flipH="1">
+            <a:off x="11331711" y="6144591"/>
+            <a:ext cx="109332" cy="57425"/>
+          </a:xfrm>
+        </p:spPr>
+        <p:txBody>
+          <a:bodyPr>
+            <a:normAutofit fontScale="25000" lnSpcReduction="20000"/>
+          </a:bodyPr>
+          <a:lstStyle/>
+          <a:p>
+            <a:pPr lvl="2"/>
+            <a:endParaRPr lang="en-US" sz="2800" dirty="0"/>
+          </a:p>
+        </p:txBody>
+      </p:sp>
+      <p:pic>
+        <p:nvPicPr>
+          <p:cNvPr id="5" name="Picture 4">
+            <a:extLst>
+              <a:ext uri="{FF2B5EF4-FFF2-40B4-BE49-F238E27FC236}">
+                <a16:creationId xmlns:a16="http://schemas.microsoft.com/office/drawing/2014/main" id="{88FD0CF5-B79A-4233-B855-A9AA4E6F2356}"/>
+              </a:ext>
+            </a:extLst>
+          </p:cNvPr>
+          <p:cNvPicPr>
+            <a:picLocks noChangeAspect="1"/>
+          </p:cNvPicPr>
+          <p:nvPr/>
+        </p:nvPicPr>
+        <p:blipFill>
+          <a:blip r:embed="rId2"/>
+          <a:stretch>
+            <a:fillRect/>
+          </a:stretch>
+        </p:blipFill>
+        <p:spPr>
+          <a:xfrm>
+            <a:off x="514419" y="519699"/>
+            <a:ext cx="3394972" cy="1238458"/>
+          </a:xfrm>
+          <a:prstGeom prst="rect">
+            <a:avLst/>
+          </a:prstGeom>
+        </p:spPr>
+      </p:pic>
+      <p:sp>
+        <p:nvSpPr>
+          <p:cNvPr id="9" name="TextBox 8">
+            <a:extLst>
+              <a:ext uri="{FF2B5EF4-FFF2-40B4-BE49-F238E27FC236}">
+                <a16:creationId xmlns:a16="http://schemas.microsoft.com/office/drawing/2014/main" id="{0928CC1A-76F2-4A4B-873C-AF91EC47372B}"/>
+              </a:ext>
+            </a:extLst>
+          </p:cNvPr>
+          <p:cNvSpPr txBox="1"/>
+          <p:nvPr/>
+        </p:nvSpPr>
+        <p:spPr>
+          <a:xfrm>
+            <a:off x="699961" y="2152481"/>
+            <a:ext cx="9889374" cy="3785652"/>
+          </a:xfrm>
+          <a:prstGeom prst="rect">
+            <a:avLst/>
+          </a:prstGeom>
+          <a:noFill/>
+        </p:spPr>
+        <p:txBody>
+          <a:bodyPr wrap="none" rtlCol="0">
+            <a:spAutoFit/>
+          </a:bodyPr>
+          <a:lstStyle/>
+          <a:p>
+            <a:r>
+              <a:rPr lang="en-US" sz="4000" dirty="0"/>
+              <a:t>Pro players are a well-targeted market for:</a:t>
+            </a:r>
+          </a:p>
+          <a:p>
+            <a:r>
+              <a:rPr lang="en-US" sz="4000" dirty="0"/>
+              <a:t>	1) Gaming desktops, laptops and monitors</a:t>
+            </a:r>
+          </a:p>
+          <a:p>
+            <a:r>
+              <a:rPr lang="en-US" sz="4000" dirty="0"/>
+              <a:t>	2) Graphics cards</a:t>
+            </a:r>
+          </a:p>
+          <a:p>
+            <a:r>
+              <a:rPr lang="en-US" sz="4000" dirty="0"/>
+              <a:t>	3) Gaming mice and keyboards</a:t>
+            </a:r>
+          </a:p>
+          <a:p>
+            <a:r>
+              <a:rPr lang="en-US" sz="4000" dirty="0"/>
+              <a:t>	4) Network providers</a:t>
+            </a:r>
+          </a:p>
+          <a:p>
+            <a:r>
+              <a:rPr lang="en-US" sz="4000" dirty="0"/>
+              <a:t>	5) Energy drinks, </a:t>
+            </a:r>
+            <a:r>
+              <a:rPr lang="en-US" sz="4000" dirty="0" err="1"/>
+              <a:t>etc</a:t>
+            </a:r>
+            <a:endParaRPr lang="en-US" sz="4000" dirty="0"/>
+          </a:p>
+        </p:txBody>
+      </p:sp>
+    </p:spTree>
+    <p:extLst>
+      <p:ext uri="{BB962C8B-B14F-4D97-AF65-F5344CB8AC3E}">
+        <p14:creationId xmlns:p14="http://schemas.microsoft.com/office/powerpoint/2010/main" val="1235346201"/>
       </p:ext>
     </p:extLst>
   </p:cSld>
